--- a/Slides/src/2015/Lecture03.pptx
+++ b/Slides/src/2015/Lecture03.pptx
@@ -6,28 +6,29 @@
     <p:sldMasterId id="2147483660" r:id="rId2"/>
   </p:sldMasterIdLst>
   <p:notesMasterIdLst>
-    <p:notesMasterId r:id="rId19"/>
+    <p:notesMasterId r:id="rId20"/>
   </p:notesMasterIdLst>
   <p:handoutMasterIdLst>
-    <p:handoutMasterId r:id="rId20"/>
+    <p:handoutMasterId r:id="rId21"/>
   </p:handoutMasterIdLst>
   <p:sldIdLst>
     <p:sldId id="256" r:id="rId3"/>
-    <p:sldId id="260" r:id="rId4"/>
-    <p:sldId id="262" r:id="rId5"/>
-    <p:sldId id="265" r:id="rId6"/>
-    <p:sldId id="279" r:id="rId7"/>
-    <p:sldId id="264" r:id="rId8"/>
-    <p:sldId id="266" r:id="rId9"/>
-    <p:sldId id="268" r:id="rId10"/>
-    <p:sldId id="269" r:id="rId11"/>
-    <p:sldId id="270" r:id="rId12"/>
-    <p:sldId id="271" r:id="rId13"/>
-    <p:sldId id="272" r:id="rId14"/>
-    <p:sldId id="273" r:id="rId15"/>
-    <p:sldId id="274" r:id="rId16"/>
-    <p:sldId id="278" r:id="rId17"/>
-    <p:sldId id="276" r:id="rId18"/>
+    <p:sldId id="280" r:id="rId4"/>
+    <p:sldId id="260" r:id="rId5"/>
+    <p:sldId id="262" r:id="rId6"/>
+    <p:sldId id="265" r:id="rId7"/>
+    <p:sldId id="279" r:id="rId8"/>
+    <p:sldId id="264" r:id="rId9"/>
+    <p:sldId id="266" r:id="rId10"/>
+    <p:sldId id="268" r:id="rId11"/>
+    <p:sldId id="269" r:id="rId12"/>
+    <p:sldId id="270" r:id="rId13"/>
+    <p:sldId id="271" r:id="rId14"/>
+    <p:sldId id="272" r:id="rId15"/>
+    <p:sldId id="273" r:id="rId16"/>
+    <p:sldId id="274" r:id="rId17"/>
+    <p:sldId id="278" r:id="rId18"/>
+    <p:sldId id="276" r:id="rId19"/>
   </p:sldIdLst>
   <p:sldSz cx="9144000" cy="6858000" type="screen4x3"/>
   <p:notesSz cx="6858000" cy="9144000"/>
@@ -211,7 +212,7 @@
           <a:p>
             <a:fld id="{0B7652A0-FEB4-AA41-A12B-ED809B2EC655}" type="datetimeFigureOut">
               <a:rPr lang="en-US" smtClean="0"/>
-              <a:t>30/03/15</a:t>
+              <a:t>31/03/15</a:t>
             </a:fld>
             <a:endParaRPr lang="en-US"/>
           </a:p>
@@ -377,7 +378,7 @@
           <a:p>
             <a:fld id="{AD460C2B-D677-904D-8293-1E3D2FE1164E}" type="datetimeFigureOut">
               <a:rPr lang="en-US" smtClean="0"/>
-              <a:t>30/03/15</a:t>
+              <a:t>31/03/15</a:t>
             </a:fld>
             <a:endParaRPr lang="en-US"/>
           </a:p>
@@ -692,6 +693,120 @@
           <a:p>
             <a:r>
               <a:rPr lang="en-US" dirty="0" smtClean="0"/>
+              <a:t>Thinks to remember:</a:t>
+            </a:r>
+            <a:r>
+              <a:rPr lang="en-US" baseline="0" dirty="0" smtClean="0"/>
+              <a:t> </a:t>
+            </a:r>
+          </a:p>
+          <a:p>
+            <a:r>
+              <a:rPr lang="en-US" baseline="0" dirty="0" smtClean="0"/>
+              <a:t>  - Use of cameras in round 3 seems to be unfair.</a:t>
+            </a:r>
+          </a:p>
+          <a:p>
+            <a:r>
+              <a:rPr lang="en-US" baseline="0" dirty="0" smtClean="0"/>
+              <a:t>  - The task scales nicely, but with too many students there is not enough space behind the screen.</a:t>
+            </a:r>
+          </a:p>
+          <a:p>
+            <a:r>
+              <a:rPr lang="en-US" baseline="0" dirty="0" smtClean="0"/>
+              <a:t>  - I think it was a good point to honor early submissions in round three and make a remark on the importance of quick time-to</a:t>
+            </a:r>
+            <a:r>
+              <a:rPr lang="en-US" baseline="0" smtClean="0"/>
+              <a:t>-market</a:t>
+            </a:r>
+            <a:endParaRPr lang="en-US" dirty="0"/>
+          </a:p>
+        </p:txBody>
+      </p:sp>
+      <p:sp>
+        <p:nvSpPr>
+          <p:cNvPr id="4" name="Slide Number Placeholder 3"/>
+          <p:cNvSpPr>
+            <a:spLocks noGrp="1"/>
+          </p:cNvSpPr>
+          <p:nvPr>
+            <p:ph type="sldNum" sz="quarter" idx="10"/>
+          </p:nvPr>
+        </p:nvSpPr>
+        <p:spPr/>
+        <p:txBody>
+          <a:bodyPr/>
+          <a:lstStyle/>
+          <a:p>
+            <a:fld id="{8399E40F-4CEC-4840-8F2C-9C26EC6544F7}" type="slidenum">
+              <a:rPr lang="en-US" smtClean="0"/>
+              <a:t>1</a:t>
+            </a:fld>
+            <a:endParaRPr lang="en-US"/>
+          </a:p>
+        </p:txBody>
+      </p:sp>
+    </p:spTree>
+    <p:extLst>
+      <p:ext uri="{BB962C8B-B14F-4D97-AF65-F5344CB8AC3E}">
+        <p14:creationId xmlns:p14="http://schemas.microsoft.com/office/powerpoint/2010/main" val="123368724"/>
+      </p:ext>
+    </p:extLst>
+  </p:cSld>
+  <p:clrMapOvr>
+    <a:masterClrMapping/>
+  </p:clrMapOvr>
+</p:notes>
+</file>
+
+<file path=ppt/notesSlides/notesSlide2.xml><?xml version="1.0" encoding="utf-8"?>
+<p:notes xmlns:a="http://schemas.openxmlformats.org/drawingml/2006/main" xmlns:r="http://schemas.openxmlformats.org/officeDocument/2006/relationships" xmlns:p="http://schemas.openxmlformats.org/presentationml/2006/main">
+  <p:cSld>
+    <p:spTree>
+      <p:nvGrpSpPr>
+        <p:cNvPr id="1" name=""/>
+        <p:cNvGrpSpPr/>
+        <p:nvPr/>
+      </p:nvGrpSpPr>
+      <p:grpSpPr>
+        <a:xfrm>
+          <a:off x="0" y="0"/>
+          <a:ext cx="0" cy="0"/>
+          <a:chOff x="0" y="0"/>
+          <a:chExt cx="0" cy="0"/>
+        </a:xfrm>
+      </p:grpSpPr>
+      <p:sp>
+        <p:nvSpPr>
+          <p:cNvPr id="2" name="Slide Image Placeholder 1"/>
+          <p:cNvSpPr>
+            <a:spLocks noGrp="1" noRot="1" noChangeAspect="1"/>
+          </p:cNvSpPr>
+          <p:nvPr>
+            <p:ph type="sldImg"/>
+          </p:nvPr>
+        </p:nvSpPr>
+        <p:spPr/>
+      </p:sp>
+      <p:sp>
+        <p:nvSpPr>
+          <p:cNvPr id="3" name="Notes Placeholder 2"/>
+          <p:cNvSpPr>
+            <a:spLocks noGrp="1"/>
+          </p:cNvSpPr>
+          <p:nvPr>
+            <p:ph type="body" idx="1"/>
+          </p:nvPr>
+        </p:nvSpPr>
+        <p:spPr/>
+        <p:txBody>
+          <a:bodyPr/>
+          <a:lstStyle/>
+          <a:p>
+            <a:r>
+              <a:rPr lang="en-US" dirty="0" smtClean="0"/>
               <a:t>Take two minutes to discuss with your </a:t>
             </a:r>
             <a:r>
@@ -727,7 +842,7 @@
           <a:p>
             <a:fld id="{A9520E84-6A11-F642-B0FE-2FE63DD63793}" type="slidenum">
               <a:rPr lang="en-US" smtClean="0"/>
-              <a:t>16</a:t>
+              <a:t>17</a:t>
             </a:fld>
             <a:endParaRPr lang="en-US"/>
           </a:p>
@@ -2252,7 +2367,7 @@
             <a:fld id="{0C14C279-A54C-D244-B073-1D19DA843044}" type="datetimeFigureOut">
               <a:rPr lang="en-US" smtClean="0"/>
               <a:pPr/>
-              <a:t>30/03/15</a:t>
+              <a:t>31/03/15</a:t>
             </a:fld>
             <a:endParaRPr lang="en-US"/>
           </a:p>
@@ -5460,19 +5575,7 @@
           <a:p>
             <a:r>
               <a:rPr lang="en-US" dirty="0" smtClean="0"/>
-              <a:t>Agile Principles / </a:t>
-            </a:r>
-            <a:r>
-              <a:rPr lang="en-US" dirty="0" smtClean="0"/>
-              <a:t>Miniature</a:t>
-            </a:r>
-            <a:r>
-              <a:rPr lang="en-US" dirty="0" smtClean="0"/>
-              <a:t> </a:t>
-            </a:r>
-            <a:r>
-              <a:rPr lang="en-US" dirty="0" smtClean="0"/>
-              <a:t/>
+              <a:t>Agile Principles / Miniature </a:t>
             </a:r>
             <a:br>
               <a:rPr lang="en-US" dirty="0" smtClean="0"/>
@@ -5546,4261 +5649,6 @@
 </file>
 
 <file path=ppt/slides/slide10.xml><?xml version="1.0" encoding="utf-8"?>
-<p:sld xmlns:a="http://schemas.openxmlformats.org/drawingml/2006/main" xmlns:r="http://schemas.openxmlformats.org/officeDocument/2006/relationships" xmlns:p="http://schemas.openxmlformats.org/presentationml/2006/main">
-  <p:cSld>
-    <p:spTree>
-      <p:nvGrpSpPr>
-        <p:cNvPr id="1" name=""/>
-        <p:cNvGrpSpPr/>
-        <p:nvPr/>
-      </p:nvGrpSpPr>
-      <p:grpSpPr>
-        <a:xfrm>
-          <a:off x="0" y="0"/>
-          <a:ext cx="0" cy="0"/>
-          <a:chOff x="0" y="0"/>
-          <a:chExt cx="0" cy="0"/>
-        </a:xfrm>
-      </p:grpSpPr>
-      <p:sp>
-        <p:nvSpPr>
-          <p:cNvPr id="7" name="Title 6"/>
-          <p:cNvSpPr>
-            <a:spLocks noGrp="1"/>
-          </p:cNvSpPr>
-          <p:nvPr>
-            <p:ph type="title"/>
-          </p:nvPr>
-        </p:nvSpPr>
-        <p:spPr/>
-        <p:txBody>
-          <a:bodyPr/>
-          <a:lstStyle/>
-          <a:p>
-            <a:r>
-              <a:rPr lang="en-US" dirty="0" smtClean="0"/>
-              <a:t>Round 2</a:t>
-            </a:r>
-            <a:endParaRPr lang="en-US" dirty="0"/>
-          </a:p>
-        </p:txBody>
-      </p:sp>
-      <p:sp>
-        <p:nvSpPr>
-          <p:cNvPr id="8" name="Content Placeholder 7"/>
-          <p:cNvSpPr>
-            <a:spLocks noGrp="1"/>
-          </p:cNvSpPr>
-          <p:nvPr>
-            <p:ph idx="1"/>
-          </p:nvPr>
-        </p:nvSpPr>
-        <p:spPr/>
-        <p:txBody>
-          <a:bodyPr/>
-          <a:lstStyle/>
-          <a:p>
-            <a:r>
-              <a:rPr lang="en-US" dirty="0" smtClean="0"/>
-              <a:t>Same rules as in Round 1, except …</a:t>
-            </a:r>
-          </a:p>
-          <a:p>
-            <a:endParaRPr lang="en-US" dirty="0" smtClean="0"/>
-          </a:p>
-          <a:p>
-            <a:r>
-              <a:rPr lang="en-US" dirty="0" smtClean="0"/>
-              <a:t>Shorter Iterations:</a:t>
-            </a:r>
-          </a:p>
-          <a:p>
-            <a:pPr lvl="1"/>
-            <a:r>
-              <a:rPr lang="en-US" dirty="0" smtClean="0"/>
-              <a:t>Developers can send Shape/Picture back</a:t>
-            </a:r>
-          </a:p>
-          <a:p>
-            <a:pPr lvl="1"/>
-            <a:r>
-              <a:rPr lang="en-US" dirty="0" smtClean="0"/>
-              <a:t>Customers can write change request for a Shape or continue with next Shape</a:t>
-            </a:r>
-          </a:p>
-          <a:p>
-            <a:pPr lvl="1"/>
-            <a:endParaRPr lang="en-US" dirty="0" smtClean="0"/>
-          </a:p>
-          <a:p>
-            <a:r>
-              <a:rPr lang="en-US" dirty="0" smtClean="0"/>
-              <a:t>Time for this round: 5 minutes</a:t>
-            </a:r>
-            <a:endParaRPr lang="en-US" dirty="0"/>
-          </a:p>
-        </p:txBody>
-      </p:sp>
-    </p:spTree>
-    <p:extLst>
-      <p:ext uri="{BB962C8B-B14F-4D97-AF65-F5344CB8AC3E}">
-        <p14:creationId xmlns:p14="http://schemas.microsoft.com/office/powerpoint/2010/main" val="2582297291"/>
-      </p:ext>
-    </p:extLst>
-  </p:cSld>
-  <p:clrMapOvr>
-    <a:masterClrMapping/>
-  </p:clrMapOvr>
-  <p:transition xmlns:p14="http://schemas.microsoft.com/office/powerpoint/2010/main">
-    <p:fade/>
-  </p:transition>
-  <p:timing>
-    <p:tnLst>
-      <p:par>
-        <p:cTn xmlns:p14="http://schemas.microsoft.com/office/powerpoint/2010/main" id="1" dur="indefinite" restart="never" nodeType="tmRoot"/>
-      </p:par>
-    </p:tnLst>
-  </p:timing>
-</p:sld>
-</file>
-
-<file path=ppt/slides/slide11.xml><?xml version="1.0" encoding="utf-8"?>
-<p:sld xmlns:a="http://schemas.openxmlformats.org/drawingml/2006/main" xmlns:r="http://schemas.openxmlformats.org/officeDocument/2006/relationships" xmlns:p="http://schemas.openxmlformats.org/presentationml/2006/main">
-  <p:cSld>
-    <p:spTree>
-      <p:nvGrpSpPr>
-        <p:cNvPr id="1" name=""/>
-        <p:cNvGrpSpPr/>
-        <p:nvPr/>
-      </p:nvGrpSpPr>
-      <p:grpSpPr>
-        <a:xfrm>
-          <a:off x="0" y="0"/>
-          <a:ext cx="0" cy="0"/>
-          <a:chOff x="0" y="0"/>
-          <a:chExt cx="0" cy="0"/>
-        </a:xfrm>
-      </p:grpSpPr>
-      <p:sp>
-        <p:nvSpPr>
-          <p:cNvPr id="4" name="Title 3"/>
-          <p:cNvSpPr>
-            <a:spLocks noGrp="1"/>
-          </p:cNvSpPr>
-          <p:nvPr>
-            <p:ph type="title"/>
-          </p:nvPr>
-        </p:nvSpPr>
-        <p:spPr/>
-        <p:txBody>
-          <a:bodyPr/>
-          <a:lstStyle/>
-          <a:p>
-            <a:r>
-              <a:rPr lang="en-US" dirty="0" smtClean="0"/>
-              <a:t>Retrospective of </a:t>
-            </a:r>
-            <a:r>
-              <a:rPr lang="en-US" dirty="0"/>
-              <a:t>A</a:t>
-            </a:r>
-            <a:r>
-              <a:rPr lang="en-US" dirty="0" smtClean="0"/>
-              <a:t>pplied Strategy</a:t>
-            </a:r>
-            <a:endParaRPr lang="en-US" dirty="0"/>
-          </a:p>
-        </p:txBody>
-      </p:sp>
-      <p:sp>
-        <p:nvSpPr>
-          <p:cNvPr id="5" name="Text Placeholder 4"/>
-          <p:cNvSpPr>
-            <a:spLocks noGrp="1"/>
-          </p:cNvSpPr>
-          <p:nvPr>
-            <p:ph type="body" idx="1"/>
-          </p:nvPr>
-        </p:nvSpPr>
-        <p:spPr>
-          <a:xfrm>
-            <a:off x="457200" y="980728"/>
-            <a:ext cx="4040188" cy="639762"/>
-          </a:xfrm>
-        </p:spPr>
-        <p:txBody>
-          <a:bodyPr/>
-          <a:lstStyle/>
-          <a:p>
-            <a:r>
-              <a:rPr lang="en-US" dirty="0" smtClean="0"/>
-              <a:t>What did work well?</a:t>
-            </a:r>
-            <a:endParaRPr lang="en-US" dirty="0"/>
-          </a:p>
-        </p:txBody>
-      </p:sp>
-      <p:sp>
-        <p:nvSpPr>
-          <p:cNvPr id="6" name="Content Placeholder 5"/>
-          <p:cNvSpPr>
-            <a:spLocks noGrp="1"/>
-          </p:cNvSpPr>
-          <p:nvPr>
-            <p:ph sz="half" idx="2"/>
-          </p:nvPr>
-        </p:nvSpPr>
-        <p:spPr>
-          <a:xfrm>
-            <a:off x="457200" y="1620490"/>
-            <a:ext cx="4040188" cy="1985913"/>
-          </a:xfrm>
-        </p:spPr>
-        <p:txBody>
-          <a:bodyPr>
-            <a:normAutofit fontScale="92500" lnSpcReduction="20000"/>
-          </a:bodyPr>
-          <a:lstStyle/>
-          <a:p>
-            <a:r>
-              <a:rPr lang="en-US" dirty="0" smtClean="0"/>
-              <a:t>Task management (increments)</a:t>
-            </a:r>
-          </a:p>
-          <a:p>
-            <a:r>
-              <a:rPr lang="en-US" dirty="0" smtClean="0"/>
-              <a:t>Iterations</a:t>
-            </a:r>
-          </a:p>
-          <a:p>
-            <a:r>
-              <a:rPr lang="en-US" dirty="0" smtClean="0"/>
-              <a:t>Metaphors</a:t>
-            </a:r>
-          </a:p>
-          <a:p>
-            <a:r>
-              <a:rPr lang="en-US" dirty="0" smtClean="0"/>
-              <a:t>Common language</a:t>
-            </a:r>
-          </a:p>
-          <a:p>
-            <a:r>
-              <a:rPr lang="en-US" dirty="0" smtClean="0"/>
-              <a:t>Time management  </a:t>
-            </a:r>
-            <a:endParaRPr lang="en-US" dirty="0"/>
-          </a:p>
-        </p:txBody>
-      </p:sp>
-      <p:sp>
-        <p:nvSpPr>
-          <p:cNvPr id="7" name="Text Placeholder 6"/>
-          <p:cNvSpPr>
-            <a:spLocks noGrp="1"/>
-          </p:cNvSpPr>
-          <p:nvPr>
-            <p:ph type="body" sz="quarter" idx="3"/>
-          </p:nvPr>
-        </p:nvSpPr>
-        <p:spPr>
-          <a:xfrm>
-            <a:off x="4645025" y="980728"/>
-            <a:ext cx="4041775" cy="639762"/>
-          </a:xfrm>
-        </p:spPr>
-        <p:txBody>
-          <a:bodyPr>
-            <a:normAutofit fontScale="92500"/>
-          </a:bodyPr>
-          <a:lstStyle/>
-          <a:p>
-            <a:r>
-              <a:rPr lang="en-US" dirty="0" smtClean="0"/>
-              <a:t>What should we change?</a:t>
-            </a:r>
-            <a:endParaRPr lang="en-US" dirty="0"/>
-          </a:p>
-        </p:txBody>
-      </p:sp>
-      <p:sp>
-        <p:nvSpPr>
-          <p:cNvPr id="8" name="Content Placeholder 7"/>
-          <p:cNvSpPr>
-            <a:spLocks noGrp="1"/>
-          </p:cNvSpPr>
-          <p:nvPr>
-            <p:ph sz="quarter" idx="4"/>
-          </p:nvPr>
-        </p:nvSpPr>
-        <p:spPr>
-          <a:xfrm>
-            <a:off x="4645025" y="1620490"/>
-            <a:ext cx="4041775" cy="3951288"/>
-          </a:xfrm>
-        </p:spPr>
-        <p:txBody>
-          <a:bodyPr>
-            <a:normAutofit/>
-          </a:bodyPr>
-          <a:lstStyle/>
-          <a:p>
-            <a:r>
-              <a:rPr lang="en-US" dirty="0" smtClean="0"/>
-              <a:t>Introduce Integration Management</a:t>
-            </a:r>
-          </a:p>
-          <a:p>
-            <a:r>
-              <a:rPr lang="en-US" dirty="0" smtClean="0"/>
-              <a:t>More and faster feedback</a:t>
-            </a:r>
-            <a:endParaRPr lang="en-US" dirty="0"/>
-          </a:p>
-        </p:txBody>
-      </p:sp>
-      <p:sp>
-        <p:nvSpPr>
-          <p:cNvPr id="9" name="Text Placeholder 4"/>
-          <p:cNvSpPr txBox="1">
-            <a:spLocks/>
-          </p:cNvSpPr>
-          <p:nvPr/>
-        </p:nvSpPr>
-        <p:spPr>
-          <a:xfrm>
-            <a:off x="457200" y="3606403"/>
-            <a:ext cx="4040188" cy="639762"/>
-          </a:xfrm>
-          <a:prstGeom prst="rect">
-            <a:avLst/>
-          </a:prstGeom>
-        </p:spPr>
-        <p:txBody>
-          <a:bodyPr vert="horz" lIns="91440" tIns="45720" rIns="91440" bIns="45720" rtlCol="0" anchor="b">
-            <a:normAutofit/>
-          </a:bodyPr>
-          <a:lstStyle/>
-          <a:p>
-            <a:pPr marL="0" marR="0" lvl="0" indent="0" algn="l" defTabSz="457200" rtl="0" eaLnBrk="1" fontAlgn="auto" latinLnBrk="0" hangingPunct="1">
-              <a:lnSpc>
-                <a:spcPct val="100000"/>
-              </a:lnSpc>
-              <a:spcBef>
-                <a:spcPct val="20000"/>
-              </a:spcBef>
-              <a:spcAft>
-                <a:spcPts val="0"/>
-              </a:spcAft>
-              <a:buClrTx/>
-              <a:buSzTx/>
-              <a:buFont typeface="Arial"/>
-              <a:buNone/>
-              <a:tabLst/>
-              <a:defRPr/>
-            </a:pPr>
-            <a:r>
-              <a:rPr kumimoji="0" lang="en-US" sz="2400" b="1" i="0" u="none" strike="noStrike" kern="1200" cap="none" spc="0" normalizeH="0" baseline="0" noProof="0" dirty="0" smtClean="0">
-                <a:ln>
-                  <a:noFill/>
-                </a:ln>
-                <a:solidFill>
-                  <a:schemeClr val="tx1"/>
-                </a:solidFill>
-                <a:effectLst/>
-                <a:uLnTx/>
-                <a:uFillTx/>
-                <a:latin typeface="+mn-lt"/>
-                <a:ea typeface="+mn-ea"/>
-                <a:cs typeface="+mn-cs"/>
-              </a:rPr>
-              <a:t>What did not work well?</a:t>
-            </a:r>
-          </a:p>
-        </p:txBody>
-      </p:sp>
-      <p:sp>
-        <p:nvSpPr>
-          <p:cNvPr id="10" name="Content Placeholder 5"/>
-          <p:cNvSpPr txBox="1">
-            <a:spLocks/>
-          </p:cNvSpPr>
-          <p:nvPr/>
-        </p:nvSpPr>
-        <p:spPr>
-          <a:xfrm>
-            <a:off x="609600" y="4246165"/>
-            <a:ext cx="4040188" cy="1985913"/>
-          </a:xfrm>
-          <a:prstGeom prst="rect">
-            <a:avLst/>
-          </a:prstGeom>
-        </p:spPr>
-        <p:txBody>
-          <a:bodyPr vert="horz" lIns="91440" tIns="45720" rIns="91440" bIns="45720" rtlCol="0">
-            <a:normAutofit/>
-          </a:bodyPr>
-          <a:lstStyle/>
-          <a:p>
-            <a:pPr marL="342900" marR="0" lvl="0" indent="-342900" algn="l" defTabSz="457200" rtl="0" eaLnBrk="1" fontAlgn="auto" latinLnBrk="0" hangingPunct="1">
-              <a:lnSpc>
-                <a:spcPct val="100000"/>
-              </a:lnSpc>
-              <a:spcBef>
-                <a:spcPct val="20000"/>
-              </a:spcBef>
-              <a:spcAft>
-                <a:spcPts val="0"/>
-              </a:spcAft>
-              <a:buClrTx/>
-              <a:buSzTx/>
-              <a:buFont typeface="Arial"/>
-              <a:buChar char="•"/>
-              <a:tabLst/>
-              <a:defRPr/>
-            </a:pPr>
-            <a:r>
-              <a:rPr kumimoji="0" lang="en-US" sz="2400" b="0" i="0" u="none" strike="noStrike" kern="1200" cap="none" spc="0" normalizeH="0" baseline="0" noProof="0" dirty="0" smtClean="0">
-                <a:ln>
-                  <a:noFill/>
-                </a:ln>
-                <a:solidFill>
-                  <a:schemeClr val="tx1"/>
-                </a:solidFill>
-                <a:effectLst/>
-                <a:uLnTx/>
-                <a:uFillTx/>
-                <a:latin typeface="+mn-lt"/>
-                <a:ea typeface="+mn-ea"/>
-                <a:cs typeface="+mn-cs"/>
-              </a:rPr>
-              <a:t>Integration</a:t>
-            </a:r>
-            <a:r>
-              <a:rPr kumimoji="0" lang="en-US" sz="2400" b="0" i="0" u="none" strike="noStrike" kern="1200" cap="none" spc="0" normalizeH="0" noProof="0" dirty="0" smtClean="0">
-                <a:ln>
-                  <a:noFill/>
-                </a:ln>
-                <a:solidFill>
-                  <a:schemeClr val="tx1"/>
-                </a:solidFill>
-                <a:effectLst/>
-                <a:uLnTx/>
-                <a:uFillTx/>
-                <a:latin typeface="+mn-lt"/>
-                <a:ea typeface="+mn-ea"/>
-                <a:cs typeface="+mn-cs"/>
-              </a:rPr>
-              <a:t> of Increments and Iterations to whole picture</a:t>
-            </a:r>
-          </a:p>
-          <a:p>
-            <a:pPr marL="342900" marR="0" lvl="0" indent="-342900" algn="l" defTabSz="457200" rtl="0" eaLnBrk="1" fontAlgn="auto" latinLnBrk="0" hangingPunct="1">
-              <a:lnSpc>
-                <a:spcPct val="100000"/>
-              </a:lnSpc>
-              <a:spcBef>
-                <a:spcPct val="20000"/>
-              </a:spcBef>
-              <a:spcAft>
-                <a:spcPts val="0"/>
-              </a:spcAft>
-              <a:buClrTx/>
-              <a:buSzTx/>
-              <a:buFont typeface="Arial"/>
-              <a:buChar char="•"/>
-              <a:tabLst/>
-              <a:defRPr/>
-            </a:pPr>
-            <a:r>
-              <a:rPr lang="en-US" sz="2400" baseline="0" dirty="0" smtClean="0"/>
-              <a:t>Ambiguity</a:t>
-            </a:r>
-            <a:r>
-              <a:rPr lang="en-US" sz="2400" dirty="0" smtClean="0"/>
-              <a:t> of metaphors</a:t>
-            </a:r>
-            <a:endParaRPr kumimoji="0" lang="en-US" sz="2400" b="0" i="0" u="none" strike="noStrike" kern="1200" cap="none" spc="0" normalizeH="0" baseline="0" noProof="0" dirty="0" smtClean="0">
-              <a:ln>
-                <a:noFill/>
-              </a:ln>
-              <a:solidFill>
-                <a:schemeClr val="tx1"/>
-              </a:solidFill>
-              <a:effectLst/>
-              <a:uLnTx/>
-              <a:uFillTx/>
-              <a:latin typeface="+mn-lt"/>
-              <a:ea typeface="+mn-ea"/>
-              <a:cs typeface="+mn-cs"/>
-            </a:endParaRPr>
-          </a:p>
-        </p:txBody>
-      </p:sp>
-    </p:spTree>
-    <p:extLst>
-      <p:ext uri="{BB962C8B-B14F-4D97-AF65-F5344CB8AC3E}">
-        <p14:creationId xmlns:p14="http://schemas.microsoft.com/office/powerpoint/2010/main" val="362074827"/>
-      </p:ext>
-    </p:extLst>
-  </p:cSld>
-  <p:clrMapOvr>
-    <a:masterClrMapping/>
-  </p:clrMapOvr>
-  <p:timing>
-    <p:tnLst>
-      <p:par>
-        <p:cTn xmlns:p14="http://schemas.microsoft.com/office/powerpoint/2010/main" id="1" dur="indefinite" restart="never" nodeType="tmRoot">
-          <p:childTnLst>
-            <p:seq concurrent="1" nextAc="seek">
-              <p:cTn id="2" dur="indefinite" nodeType="mainSeq">
-                <p:childTnLst>
-                  <p:par>
-                    <p:cTn id="3" fill="hold">
-                      <p:stCondLst>
-                        <p:cond delay="indefinite"/>
-                      </p:stCondLst>
-                      <p:childTnLst>
-                        <p:par>
-                          <p:cTn id="4" fill="hold">
-                            <p:stCondLst>
-                              <p:cond delay="0"/>
-                            </p:stCondLst>
-                            <p:childTnLst>
-                              <p:par>
-                                <p:cTn id="5" presetID="1" presetClass="entr" presetSubtype="0" fill="hold" grpId="0" nodeType="clickEffect">
-                                  <p:stCondLst>
-                                    <p:cond delay="0"/>
-                                  </p:stCondLst>
-                                  <p:childTnLst>
-                                    <p:set>
-                                      <p:cBhvr>
-                                        <p:cTn id="6" dur="1" fill="hold">
-                                          <p:stCondLst>
-                                            <p:cond delay="0"/>
-                                          </p:stCondLst>
-                                        </p:cTn>
-                                        <p:tgtEl>
-                                          <p:spTgt spid="6">
-                                            <p:txEl>
-                                              <p:pRg st="0" end="0"/>
-                                            </p:txEl>
-                                          </p:spTgt>
-                                        </p:tgtEl>
-                                        <p:attrNameLst>
-                                          <p:attrName>style.visibility</p:attrName>
-                                        </p:attrNameLst>
-                                      </p:cBhvr>
-                                      <p:to>
-                                        <p:strVal val="visible"/>
-                                      </p:to>
-                                    </p:set>
-                                  </p:childTnLst>
-                                </p:cTn>
-                              </p:par>
-                              <p:par>
-                                <p:cTn id="7" presetID="1" presetClass="entr" presetSubtype="0" fill="hold" grpId="0" nodeType="withEffect">
-                                  <p:stCondLst>
-                                    <p:cond delay="0"/>
-                                  </p:stCondLst>
-                                  <p:childTnLst>
-                                    <p:set>
-                                      <p:cBhvr>
-                                        <p:cTn id="8" dur="1" fill="hold">
-                                          <p:stCondLst>
-                                            <p:cond delay="0"/>
-                                          </p:stCondLst>
-                                        </p:cTn>
-                                        <p:tgtEl>
-                                          <p:spTgt spid="6">
-                                            <p:txEl>
-                                              <p:pRg st="1" end="1"/>
-                                            </p:txEl>
-                                          </p:spTgt>
-                                        </p:tgtEl>
-                                        <p:attrNameLst>
-                                          <p:attrName>style.visibility</p:attrName>
-                                        </p:attrNameLst>
-                                      </p:cBhvr>
-                                      <p:to>
-                                        <p:strVal val="visible"/>
-                                      </p:to>
-                                    </p:set>
-                                  </p:childTnLst>
-                                </p:cTn>
-                              </p:par>
-                              <p:par>
-                                <p:cTn id="9" presetID="1" presetClass="entr" presetSubtype="0" fill="hold" grpId="0" nodeType="withEffect">
-                                  <p:stCondLst>
-                                    <p:cond delay="0"/>
-                                  </p:stCondLst>
-                                  <p:childTnLst>
-                                    <p:set>
-                                      <p:cBhvr>
-                                        <p:cTn id="10" dur="1" fill="hold">
-                                          <p:stCondLst>
-                                            <p:cond delay="0"/>
-                                          </p:stCondLst>
-                                        </p:cTn>
-                                        <p:tgtEl>
-                                          <p:spTgt spid="6">
-                                            <p:txEl>
-                                              <p:pRg st="2" end="2"/>
-                                            </p:txEl>
-                                          </p:spTgt>
-                                        </p:tgtEl>
-                                        <p:attrNameLst>
-                                          <p:attrName>style.visibility</p:attrName>
-                                        </p:attrNameLst>
-                                      </p:cBhvr>
-                                      <p:to>
-                                        <p:strVal val="visible"/>
-                                      </p:to>
-                                    </p:set>
-                                  </p:childTnLst>
-                                </p:cTn>
-                              </p:par>
-                              <p:par>
-                                <p:cTn id="11" presetID="1" presetClass="entr" presetSubtype="0" fill="hold" grpId="0" nodeType="withEffect">
-                                  <p:stCondLst>
-                                    <p:cond delay="0"/>
-                                  </p:stCondLst>
-                                  <p:childTnLst>
-                                    <p:set>
-                                      <p:cBhvr>
-                                        <p:cTn id="12" dur="1" fill="hold">
-                                          <p:stCondLst>
-                                            <p:cond delay="0"/>
-                                          </p:stCondLst>
-                                        </p:cTn>
-                                        <p:tgtEl>
-                                          <p:spTgt spid="6">
-                                            <p:txEl>
-                                              <p:pRg st="3" end="3"/>
-                                            </p:txEl>
-                                          </p:spTgt>
-                                        </p:tgtEl>
-                                        <p:attrNameLst>
-                                          <p:attrName>style.visibility</p:attrName>
-                                        </p:attrNameLst>
-                                      </p:cBhvr>
-                                      <p:to>
-                                        <p:strVal val="visible"/>
-                                      </p:to>
-                                    </p:set>
-                                  </p:childTnLst>
-                                </p:cTn>
-                              </p:par>
-                              <p:par>
-                                <p:cTn id="13" presetID="1" presetClass="entr" presetSubtype="0" fill="hold" grpId="0" nodeType="withEffect">
-                                  <p:stCondLst>
-                                    <p:cond delay="0"/>
-                                  </p:stCondLst>
-                                  <p:childTnLst>
-                                    <p:set>
-                                      <p:cBhvr>
-                                        <p:cTn id="14" dur="1" fill="hold">
-                                          <p:stCondLst>
-                                            <p:cond delay="0"/>
-                                          </p:stCondLst>
-                                        </p:cTn>
-                                        <p:tgtEl>
-                                          <p:spTgt spid="6">
-                                            <p:txEl>
-                                              <p:pRg st="4" end="4"/>
-                                            </p:txEl>
-                                          </p:spTgt>
-                                        </p:tgtEl>
-                                        <p:attrNameLst>
-                                          <p:attrName>style.visibility</p:attrName>
-                                        </p:attrNameLst>
-                                      </p:cBhvr>
-                                      <p:to>
-                                        <p:strVal val="visible"/>
-                                      </p:to>
-                                    </p:set>
-                                  </p:childTnLst>
-                                </p:cTn>
-                              </p:par>
-                            </p:childTnLst>
-                          </p:cTn>
-                        </p:par>
-                      </p:childTnLst>
-                    </p:cTn>
-                  </p:par>
-                  <p:par>
-                    <p:cTn id="15" fill="hold">
-                      <p:stCondLst>
-                        <p:cond delay="indefinite"/>
-                      </p:stCondLst>
-                      <p:childTnLst>
-                        <p:par>
-                          <p:cTn id="16" fill="hold">
-                            <p:stCondLst>
-                              <p:cond delay="0"/>
-                            </p:stCondLst>
-                            <p:childTnLst>
-                              <p:par>
-                                <p:cTn id="17" presetID="1" presetClass="entr" presetSubtype="0" fill="hold" grpId="0" nodeType="clickEffect">
-                                  <p:stCondLst>
-                                    <p:cond delay="0"/>
-                                  </p:stCondLst>
-                                  <p:childTnLst>
-                                    <p:set>
-                                      <p:cBhvr>
-                                        <p:cTn id="18" dur="1" fill="hold">
-                                          <p:stCondLst>
-                                            <p:cond delay="0"/>
-                                          </p:stCondLst>
-                                        </p:cTn>
-                                        <p:tgtEl>
-                                          <p:spTgt spid="10"/>
-                                        </p:tgtEl>
-                                        <p:attrNameLst>
-                                          <p:attrName>style.visibility</p:attrName>
-                                        </p:attrNameLst>
-                                      </p:cBhvr>
-                                      <p:to>
-                                        <p:strVal val="visible"/>
-                                      </p:to>
-                                    </p:set>
-                                  </p:childTnLst>
-                                </p:cTn>
-                              </p:par>
-                            </p:childTnLst>
-                          </p:cTn>
-                        </p:par>
-                      </p:childTnLst>
-                    </p:cTn>
-                  </p:par>
-                  <p:par>
-                    <p:cTn id="19" fill="hold">
-                      <p:stCondLst>
-                        <p:cond delay="indefinite"/>
-                      </p:stCondLst>
-                      <p:childTnLst>
-                        <p:par>
-                          <p:cTn id="20" fill="hold">
-                            <p:stCondLst>
-                              <p:cond delay="0"/>
-                            </p:stCondLst>
-                            <p:childTnLst>
-                              <p:par>
-                                <p:cTn id="21" presetID="1" presetClass="entr" presetSubtype="0" fill="hold" grpId="0" nodeType="clickEffect">
-                                  <p:stCondLst>
-                                    <p:cond delay="0"/>
-                                  </p:stCondLst>
-                                  <p:childTnLst>
-                                    <p:set>
-                                      <p:cBhvr>
-                                        <p:cTn id="22" dur="1" fill="hold">
-                                          <p:stCondLst>
-                                            <p:cond delay="0"/>
-                                          </p:stCondLst>
-                                        </p:cTn>
-                                        <p:tgtEl>
-                                          <p:spTgt spid="8">
-                                            <p:txEl>
-                                              <p:pRg st="0" end="0"/>
-                                            </p:txEl>
-                                          </p:spTgt>
-                                        </p:tgtEl>
-                                        <p:attrNameLst>
-                                          <p:attrName>style.visibility</p:attrName>
-                                        </p:attrNameLst>
-                                      </p:cBhvr>
-                                      <p:to>
-                                        <p:strVal val="visible"/>
-                                      </p:to>
-                                    </p:set>
-                                  </p:childTnLst>
-                                </p:cTn>
-                              </p:par>
-                              <p:par>
-                                <p:cTn id="23" presetID="1" presetClass="entr" presetSubtype="0" fill="hold" grpId="0" nodeType="withEffect">
-                                  <p:stCondLst>
-                                    <p:cond delay="0"/>
-                                  </p:stCondLst>
-                                  <p:childTnLst>
-                                    <p:set>
-                                      <p:cBhvr>
-                                        <p:cTn id="24" dur="1" fill="hold">
-                                          <p:stCondLst>
-                                            <p:cond delay="0"/>
-                                          </p:stCondLst>
-                                        </p:cTn>
-                                        <p:tgtEl>
-                                          <p:spTgt spid="8">
-                                            <p:txEl>
-                                              <p:pRg st="1" end="1"/>
-                                            </p:txEl>
-                                          </p:spTgt>
-                                        </p:tgtEl>
-                                        <p:attrNameLst>
-                                          <p:attrName>style.visibility</p:attrName>
-                                        </p:attrNameLst>
-                                      </p:cBhvr>
-                                      <p:to>
-                                        <p:strVal val="visible"/>
-                                      </p:to>
-                                    </p:set>
-                                  </p:childTnLst>
-                                </p:cTn>
-                              </p:par>
-                            </p:childTnLst>
-                          </p:cTn>
-                        </p:par>
-                      </p:childTnLst>
-                    </p:cTn>
-                  </p:par>
-                </p:childTnLst>
-              </p:cTn>
-              <p:prevCondLst>
-                <p:cond evt="onPrev" delay="0">
-                  <p:tgtEl>
-                    <p:sldTgt/>
-                  </p:tgtEl>
-                </p:cond>
-              </p:prevCondLst>
-              <p:nextCondLst>
-                <p:cond evt="onNext" delay="0">
-                  <p:tgtEl>
-                    <p:sldTgt/>
-                  </p:tgtEl>
-                </p:cond>
-              </p:nextCondLst>
-            </p:seq>
-          </p:childTnLst>
-        </p:cTn>
-      </p:par>
-    </p:tnLst>
-    <p:bldLst>
-      <p:bldP spid="6" grpId="0" build="p"/>
-      <p:bldP spid="8" grpId="0" build="p"/>
-      <p:bldP spid="10" grpId="0"/>
-    </p:bldLst>
-  </p:timing>
-</p:sld>
-</file>
-
-<file path=ppt/slides/slide12.xml><?xml version="1.0" encoding="utf-8"?>
-<p:sld xmlns:a="http://schemas.openxmlformats.org/drawingml/2006/main" xmlns:r="http://schemas.openxmlformats.org/officeDocument/2006/relationships" xmlns:p="http://schemas.openxmlformats.org/presentationml/2006/main">
-  <p:cSld>
-    <p:spTree>
-      <p:nvGrpSpPr>
-        <p:cNvPr id="1" name=""/>
-        <p:cNvGrpSpPr/>
-        <p:nvPr/>
-      </p:nvGrpSpPr>
-      <p:grpSpPr>
-        <a:xfrm>
-          <a:off x="0" y="0"/>
-          <a:ext cx="0" cy="0"/>
-          <a:chOff x="0" y="0"/>
-          <a:chExt cx="0" cy="0"/>
-        </a:xfrm>
-      </p:grpSpPr>
-      <p:sp>
-        <p:nvSpPr>
-          <p:cNvPr id="2" name="Title 1"/>
-          <p:cNvSpPr>
-            <a:spLocks noGrp="1"/>
-          </p:cNvSpPr>
-          <p:nvPr>
-            <p:ph type="title"/>
-          </p:nvPr>
-        </p:nvSpPr>
-        <p:spPr/>
-        <p:txBody>
-          <a:bodyPr/>
-          <a:lstStyle/>
-          <a:p>
-            <a:r>
-              <a:rPr lang="en-US" dirty="0" smtClean="0"/>
-              <a:t>Round 3</a:t>
-            </a:r>
-            <a:endParaRPr lang="en-US" dirty="0"/>
-          </a:p>
-        </p:txBody>
-      </p:sp>
-      <p:sp>
-        <p:nvSpPr>
-          <p:cNvPr id="3" name="Content Placeholder 2"/>
-          <p:cNvSpPr>
-            <a:spLocks noGrp="1"/>
-          </p:cNvSpPr>
-          <p:nvPr>
-            <p:ph idx="1"/>
-          </p:nvPr>
-        </p:nvSpPr>
-        <p:spPr/>
-        <p:txBody>
-          <a:bodyPr>
-            <a:normAutofit/>
-          </a:bodyPr>
-          <a:lstStyle/>
-          <a:p>
-            <a:r>
-              <a:rPr lang="en-US" dirty="0" smtClean="0"/>
-              <a:t>Only one customer per team! All others are developers</a:t>
-            </a:r>
-          </a:p>
-          <a:p>
-            <a:r>
-              <a:rPr lang="en-US" dirty="0" smtClean="0"/>
-              <a:t>Customer is allowed to see drawing and memorize it</a:t>
-            </a:r>
-          </a:p>
-          <a:p>
-            <a:r>
-              <a:rPr lang="en-US" dirty="0" smtClean="0"/>
-              <a:t>Customers explains the drawing using words only</a:t>
-            </a:r>
-          </a:p>
-          <a:p>
-            <a:pPr lvl="1"/>
-            <a:r>
-              <a:rPr lang="en-US" dirty="0" smtClean="0"/>
-              <a:t>No hands!</a:t>
-            </a:r>
-          </a:p>
-          <a:p>
-            <a:pPr lvl="1"/>
-            <a:endParaRPr lang="en-US" dirty="0" smtClean="0"/>
-          </a:p>
-          <a:p>
-            <a:r>
-              <a:rPr lang="en-US" dirty="0" smtClean="0"/>
-              <a:t>Time for this round: 5 minutes</a:t>
-            </a:r>
-          </a:p>
-        </p:txBody>
-      </p:sp>
-    </p:spTree>
-    <p:extLst>
-      <p:ext uri="{BB962C8B-B14F-4D97-AF65-F5344CB8AC3E}">
-        <p14:creationId xmlns:p14="http://schemas.microsoft.com/office/powerpoint/2010/main" val="3462574223"/>
-      </p:ext>
-    </p:extLst>
-  </p:cSld>
-  <p:clrMapOvr>
-    <a:masterClrMapping/>
-  </p:clrMapOvr>
-  <p:transition xmlns:p14="http://schemas.microsoft.com/office/powerpoint/2010/main">
-    <p:fade/>
-  </p:transition>
-  <p:timing>
-    <p:tnLst>
-      <p:par>
-        <p:cTn xmlns:p14="http://schemas.microsoft.com/office/powerpoint/2010/main" id="1" dur="indefinite" restart="never" nodeType="tmRoot"/>
-      </p:par>
-    </p:tnLst>
-  </p:timing>
-</p:sld>
-</file>
-
-<file path=ppt/slides/slide13.xml><?xml version="1.0" encoding="utf-8"?>
-<p:sld xmlns:a="http://schemas.openxmlformats.org/drawingml/2006/main" xmlns:r="http://schemas.openxmlformats.org/officeDocument/2006/relationships" xmlns:p="http://schemas.openxmlformats.org/presentationml/2006/main">
-  <p:cSld>
-    <p:spTree>
-      <p:nvGrpSpPr>
-        <p:cNvPr id="1" name=""/>
-        <p:cNvGrpSpPr/>
-        <p:nvPr/>
-      </p:nvGrpSpPr>
-      <p:grpSpPr>
-        <a:xfrm>
-          <a:off x="0" y="0"/>
-          <a:ext cx="0" cy="0"/>
-          <a:chOff x="0" y="0"/>
-          <a:chExt cx="0" cy="0"/>
-        </a:xfrm>
-      </p:grpSpPr>
-      <p:sp>
-        <p:nvSpPr>
-          <p:cNvPr id="4" name="Title 3"/>
-          <p:cNvSpPr>
-            <a:spLocks noGrp="1"/>
-          </p:cNvSpPr>
-          <p:nvPr>
-            <p:ph type="title"/>
-          </p:nvPr>
-        </p:nvSpPr>
-        <p:spPr/>
-        <p:txBody>
-          <a:bodyPr/>
-          <a:lstStyle/>
-          <a:p>
-            <a:r>
-              <a:rPr lang="en-US" dirty="0" smtClean="0"/>
-              <a:t>Retrospective of </a:t>
-            </a:r>
-            <a:r>
-              <a:rPr lang="en-US" dirty="0"/>
-              <a:t>A</a:t>
-            </a:r>
-            <a:r>
-              <a:rPr lang="en-US" dirty="0" smtClean="0"/>
-              <a:t>pplied Strategy</a:t>
-            </a:r>
-            <a:endParaRPr lang="en-US" dirty="0"/>
-          </a:p>
-        </p:txBody>
-      </p:sp>
-      <p:sp>
-        <p:nvSpPr>
-          <p:cNvPr id="5" name="Text Placeholder 4"/>
-          <p:cNvSpPr>
-            <a:spLocks noGrp="1"/>
-          </p:cNvSpPr>
-          <p:nvPr>
-            <p:ph type="body" idx="1"/>
-          </p:nvPr>
-        </p:nvSpPr>
-        <p:spPr>
-          <a:xfrm>
-            <a:off x="457200" y="913954"/>
-            <a:ext cx="4040188" cy="639762"/>
-          </a:xfrm>
-        </p:spPr>
-        <p:txBody>
-          <a:bodyPr/>
-          <a:lstStyle/>
-          <a:p>
-            <a:r>
-              <a:rPr lang="en-US" dirty="0" smtClean="0"/>
-              <a:t>What did work well?</a:t>
-            </a:r>
-            <a:endParaRPr lang="en-US" dirty="0"/>
-          </a:p>
-        </p:txBody>
-      </p:sp>
-      <p:sp>
-        <p:nvSpPr>
-          <p:cNvPr id="6" name="Content Placeholder 5"/>
-          <p:cNvSpPr>
-            <a:spLocks noGrp="1"/>
-          </p:cNvSpPr>
-          <p:nvPr>
-            <p:ph sz="half" idx="2"/>
-          </p:nvPr>
-        </p:nvSpPr>
-        <p:spPr>
-          <a:xfrm>
-            <a:off x="457200" y="1553716"/>
-            <a:ext cx="4040188" cy="1985913"/>
-          </a:xfrm>
-        </p:spPr>
-        <p:txBody>
-          <a:bodyPr>
-            <a:normAutofit/>
-          </a:bodyPr>
-          <a:lstStyle/>
-          <a:p>
-            <a:r>
-              <a:rPr lang="en-US" dirty="0" smtClean="0"/>
-              <a:t>Task management</a:t>
-            </a:r>
-          </a:p>
-          <a:p>
-            <a:r>
-              <a:rPr lang="en-US" dirty="0" smtClean="0"/>
-              <a:t>Direct feedback of customer</a:t>
-            </a:r>
-          </a:p>
-          <a:p>
-            <a:r>
-              <a:rPr lang="en-US" dirty="0" smtClean="0"/>
-              <a:t>Verbal communication</a:t>
-            </a:r>
-            <a:endParaRPr lang="en-US" dirty="0"/>
-          </a:p>
-        </p:txBody>
-      </p:sp>
-      <p:sp>
-        <p:nvSpPr>
-          <p:cNvPr id="7" name="Text Placeholder 6"/>
-          <p:cNvSpPr>
-            <a:spLocks noGrp="1"/>
-          </p:cNvSpPr>
-          <p:nvPr>
-            <p:ph type="body" sz="quarter" idx="3"/>
-          </p:nvPr>
-        </p:nvSpPr>
-        <p:spPr>
-          <a:xfrm>
-            <a:off x="4645025" y="913954"/>
-            <a:ext cx="4041775" cy="639762"/>
-          </a:xfrm>
-        </p:spPr>
-        <p:txBody>
-          <a:bodyPr>
-            <a:normAutofit fontScale="92500"/>
-          </a:bodyPr>
-          <a:lstStyle/>
-          <a:p>
-            <a:r>
-              <a:rPr lang="en-US" dirty="0" smtClean="0"/>
-              <a:t>What should we change?</a:t>
-            </a:r>
-            <a:endParaRPr lang="en-US" dirty="0"/>
-          </a:p>
-        </p:txBody>
-      </p:sp>
-      <p:sp>
-        <p:nvSpPr>
-          <p:cNvPr id="9" name="Text Placeholder 4"/>
-          <p:cNvSpPr txBox="1">
-            <a:spLocks/>
-          </p:cNvSpPr>
-          <p:nvPr/>
-        </p:nvSpPr>
-        <p:spPr>
-          <a:xfrm>
-            <a:off x="457200" y="3539629"/>
-            <a:ext cx="4040188" cy="639762"/>
-          </a:xfrm>
-          <a:prstGeom prst="rect">
-            <a:avLst/>
-          </a:prstGeom>
-        </p:spPr>
-        <p:txBody>
-          <a:bodyPr vert="horz" lIns="91440" tIns="45720" rIns="91440" bIns="45720" rtlCol="0" anchor="b">
-            <a:normAutofit/>
-          </a:bodyPr>
-          <a:lstStyle/>
-          <a:p>
-            <a:pPr marL="0" marR="0" lvl="0" indent="0" algn="l" defTabSz="457200" rtl="0" eaLnBrk="1" fontAlgn="auto" latinLnBrk="0" hangingPunct="1">
-              <a:lnSpc>
-                <a:spcPct val="100000"/>
-              </a:lnSpc>
-              <a:spcBef>
-                <a:spcPct val="20000"/>
-              </a:spcBef>
-              <a:spcAft>
-                <a:spcPts val="0"/>
-              </a:spcAft>
-              <a:buClrTx/>
-              <a:buSzTx/>
-              <a:buFont typeface="Arial"/>
-              <a:buNone/>
-              <a:tabLst/>
-              <a:defRPr/>
-            </a:pPr>
-            <a:r>
-              <a:rPr kumimoji="0" lang="en-US" sz="2400" b="1" i="0" u="none" strike="noStrike" kern="1200" cap="none" spc="0" normalizeH="0" baseline="0" noProof="0" dirty="0" smtClean="0">
-                <a:ln>
-                  <a:noFill/>
-                </a:ln>
-                <a:solidFill>
-                  <a:schemeClr val="tx1"/>
-                </a:solidFill>
-                <a:effectLst/>
-                <a:uLnTx/>
-                <a:uFillTx/>
-                <a:latin typeface="+mn-lt"/>
-                <a:ea typeface="+mn-ea"/>
-                <a:cs typeface="+mn-cs"/>
-              </a:rPr>
-              <a:t>What did not work well?</a:t>
-            </a:r>
-          </a:p>
-        </p:txBody>
-      </p:sp>
-      <p:sp>
-        <p:nvSpPr>
-          <p:cNvPr id="10" name="Content Placeholder 5"/>
-          <p:cNvSpPr txBox="1">
-            <a:spLocks/>
-          </p:cNvSpPr>
-          <p:nvPr/>
-        </p:nvSpPr>
-        <p:spPr>
-          <a:xfrm>
-            <a:off x="609600" y="4179391"/>
-            <a:ext cx="4040188" cy="1985913"/>
-          </a:xfrm>
-          <a:prstGeom prst="rect">
-            <a:avLst/>
-          </a:prstGeom>
-        </p:spPr>
-        <p:txBody>
-          <a:bodyPr vert="horz" lIns="91440" tIns="45720" rIns="91440" bIns="45720" rtlCol="0">
-            <a:normAutofit fontScale="92500" lnSpcReduction="20000"/>
-          </a:bodyPr>
-          <a:lstStyle/>
-          <a:p>
-            <a:pPr marL="342900" marR="0" lvl="0" indent="-342900" algn="l" defTabSz="457200" rtl="0" eaLnBrk="1" fontAlgn="auto" latinLnBrk="0" hangingPunct="1">
-              <a:lnSpc>
-                <a:spcPct val="100000"/>
-              </a:lnSpc>
-              <a:spcBef>
-                <a:spcPct val="20000"/>
-              </a:spcBef>
-              <a:spcAft>
-                <a:spcPts val="0"/>
-              </a:spcAft>
-              <a:buClrTx/>
-              <a:buSzTx/>
-              <a:buFont typeface="Arial"/>
-              <a:buChar char="•"/>
-              <a:tabLst/>
-              <a:defRPr/>
-            </a:pPr>
-            <a:r>
-              <a:rPr kumimoji="0" lang="en-US" sz="2400" b="0" i="0" u="none" strike="noStrike" kern="1200" cap="none" spc="0" normalizeH="0" baseline="0" noProof="0" dirty="0" smtClean="0">
-                <a:ln>
-                  <a:noFill/>
-                </a:ln>
-                <a:solidFill>
-                  <a:schemeClr val="tx1"/>
-                </a:solidFill>
-                <a:effectLst/>
-                <a:uLnTx/>
-                <a:uFillTx/>
-                <a:latin typeface="+mn-lt"/>
-                <a:ea typeface="+mn-ea"/>
-                <a:cs typeface="+mn-cs"/>
-              </a:rPr>
-              <a:t>Integration</a:t>
-            </a:r>
-            <a:r>
-              <a:rPr kumimoji="0" lang="en-US" sz="2400" b="0" i="0" u="none" strike="noStrike" kern="1200" cap="none" spc="0" normalizeH="0" noProof="0" dirty="0" smtClean="0">
-                <a:ln>
-                  <a:noFill/>
-                </a:ln>
-                <a:solidFill>
-                  <a:schemeClr val="tx1"/>
-                </a:solidFill>
-                <a:effectLst/>
-                <a:uLnTx/>
-                <a:uFillTx/>
-                <a:latin typeface="+mn-lt"/>
-                <a:ea typeface="+mn-ea"/>
-                <a:cs typeface="+mn-cs"/>
-              </a:rPr>
-              <a:t> is challenging</a:t>
-            </a:r>
-          </a:p>
-          <a:p>
-            <a:pPr marL="342900" marR="0" lvl="0" indent="-342900" algn="l" defTabSz="457200" rtl="0" eaLnBrk="1" fontAlgn="auto" latinLnBrk="0" hangingPunct="1">
-              <a:lnSpc>
-                <a:spcPct val="100000"/>
-              </a:lnSpc>
-              <a:spcBef>
-                <a:spcPct val="20000"/>
-              </a:spcBef>
-              <a:spcAft>
-                <a:spcPts val="0"/>
-              </a:spcAft>
-              <a:buClrTx/>
-              <a:buSzTx/>
-              <a:buFont typeface="Arial"/>
-              <a:buChar char="•"/>
-              <a:tabLst/>
-              <a:defRPr/>
-            </a:pPr>
-            <a:r>
-              <a:rPr lang="en-US" sz="2400" baseline="0" dirty="0" smtClean="0"/>
-              <a:t>Customer cannot keep all developers busy</a:t>
-            </a:r>
-          </a:p>
-          <a:p>
-            <a:pPr marL="342900" marR="0" lvl="0" indent="-342900" algn="l" defTabSz="457200" rtl="0" eaLnBrk="1" fontAlgn="auto" latinLnBrk="0" hangingPunct="1">
-              <a:lnSpc>
-                <a:spcPct val="100000"/>
-              </a:lnSpc>
-              <a:spcBef>
-                <a:spcPct val="20000"/>
-              </a:spcBef>
-              <a:spcAft>
-                <a:spcPts val="0"/>
-              </a:spcAft>
-              <a:buClrTx/>
-              <a:buSzTx/>
-              <a:buFont typeface="Arial"/>
-              <a:buChar char="•"/>
-              <a:tabLst/>
-              <a:defRPr/>
-            </a:pPr>
-            <a:r>
-              <a:rPr kumimoji="0" lang="en-US" sz="2400" b="0" i="0" u="none" strike="noStrike" kern="1200" cap="none" spc="0" normalizeH="0" noProof="0" dirty="0" smtClean="0">
-                <a:ln>
-                  <a:noFill/>
-                </a:ln>
-                <a:solidFill>
-                  <a:schemeClr val="tx1"/>
-                </a:solidFill>
-                <a:effectLst/>
-                <a:uLnTx/>
-                <a:uFillTx/>
-                <a:latin typeface="+mn-lt"/>
-                <a:ea typeface="+mn-ea"/>
-                <a:cs typeface="+mn-cs"/>
-              </a:rPr>
-              <a:t>Strategy not applicable</a:t>
-            </a:r>
-          </a:p>
-          <a:p>
-            <a:pPr marL="342900" marR="0" lvl="0" indent="-342900" algn="l" defTabSz="457200" rtl="0" eaLnBrk="1" fontAlgn="auto" latinLnBrk="0" hangingPunct="1">
-              <a:lnSpc>
-                <a:spcPct val="100000"/>
-              </a:lnSpc>
-              <a:spcBef>
-                <a:spcPct val="20000"/>
-              </a:spcBef>
-              <a:spcAft>
-                <a:spcPts val="0"/>
-              </a:spcAft>
-              <a:buClrTx/>
-              <a:buSzTx/>
-              <a:buFont typeface="Arial"/>
-              <a:buChar char="•"/>
-              <a:tabLst/>
-              <a:defRPr/>
-            </a:pPr>
-            <a:r>
-              <a:rPr lang="en-US" sz="2400" baseline="0" dirty="0" smtClean="0"/>
-              <a:t>Common language</a:t>
-            </a:r>
-            <a:r>
-              <a:rPr lang="en-US" sz="2400" dirty="0" smtClean="0"/>
-              <a:t> not applicable</a:t>
-            </a:r>
-            <a:endParaRPr kumimoji="0" lang="en-US" sz="2400" b="0" i="0" u="none" strike="noStrike" kern="1200" cap="none" spc="0" normalizeH="0" baseline="0" noProof="0" dirty="0" smtClean="0">
-              <a:ln>
-                <a:noFill/>
-              </a:ln>
-              <a:solidFill>
-                <a:schemeClr val="tx1"/>
-              </a:solidFill>
-              <a:effectLst/>
-              <a:uLnTx/>
-              <a:uFillTx/>
-              <a:latin typeface="+mn-lt"/>
-              <a:ea typeface="+mn-ea"/>
-              <a:cs typeface="+mn-cs"/>
-            </a:endParaRPr>
-          </a:p>
-        </p:txBody>
-      </p:sp>
-    </p:spTree>
-    <p:extLst>
-      <p:ext uri="{BB962C8B-B14F-4D97-AF65-F5344CB8AC3E}">
-        <p14:creationId xmlns:p14="http://schemas.microsoft.com/office/powerpoint/2010/main" val="2149820559"/>
-      </p:ext>
-    </p:extLst>
-  </p:cSld>
-  <p:clrMapOvr>
-    <a:masterClrMapping/>
-  </p:clrMapOvr>
-  <p:timing>
-    <p:tnLst>
-      <p:par>
-        <p:cTn xmlns:p14="http://schemas.microsoft.com/office/powerpoint/2010/main" id="1" dur="indefinite" restart="never" nodeType="tmRoot">
-          <p:childTnLst>
-            <p:seq concurrent="1" nextAc="seek">
-              <p:cTn id="2" dur="indefinite" nodeType="mainSeq">
-                <p:childTnLst>
-                  <p:par>
-                    <p:cTn id="3" fill="hold">
-                      <p:stCondLst>
-                        <p:cond delay="indefinite"/>
-                      </p:stCondLst>
-                      <p:childTnLst>
-                        <p:par>
-                          <p:cTn id="4" fill="hold">
-                            <p:stCondLst>
-                              <p:cond delay="0"/>
-                            </p:stCondLst>
-                            <p:childTnLst>
-                              <p:par>
-                                <p:cTn id="5" presetID="1" presetClass="entr" presetSubtype="0" fill="hold" grpId="0" nodeType="clickEffect">
-                                  <p:stCondLst>
-                                    <p:cond delay="0"/>
-                                  </p:stCondLst>
-                                  <p:childTnLst>
-                                    <p:set>
-                                      <p:cBhvr>
-                                        <p:cTn id="6" dur="1" fill="hold">
-                                          <p:stCondLst>
-                                            <p:cond delay="0"/>
-                                          </p:stCondLst>
-                                        </p:cTn>
-                                        <p:tgtEl>
-                                          <p:spTgt spid="6">
-                                            <p:txEl>
-                                              <p:pRg st="0" end="0"/>
-                                            </p:txEl>
-                                          </p:spTgt>
-                                        </p:tgtEl>
-                                        <p:attrNameLst>
-                                          <p:attrName>style.visibility</p:attrName>
-                                        </p:attrNameLst>
-                                      </p:cBhvr>
-                                      <p:to>
-                                        <p:strVal val="visible"/>
-                                      </p:to>
-                                    </p:set>
-                                  </p:childTnLst>
-                                </p:cTn>
-                              </p:par>
-                              <p:par>
-                                <p:cTn id="7" presetID="1" presetClass="entr" presetSubtype="0" fill="hold" grpId="0" nodeType="withEffect">
-                                  <p:stCondLst>
-                                    <p:cond delay="0"/>
-                                  </p:stCondLst>
-                                  <p:childTnLst>
-                                    <p:set>
-                                      <p:cBhvr>
-                                        <p:cTn id="8" dur="1" fill="hold">
-                                          <p:stCondLst>
-                                            <p:cond delay="0"/>
-                                          </p:stCondLst>
-                                        </p:cTn>
-                                        <p:tgtEl>
-                                          <p:spTgt spid="6">
-                                            <p:txEl>
-                                              <p:pRg st="1" end="1"/>
-                                            </p:txEl>
-                                          </p:spTgt>
-                                        </p:tgtEl>
-                                        <p:attrNameLst>
-                                          <p:attrName>style.visibility</p:attrName>
-                                        </p:attrNameLst>
-                                      </p:cBhvr>
-                                      <p:to>
-                                        <p:strVal val="visible"/>
-                                      </p:to>
-                                    </p:set>
-                                  </p:childTnLst>
-                                </p:cTn>
-                              </p:par>
-                              <p:par>
-                                <p:cTn id="9" presetID="1" presetClass="entr" presetSubtype="0" fill="hold" grpId="0" nodeType="withEffect">
-                                  <p:stCondLst>
-                                    <p:cond delay="0"/>
-                                  </p:stCondLst>
-                                  <p:childTnLst>
-                                    <p:set>
-                                      <p:cBhvr>
-                                        <p:cTn id="10" dur="1" fill="hold">
-                                          <p:stCondLst>
-                                            <p:cond delay="0"/>
-                                          </p:stCondLst>
-                                        </p:cTn>
-                                        <p:tgtEl>
-                                          <p:spTgt spid="6">
-                                            <p:txEl>
-                                              <p:pRg st="2" end="2"/>
-                                            </p:txEl>
-                                          </p:spTgt>
-                                        </p:tgtEl>
-                                        <p:attrNameLst>
-                                          <p:attrName>style.visibility</p:attrName>
-                                        </p:attrNameLst>
-                                      </p:cBhvr>
-                                      <p:to>
-                                        <p:strVal val="visible"/>
-                                      </p:to>
-                                    </p:set>
-                                  </p:childTnLst>
-                                </p:cTn>
-                              </p:par>
-                            </p:childTnLst>
-                          </p:cTn>
-                        </p:par>
-                      </p:childTnLst>
-                    </p:cTn>
-                  </p:par>
-                  <p:par>
-                    <p:cTn id="11" fill="hold">
-                      <p:stCondLst>
-                        <p:cond delay="indefinite"/>
-                      </p:stCondLst>
-                      <p:childTnLst>
-                        <p:par>
-                          <p:cTn id="12" fill="hold">
-                            <p:stCondLst>
-                              <p:cond delay="0"/>
-                            </p:stCondLst>
-                            <p:childTnLst>
-                              <p:par>
-                                <p:cTn id="13" presetID="1" presetClass="entr" presetSubtype="0" fill="hold" grpId="0" nodeType="clickEffect">
-                                  <p:stCondLst>
-                                    <p:cond delay="0"/>
-                                  </p:stCondLst>
-                                  <p:childTnLst>
-                                    <p:set>
-                                      <p:cBhvr>
-                                        <p:cTn id="14" dur="1" fill="hold">
-                                          <p:stCondLst>
-                                            <p:cond delay="0"/>
-                                          </p:stCondLst>
-                                        </p:cTn>
-                                        <p:tgtEl>
-                                          <p:spTgt spid="10"/>
-                                        </p:tgtEl>
-                                        <p:attrNameLst>
-                                          <p:attrName>style.visibility</p:attrName>
-                                        </p:attrNameLst>
-                                      </p:cBhvr>
-                                      <p:to>
-                                        <p:strVal val="visible"/>
-                                      </p:to>
-                                    </p:set>
-                                  </p:childTnLst>
-                                </p:cTn>
-                              </p:par>
-                            </p:childTnLst>
-                          </p:cTn>
-                        </p:par>
-                      </p:childTnLst>
-                    </p:cTn>
-                  </p:par>
-                </p:childTnLst>
-              </p:cTn>
-              <p:prevCondLst>
-                <p:cond evt="onPrev" delay="0">
-                  <p:tgtEl>
-                    <p:sldTgt/>
-                  </p:tgtEl>
-                </p:cond>
-              </p:prevCondLst>
-              <p:nextCondLst>
-                <p:cond evt="onNext" delay="0">
-                  <p:tgtEl>
-                    <p:sldTgt/>
-                  </p:tgtEl>
-                </p:cond>
-              </p:nextCondLst>
-            </p:seq>
-          </p:childTnLst>
-        </p:cTn>
-      </p:par>
-    </p:tnLst>
-    <p:bldLst>
-      <p:bldP spid="6" grpId="0" build="p"/>
-      <p:bldP spid="10" grpId="0"/>
-    </p:bldLst>
-  </p:timing>
-</p:sld>
-</file>
-
-<file path=ppt/slides/slide14.xml><?xml version="1.0" encoding="utf-8"?>
-<p:sld xmlns:a="http://schemas.openxmlformats.org/drawingml/2006/main" xmlns:r="http://schemas.openxmlformats.org/officeDocument/2006/relationships" xmlns:p="http://schemas.openxmlformats.org/presentationml/2006/main">
-  <p:cSld>
-    <p:spTree>
-      <p:nvGrpSpPr>
-        <p:cNvPr id="1" name=""/>
-        <p:cNvGrpSpPr/>
-        <p:nvPr/>
-      </p:nvGrpSpPr>
-      <p:grpSpPr>
-        <a:xfrm>
-          <a:off x="0" y="0"/>
-          <a:ext cx="0" cy="0"/>
-          <a:chOff x="0" y="0"/>
-          <a:chExt cx="0" cy="0"/>
-        </a:xfrm>
-      </p:grpSpPr>
-      <p:sp>
-        <p:nvSpPr>
-          <p:cNvPr id="7" name="Title 6"/>
-          <p:cNvSpPr>
-            <a:spLocks noGrp="1"/>
-          </p:cNvSpPr>
-          <p:nvPr>
-            <p:ph type="title"/>
-          </p:nvPr>
-        </p:nvSpPr>
-        <p:spPr/>
-        <p:txBody>
-          <a:bodyPr/>
-          <a:lstStyle/>
-          <a:p>
-            <a:r>
-              <a:rPr lang="en-US" dirty="0" smtClean="0"/>
-              <a:t>Conclusion</a:t>
-            </a:r>
-            <a:endParaRPr lang="en-US" dirty="0"/>
-          </a:p>
-        </p:txBody>
-      </p:sp>
-      <p:sp>
-        <p:nvSpPr>
-          <p:cNvPr id="8" name="Content Placeholder 7"/>
-          <p:cNvSpPr>
-            <a:spLocks noGrp="1"/>
-          </p:cNvSpPr>
-          <p:nvPr>
-            <p:ph idx="1"/>
-          </p:nvPr>
-        </p:nvSpPr>
-        <p:spPr/>
-        <p:txBody>
-          <a:bodyPr>
-            <a:normAutofit/>
-          </a:bodyPr>
-          <a:lstStyle/>
-          <a:p>
-            <a:r>
-              <a:rPr lang="en-US" dirty="0" smtClean="0"/>
-              <a:t>What did we learn?</a:t>
-            </a:r>
-          </a:p>
-          <a:p>
-            <a:pPr lvl="1"/>
-            <a:r>
-              <a:rPr lang="en-US" dirty="0" smtClean="0"/>
-              <a:t>Spatial distance hinders communication</a:t>
-            </a:r>
-          </a:p>
-          <a:p>
-            <a:pPr lvl="1"/>
-            <a:r>
-              <a:rPr lang="en-US" dirty="0" smtClean="0"/>
-              <a:t>Multimodal communication helps</a:t>
-            </a:r>
-          </a:p>
-          <a:p>
-            <a:pPr lvl="1"/>
-            <a:r>
-              <a:rPr lang="en-US" dirty="0" smtClean="0"/>
-              <a:t>Communication has limitations</a:t>
-            </a:r>
-          </a:p>
-          <a:p>
-            <a:pPr lvl="1"/>
-            <a:r>
-              <a:rPr lang="en-US" dirty="0" smtClean="0"/>
-              <a:t>Feedback is important: On Product and on Process level</a:t>
-            </a:r>
-          </a:p>
-          <a:p>
-            <a:pPr lvl="1"/>
-            <a:r>
-              <a:rPr lang="en-US" dirty="0" smtClean="0"/>
-              <a:t>Process Improvement is crucial</a:t>
-            </a:r>
-          </a:p>
-          <a:p>
-            <a:pPr lvl="1"/>
-            <a:r>
-              <a:rPr lang="en-US" dirty="0" smtClean="0"/>
-              <a:t>Feedback minimizes Ambiguities</a:t>
-            </a:r>
-          </a:p>
-          <a:p>
-            <a:pPr lvl="1"/>
-            <a:endParaRPr lang="en-US" dirty="0" smtClean="0"/>
-          </a:p>
-          <a:p>
-            <a:r>
-              <a:rPr lang="en-US" dirty="0" smtClean="0"/>
-              <a:t>Interrupting and Reflecting on the process helps to improve it!</a:t>
-            </a:r>
-            <a:endParaRPr lang="en-US" dirty="0"/>
-          </a:p>
-        </p:txBody>
-      </p:sp>
-      <p:pic>
-        <p:nvPicPr>
-          <p:cNvPr id="4" name="Picture 3"/>
-          <p:cNvPicPr>
-            <a:picLocks noChangeAspect="1"/>
-          </p:cNvPicPr>
-          <p:nvPr/>
-        </p:nvPicPr>
-        <p:blipFill>
-          <a:blip r:embed="rId2"/>
-          <a:stretch>
-            <a:fillRect/>
-          </a:stretch>
-        </p:blipFill>
-        <p:spPr>
-          <a:xfrm>
-            <a:off x="0" y="5854761"/>
-            <a:ext cx="1337652" cy="1003239"/>
-          </a:xfrm>
-          <a:prstGeom prst="rect">
-            <a:avLst/>
-          </a:prstGeom>
-        </p:spPr>
-      </p:pic>
-      <p:pic>
-        <p:nvPicPr>
-          <p:cNvPr id="5" name="Picture 4"/>
-          <p:cNvPicPr>
-            <a:picLocks noChangeAspect="1"/>
-          </p:cNvPicPr>
-          <p:nvPr/>
-        </p:nvPicPr>
-        <p:blipFill>
-          <a:blip r:embed="rId3"/>
-          <a:stretch>
-            <a:fillRect/>
-          </a:stretch>
-        </p:blipFill>
-        <p:spPr>
-          <a:xfrm>
-            <a:off x="7715144" y="5786358"/>
-            <a:ext cx="1428856" cy="1071642"/>
-          </a:xfrm>
-          <a:prstGeom prst="rect">
-            <a:avLst/>
-          </a:prstGeom>
-        </p:spPr>
-      </p:pic>
-    </p:spTree>
-    <p:extLst>
-      <p:ext uri="{BB962C8B-B14F-4D97-AF65-F5344CB8AC3E}">
-        <p14:creationId xmlns:p14="http://schemas.microsoft.com/office/powerpoint/2010/main" val="3765733809"/>
-      </p:ext>
-    </p:extLst>
-  </p:cSld>
-  <p:clrMapOvr>
-    <a:masterClrMapping/>
-  </p:clrMapOvr>
-  <p:transition xmlns:p14="http://schemas.microsoft.com/office/powerpoint/2010/main">
-    <p:fade/>
-  </p:transition>
-  <p:timing>
-    <p:tnLst>
-      <p:par>
-        <p:cTn xmlns:p14="http://schemas.microsoft.com/office/powerpoint/2010/main" id="1" dur="indefinite" restart="never" nodeType="tmRoot"/>
-      </p:par>
-    </p:tnLst>
-  </p:timing>
-</p:sld>
-</file>
-
-<file path=ppt/slides/slide15.xml><?xml version="1.0" encoding="utf-8"?>
-<p:sld xmlns:a="http://schemas.openxmlformats.org/drawingml/2006/main" xmlns:r="http://schemas.openxmlformats.org/officeDocument/2006/relationships" xmlns:p="http://schemas.openxmlformats.org/presentationml/2006/main">
-  <p:cSld>
-    <p:spTree>
-      <p:nvGrpSpPr>
-        <p:cNvPr id="1" name=""/>
-        <p:cNvGrpSpPr/>
-        <p:nvPr/>
-      </p:nvGrpSpPr>
-      <p:grpSpPr>
-        <a:xfrm>
-          <a:off x="0" y="0"/>
-          <a:ext cx="0" cy="0"/>
-          <a:chOff x="0" y="0"/>
-          <a:chExt cx="0" cy="0"/>
-        </a:xfrm>
-      </p:grpSpPr>
-      <p:sp>
-        <p:nvSpPr>
-          <p:cNvPr id="2" name="Title 1"/>
-          <p:cNvSpPr>
-            <a:spLocks noGrp="1"/>
-          </p:cNvSpPr>
-          <p:nvPr>
-            <p:ph type="title"/>
-          </p:nvPr>
-        </p:nvSpPr>
-        <p:spPr/>
-        <p:txBody>
-          <a:bodyPr/>
-          <a:lstStyle/>
-          <a:p>
-            <a:r>
-              <a:rPr lang="en-US" dirty="0" smtClean="0"/>
-              <a:t>Agile Manifesto</a:t>
-            </a:r>
-            <a:endParaRPr lang="en-US" dirty="0"/>
-          </a:p>
-        </p:txBody>
-      </p:sp>
-      <p:pic>
-        <p:nvPicPr>
-          <p:cNvPr id="4" name="Picture 3"/>
-          <p:cNvPicPr>
-            <a:picLocks noChangeAspect="1"/>
-          </p:cNvPicPr>
-          <p:nvPr/>
-        </p:nvPicPr>
-        <p:blipFill rotWithShape="1">
-          <a:blip r:embed="rId2"/>
-          <a:srcRect t="5114" b="32339"/>
-          <a:stretch/>
-        </p:blipFill>
-        <p:spPr>
-          <a:xfrm>
-            <a:off x="-12846" y="836712"/>
-            <a:ext cx="9276748" cy="4032448"/>
-          </a:xfrm>
-          <a:prstGeom prst="rect">
-            <a:avLst/>
-          </a:prstGeom>
-        </p:spPr>
-      </p:pic>
-      <p:sp>
-        <p:nvSpPr>
-          <p:cNvPr id="6" name="TextBox 5"/>
-          <p:cNvSpPr txBox="1"/>
-          <p:nvPr/>
-        </p:nvSpPr>
-        <p:spPr>
-          <a:xfrm>
-            <a:off x="395536" y="4869160"/>
-            <a:ext cx="8424936" cy="1477328"/>
-          </a:xfrm>
-          <a:prstGeom prst="rect">
-            <a:avLst/>
-          </a:prstGeom>
-          <a:noFill/>
-        </p:spPr>
-        <p:txBody>
-          <a:bodyPr wrap="square" rtlCol="0">
-            <a:spAutoFit/>
-          </a:bodyPr>
-          <a:lstStyle/>
-          <a:p>
-            <a:r>
-              <a:rPr lang="en-US" dirty="0" smtClean="0">
-                <a:hlinkClick r:id="rId3"/>
-              </a:rPr>
-              <a:t>http://agilemanifesto.org</a:t>
-            </a:r>
-            <a:endParaRPr lang="en-US" dirty="0" smtClean="0"/>
-          </a:p>
-          <a:p>
-            <a:pPr marL="285750" indent="-285750">
-              <a:buFont typeface="Arial"/>
-              <a:buChar char="•"/>
-            </a:pPr>
-            <a:r>
-              <a:rPr lang="en-US" dirty="0" smtClean="0"/>
-              <a:t>Began as a provocation: Plan-driven development did not safe the Software world…</a:t>
-            </a:r>
-          </a:p>
-          <a:p>
-            <a:pPr marL="285750" indent="-285750">
-              <a:buFont typeface="Arial"/>
-              <a:buChar char="•"/>
-            </a:pPr>
-            <a:r>
-              <a:rPr lang="en-US" dirty="0" smtClean="0"/>
-              <a:t>Now a very serious movement, well adapted in industry.</a:t>
-            </a:r>
-          </a:p>
-          <a:p>
-            <a:pPr marL="285750" indent="-285750">
-              <a:buFont typeface="Arial"/>
-              <a:buChar char="•"/>
-            </a:pPr>
-            <a:r>
-              <a:rPr lang="en-US" dirty="0" smtClean="0"/>
-              <a:t>There are a couple of established agile methods: How to integrate these values in everyday software development</a:t>
-            </a:r>
-          </a:p>
-        </p:txBody>
-      </p:sp>
-      <p:sp>
-        <p:nvSpPr>
-          <p:cNvPr id="3" name="Footer Placeholder 2"/>
-          <p:cNvSpPr>
-            <a:spLocks noGrp="1"/>
-          </p:cNvSpPr>
-          <p:nvPr>
-            <p:ph type="ftr" sz="quarter" idx="11"/>
-          </p:nvPr>
-        </p:nvSpPr>
-        <p:spPr/>
-        <p:txBody>
-          <a:bodyPr/>
-          <a:lstStyle/>
-          <a:p>
-            <a:r>
-              <a:rPr lang="de-DE" smtClean="0"/>
-              <a:t>Agile Software Dev. | Eric Knauss</a:t>
-            </a:r>
-            <a:endParaRPr lang="de-DE"/>
-          </a:p>
-        </p:txBody>
-      </p:sp>
-      <p:sp>
-        <p:nvSpPr>
-          <p:cNvPr id="5" name="Slide Number Placeholder 4"/>
-          <p:cNvSpPr>
-            <a:spLocks noGrp="1"/>
-          </p:cNvSpPr>
-          <p:nvPr>
-            <p:ph type="sldNum" sz="quarter" idx="12"/>
-          </p:nvPr>
-        </p:nvSpPr>
-        <p:spPr/>
-        <p:txBody>
-          <a:bodyPr/>
-          <a:lstStyle/>
-          <a:p>
-            <a:fld id="{91974DF9-AD47-4691-BA21-BBFCE3637A9A}" type="slidenum">
-              <a:rPr kumimoji="0" lang="en-US" smtClean="0"/>
-              <a:pPr/>
-              <a:t>15</a:t>
-            </a:fld>
-            <a:endParaRPr kumimoji="0" lang="en-US"/>
-          </a:p>
-        </p:txBody>
-      </p:sp>
-    </p:spTree>
-    <p:extLst>
-      <p:ext uri="{BB962C8B-B14F-4D97-AF65-F5344CB8AC3E}">
-        <p14:creationId xmlns:p14="http://schemas.microsoft.com/office/powerpoint/2010/main" val="2274756117"/>
-      </p:ext>
-    </p:extLst>
-  </p:cSld>
-  <p:clrMapOvr>
-    <a:masterClrMapping/>
-  </p:clrMapOvr>
-  <p:transition xmlns:p14="http://schemas.microsoft.com/office/powerpoint/2010/main">
-    <p:fade/>
-  </p:transition>
-  <p:timing>
-    <p:tnLst>
-      <p:par>
-        <p:cTn xmlns:p14="http://schemas.microsoft.com/office/powerpoint/2010/main" id="1" dur="indefinite" restart="never" nodeType="tmRoot"/>
-      </p:par>
-    </p:tnLst>
-  </p:timing>
-</p:sld>
-</file>
-
-<file path=ppt/slides/slide16.xml><?xml version="1.0" encoding="utf-8"?>
-<p:sld xmlns:a="http://schemas.openxmlformats.org/drawingml/2006/main" xmlns:r="http://schemas.openxmlformats.org/officeDocument/2006/relationships" xmlns:p="http://schemas.openxmlformats.org/presentationml/2006/main">
-  <p:cSld>
-    <p:spTree>
-      <p:nvGrpSpPr>
-        <p:cNvPr id="1" name=""/>
-        <p:cNvGrpSpPr/>
-        <p:nvPr/>
-      </p:nvGrpSpPr>
-      <p:grpSpPr>
-        <a:xfrm>
-          <a:off x="0" y="0"/>
-          <a:ext cx="0" cy="0"/>
-          <a:chOff x="0" y="0"/>
-          <a:chExt cx="0" cy="0"/>
-        </a:xfrm>
-      </p:grpSpPr>
-      <p:sp>
-        <p:nvSpPr>
-          <p:cNvPr id="2" name="Title 1"/>
-          <p:cNvSpPr>
-            <a:spLocks noGrp="1"/>
-          </p:cNvSpPr>
-          <p:nvPr>
-            <p:ph type="title"/>
-          </p:nvPr>
-        </p:nvSpPr>
-        <p:spPr/>
-        <p:txBody>
-          <a:bodyPr/>
-          <a:lstStyle/>
-          <a:p>
-            <a:r>
-              <a:rPr lang="en-US" dirty="0" smtClean="0"/>
-              <a:t>Agile Principles</a:t>
-            </a:r>
-            <a:endParaRPr lang="en-US" dirty="0"/>
-          </a:p>
-        </p:txBody>
-      </p:sp>
-      <p:sp>
-        <p:nvSpPr>
-          <p:cNvPr id="3" name="Content Placeholder 2"/>
-          <p:cNvSpPr>
-            <a:spLocks noGrp="1"/>
-          </p:cNvSpPr>
-          <p:nvPr>
-            <p:ph idx="1"/>
-          </p:nvPr>
-        </p:nvSpPr>
-        <p:spPr/>
-        <p:txBody>
-          <a:bodyPr>
-            <a:normAutofit/>
-          </a:bodyPr>
-          <a:lstStyle/>
-          <a:p>
-            <a:pPr marL="0" indent="0">
-              <a:buNone/>
-            </a:pPr>
-            <a:endParaRPr lang="en-US" sz="2000" dirty="0"/>
-          </a:p>
-          <a:p>
-            <a:pPr marL="457200" indent="-457200">
-              <a:buFont typeface="+mj-lt"/>
-              <a:buAutoNum type="arabicPeriod"/>
-            </a:pPr>
-            <a:r>
-              <a:rPr lang="en-US" sz="2000" dirty="0" smtClean="0"/>
-              <a:t>Early and continuous delivery of valuable software</a:t>
-            </a:r>
-          </a:p>
-          <a:p>
-            <a:pPr marL="457200" indent="-457200">
-              <a:buFont typeface="+mj-lt"/>
-              <a:buAutoNum type="arabicPeriod"/>
-            </a:pPr>
-            <a:r>
-              <a:rPr lang="en-US" sz="2000" dirty="0" smtClean="0"/>
-              <a:t>Welcome changing requirements, even late</a:t>
-            </a:r>
-          </a:p>
-          <a:p>
-            <a:pPr marL="457200" indent="-457200">
-              <a:buFont typeface="+mj-lt"/>
-              <a:buAutoNum type="arabicPeriod"/>
-            </a:pPr>
-            <a:r>
-              <a:rPr lang="en-US" sz="2000" dirty="0"/>
-              <a:t>Deliver working software </a:t>
-            </a:r>
-            <a:r>
-              <a:rPr lang="en-US" sz="2000" dirty="0" smtClean="0"/>
-              <a:t>frequently</a:t>
-            </a:r>
-          </a:p>
-          <a:p>
-            <a:pPr marL="457200" indent="-457200">
-              <a:buFont typeface="+mj-lt"/>
-              <a:buAutoNum type="arabicPeriod"/>
-            </a:pPr>
-            <a:r>
-              <a:rPr lang="en-US" sz="2000" dirty="0"/>
-              <a:t>Business people and developers must work </a:t>
-            </a:r>
-            <a:r>
-              <a:rPr lang="en-US" sz="2000" dirty="0" smtClean="0"/>
-              <a:t>together</a:t>
-            </a:r>
-          </a:p>
-          <a:p>
-            <a:pPr marL="457200" indent="-457200">
-              <a:buFont typeface="+mj-lt"/>
-              <a:buAutoNum type="arabicPeriod"/>
-            </a:pPr>
-            <a:r>
-              <a:rPr lang="en-US" sz="2000" dirty="0"/>
-              <a:t>Build projects around motivated </a:t>
-            </a:r>
-            <a:r>
-              <a:rPr lang="en-US" sz="2000" dirty="0" smtClean="0"/>
-              <a:t>individuals</a:t>
-            </a:r>
-          </a:p>
-          <a:p>
-            <a:pPr marL="457200" indent="-457200">
-              <a:buFont typeface="+mj-lt"/>
-              <a:buAutoNum type="arabicPeriod"/>
-            </a:pPr>
-            <a:r>
-              <a:rPr lang="en-US" sz="2000" dirty="0" smtClean="0"/>
-              <a:t>Face-to-face communication is most effective and efficient</a:t>
-            </a:r>
-          </a:p>
-          <a:p>
-            <a:pPr marL="457200" indent="-457200">
-              <a:buFont typeface="+mj-lt"/>
-              <a:buAutoNum type="arabicPeriod"/>
-            </a:pPr>
-            <a:r>
-              <a:rPr lang="en-US" sz="2000" dirty="0"/>
-              <a:t>Working software is the primary measure of </a:t>
-            </a:r>
-            <a:r>
-              <a:rPr lang="en-US" sz="2000" dirty="0" smtClean="0"/>
-              <a:t>progress</a:t>
-            </a:r>
-          </a:p>
-          <a:p>
-            <a:pPr marL="457200" indent="-457200">
-              <a:buFont typeface="+mj-lt"/>
-              <a:buAutoNum type="arabicPeriod"/>
-            </a:pPr>
-            <a:r>
-              <a:rPr lang="en-US" sz="2000" dirty="0" smtClean="0"/>
-              <a:t>Sustainable development</a:t>
-            </a:r>
-          </a:p>
-          <a:p>
-            <a:pPr marL="457200" indent="-457200">
-              <a:buFont typeface="+mj-lt"/>
-              <a:buAutoNum type="arabicPeriod"/>
-            </a:pPr>
-            <a:r>
-              <a:rPr lang="en-US" sz="2000" dirty="0"/>
-              <a:t>Continuous attention to technical excellence a</a:t>
-            </a:r>
-            <a:r>
-              <a:rPr lang="en-US" sz="2000" dirty="0" smtClean="0"/>
-              <a:t>nd </a:t>
-            </a:r>
-            <a:r>
-              <a:rPr lang="en-US" sz="2000" dirty="0"/>
-              <a:t>good </a:t>
-            </a:r>
-            <a:r>
-              <a:rPr lang="en-US" sz="2000" dirty="0" smtClean="0"/>
-              <a:t>design</a:t>
-            </a:r>
-          </a:p>
-          <a:p>
-            <a:pPr marL="457200" indent="-457200">
-              <a:buFont typeface="+mj-lt"/>
-              <a:buAutoNum type="arabicPeriod"/>
-            </a:pPr>
-            <a:r>
-              <a:rPr lang="en-US" sz="2000" dirty="0" smtClean="0"/>
-              <a:t>Simplicity is essential</a:t>
-            </a:r>
-          </a:p>
-          <a:p>
-            <a:pPr marL="457200" indent="-457200">
-              <a:buFont typeface="+mj-lt"/>
-              <a:buAutoNum type="arabicPeriod"/>
-            </a:pPr>
-            <a:r>
-              <a:rPr lang="en-US" sz="2000" dirty="0" smtClean="0"/>
-              <a:t>Self</a:t>
-            </a:r>
-            <a:r>
-              <a:rPr lang="en-US" sz="2000" dirty="0"/>
-              <a:t>-organizing </a:t>
-            </a:r>
-            <a:r>
-              <a:rPr lang="en-US" sz="2000" dirty="0" smtClean="0"/>
-              <a:t>teams</a:t>
-            </a:r>
-          </a:p>
-          <a:p>
-            <a:pPr marL="457200" indent="-457200">
-              <a:buFont typeface="+mj-lt"/>
-              <a:buAutoNum type="arabicPeriod"/>
-            </a:pPr>
-            <a:r>
-              <a:rPr lang="en-US" sz="2000" dirty="0" smtClean="0"/>
-              <a:t>Regular reflection</a:t>
-            </a:r>
-            <a:endParaRPr lang="en-US" sz="2000" dirty="0"/>
-          </a:p>
-        </p:txBody>
-      </p:sp>
-    </p:spTree>
-    <p:extLst>
-      <p:ext uri="{BB962C8B-B14F-4D97-AF65-F5344CB8AC3E}">
-        <p14:creationId xmlns:p14="http://schemas.microsoft.com/office/powerpoint/2010/main" val="3994359854"/>
-      </p:ext>
-    </p:extLst>
-  </p:cSld>
-  <p:clrMapOvr>
-    <a:masterClrMapping/>
-  </p:clrMapOvr>
-  <p:transition xmlns:p14="http://schemas.microsoft.com/office/powerpoint/2010/main">
-    <p:fade/>
-  </p:transition>
-  <p:timing>
-    <p:tnLst>
-      <p:par>
-        <p:cTn xmlns:p14="http://schemas.microsoft.com/office/powerpoint/2010/main" id="1" dur="indefinite" restart="never" nodeType="tmRoot"/>
-      </p:par>
-    </p:tnLst>
-  </p:timing>
-</p:sld>
-</file>
-
-<file path=ppt/slides/slide2.xml><?xml version="1.0" encoding="utf-8"?>
-<p:sld xmlns:a="http://schemas.openxmlformats.org/drawingml/2006/main" xmlns:r="http://schemas.openxmlformats.org/officeDocument/2006/relationships" xmlns:p="http://schemas.openxmlformats.org/presentationml/2006/main">
-  <p:cSld>
-    <p:spTree>
-      <p:nvGrpSpPr>
-        <p:cNvPr id="1" name=""/>
-        <p:cNvGrpSpPr/>
-        <p:nvPr/>
-      </p:nvGrpSpPr>
-      <p:grpSpPr>
-        <a:xfrm>
-          <a:off x="0" y="0"/>
-          <a:ext cx="0" cy="0"/>
-          <a:chOff x="0" y="0"/>
-          <a:chExt cx="0" cy="0"/>
-        </a:xfrm>
-      </p:grpSpPr>
-      <p:sp>
-        <p:nvSpPr>
-          <p:cNvPr id="2" name="Title 1"/>
-          <p:cNvSpPr>
-            <a:spLocks noGrp="1"/>
-          </p:cNvSpPr>
-          <p:nvPr>
-            <p:ph type="title"/>
-          </p:nvPr>
-        </p:nvSpPr>
-        <p:spPr/>
-        <p:txBody>
-          <a:bodyPr/>
-          <a:lstStyle/>
-          <a:p>
-            <a:r>
-              <a:rPr lang="en-US" dirty="0" smtClean="0"/>
-              <a:t>Agenda today</a:t>
-            </a:r>
-            <a:endParaRPr lang="en-US" dirty="0"/>
-          </a:p>
-        </p:txBody>
-      </p:sp>
-      <p:sp>
-        <p:nvSpPr>
-          <p:cNvPr id="3" name="Content Placeholder 2"/>
-          <p:cNvSpPr>
-            <a:spLocks noGrp="1"/>
-          </p:cNvSpPr>
-          <p:nvPr>
-            <p:ph idx="1"/>
-          </p:nvPr>
-        </p:nvSpPr>
-        <p:spPr/>
-        <p:txBody>
-          <a:bodyPr/>
-          <a:lstStyle/>
-          <a:p>
-            <a:r>
-              <a:rPr lang="en-US" dirty="0" smtClean="0"/>
-              <a:t>Course overview</a:t>
-            </a:r>
-            <a:endParaRPr lang="en-US" dirty="0" smtClean="0"/>
-          </a:p>
-          <a:p>
-            <a:endParaRPr lang="en-US" dirty="0" smtClean="0"/>
-          </a:p>
-          <a:p>
-            <a:r>
-              <a:rPr lang="en-US" dirty="0" smtClean="0"/>
-              <a:t>Miniature</a:t>
-            </a:r>
-          </a:p>
-          <a:p>
-            <a:endParaRPr lang="en-US" dirty="0"/>
-          </a:p>
-          <a:p>
-            <a:r>
-              <a:rPr lang="en-US" dirty="0" smtClean="0"/>
-              <a:t>Agile Principles </a:t>
-            </a:r>
-            <a:br>
-              <a:rPr lang="en-US" dirty="0" smtClean="0"/>
-            </a:br>
-            <a:r>
-              <a:rPr lang="en-US" dirty="0" smtClean="0"/>
-              <a:t>revisited</a:t>
-            </a:r>
-            <a:endParaRPr lang="en-US" dirty="0"/>
-          </a:p>
-        </p:txBody>
-      </p:sp>
-      <p:sp>
-        <p:nvSpPr>
-          <p:cNvPr id="4" name="Footer Placeholder 3"/>
-          <p:cNvSpPr>
-            <a:spLocks noGrp="1"/>
-          </p:cNvSpPr>
-          <p:nvPr>
-            <p:ph type="ftr" sz="quarter" idx="11"/>
-          </p:nvPr>
-        </p:nvSpPr>
-        <p:spPr/>
-        <p:txBody>
-          <a:bodyPr/>
-          <a:lstStyle/>
-          <a:p>
-            <a:r>
-              <a:rPr lang="de-DE" smtClean="0">
-                <a:solidFill>
-                  <a:prstClr val="black">
-                    <a:tint val="75000"/>
-                  </a:prstClr>
-                </a:solidFill>
-              </a:rPr>
-              <a:t>Agile Dev. Processes | Eric Knauss</a:t>
-            </a:r>
-            <a:endParaRPr lang="de-DE">
-              <a:solidFill>
-                <a:prstClr val="black">
-                  <a:tint val="75000"/>
-                </a:prstClr>
-              </a:solidFill>
-            </a:endParaRPr>
-          </a:p>
-        </p:txBody>
-      </p:sp>
-      <p:sp>
-        <p:nvSpPr>
-          <p:cNvPr id="5" name="Slide Number Placeholder 4"/>
-          <p:cNvSpPr>
-            <a:spLocks noGrp="1"/>
-          </p:cNvSpPr>
-          <p:nvPr>
-            <p:ph type="sldNum" sz="quarter" idx="12"/>
-          </p:nvPr>
-        </p:nvSpPr>
-        <p:spPr/>
-        <p:txBody>
-          <a:bodyPr/>
-          <a:lstStyle/>
-          <a:p>
-            <a:fld id="{91974DF9-AD47-4691-BA21-BBFCE3637A9A}" type="slidenum">
-              <a:rPr lang="en-US" smtClean="0">
-                <a:solidFill>
-                  <a:prstClr val="black">
-                    <a:tint val="75000"/>
-                  </a:prstClr>
-                </a:solidFill>
-              </a:rPr>
-              <a:pPr/>
-              <a:t>2</a:t>
-            </a:fld>
-            <a:endParaRPr lang="en-US">
-              <a:solidFill>
-                <a:prstClr val="black">
-                  <a:tint val="75000"/>
-                </a:prstClr>
-              </a:solidFill>
-            </a:endParaRPr>
-          </a:p>
-        </p:txBody>
-      </p:sp>
-      <p:pic>
-        <p:nvPicPr>
-          <p:cNvPr id="6" name="Picture 5"/>
-          <p:cNvPicPr>
-            <a:picLocks noChangeAspect="1"/>
-          </p:cNvPicPr>
-          <p:nvPr/>
-        </p:nvPicPr>
-        <p:blipFill>
-          <a:blip r:embed="rId2"/>
-          <a:stretch>
-            <a:fillRect/>
-          </a:stretch>
-        </p:blipFill>
-        <p:spPr>
-          <a:xfrm>
-            <a:off x="4283968" y="2708920"/>
-            <a:ext cx="4176464" cy="3135620"/>
-          </a:xfrm>
-          <a:prstGeom prst="rect">
-            <a:avLst/>
-          </a:prstGeom>
-          <a:ln>
-            <a:noFill/>
-          </a:ln>
-          <a:effectLst>
-            <a:outerShdw blurRad="292100" dist="139700" dir="2700000" algn="tl" rotWithShape="0">
-              <a:srgbClr val="333333">
-                <a:alpha val="65000"/>
-              </a:srgbClr>
-            </a:outerShdw>
-          </a:effectLst>
-        </p:spPr>
-      </p:pic>
-    </p:spTree>
-    <p:extLst>
-      <p:ext uri="{BB962C8B-B14F-4D97-AF65-F5344CB8AC3E}">
-        <p14:creationId xmlns:p14="http://schemas.microsoft.com/office/powerpoint/2010/main" val="697390269"/>
-      </p:ext>
-    </p:extLst>
-  </p:cSld>
-  <p:clrMapOvr>
-    <a:masterClrMapping/>
-  </p:clrMapOvr>
-  <p:transition xmlns:p14="http://schemas.microsoft.com/office/powerpoint/2010/main">
-    <p:fade/>
-  </p:transition>
-  <p:timing>
-    <p:tnLst>
-      <p:par>
-        <p:cTn xmlns:p14="http://schemas.microsoft.com/office/powerpoint/2010/main" id="1" dur="indefinite" restart="never" nodeType="tmRoot"/>
-      </p:par>
-    </p:tnLst>
-  </p:timing>
-</p:sld>
-</file>
-
-<file path=ppt/slides/slide3.xml><?xml version="1.0" encoding="utf-8"?>
-<p:sld xmlns:a="http://schemas.openxmlformats.org/drawingml/2006/main" xmlns:r="http://schemas.openxmlformats.org/officeDocument/2006/relationships" xmlns:p="http://schemas.openxmlformats.org/presentationml/2006/main">
-  <p:cSld>
-    <p:spTree>
-      <p:nvGrpSpPr>
-        <p:cNvPr id="1" name=""/>
-        <p:cNvGrpSpPr/>
-        <p:nvPr/>
-      </p:nvGrpSpPr>
-      <p:grpSpPr>
-        <a:xfrm>
-          <a:off x="0" y="0"/>
-          <a:ext cx="0" cy="0"/>
-          <a:chOff x="0" y="0"/>
-          <a:chExt cx="0" cy="0"/>
-        </a:xfrm>
-      </p:grpSpPr>
-      <p:sp>
-        <p:nvSpPr>
-          <p:cNvPr id="2" name="Title 1"/>
-          <p:cNvSpPr>
-            <a:spLocks noGrp="1"/>
-          </p:cNvSpPr>
-          <p:nvPr>
-            <p:ph type="title"/>
-          </p:nvPr>
-        </p:nvSpPr>
-        <p:spPr/>
-        <p:txBody>
-          <a:bodyPr/>
-          <a:lstStyle/>
-          <a:p>
-            <a:r>
-              <a:rPr lang="en-US" dirty="0" smtClean="0"/>
-              <a:t>Sprint 1: Getting started</a:t>
-            </a:r>
-            <a:endParaRPr lang="en-US" dirty="0"/>
-          </a:p>
-        </p:txBody>
-      </p:sp>
-      <p:pic>
-        <p:nvPicPr>
-          <p:cNvPr id="4" name="Content Placeholder 3"/>
-          <p:cNvPicPr>
-            <a:picLocks noGrp="1" noChangeAspect="1"/>
-          </p:cNvPicPr>
-          <p:nvPr>
-            <p:ph idx="1"/>
-          </p:nvPr>
-        </p:nvPicPr>
-        <p:blipFill>
-          <a:blip r:embed="rId2"/>
-          <a:srcRect t="3412" b="3412"/>
-          <a:stretch>
-            <a:fillRect/>
-          </a:stretch>
-        </p:blipFill>
-        <p:spPr/>
-      </p:pic>
-      <p:sp>
-        <p:nvSpPr>
-          <p:cNvPr id="5" name="Rectangle 4"/>
-          <p:cNvSpPr/>
-          <p:nvPr/>
-        </p:nvSpPr>
-        <p:spPr>
-          <a:xfrm>
-            <a:off x="5631031" y="5972782"/>
-            <a:ext cx="3055769" cy="246221"/>
-          </a:xfrm>
-          <a:prstGeom prst="rect">
-            <a:avLst/>
-          </a:prstGeom>
-        </p:spPr>
-        <p:txBody>
-          <a:bodyPr wrap="square">
-            <a:spAutoFit/>
-          </a:bodyPr>
-          <a:lstStyle/>
-          <a:p>
-            <a:r>
-              <a:rPr lang="en-US" sz="1000" dirty="0" smtClean="0">
-                <a:solidFill>
-                  <a:srgbClr val="FFFFFF"/>
-                </a:solidFill>
-              </a:rPr>
-              <a:t>http://</a:t>
-            </a:r>
-            <a:r>
-              <a:rPr lang="en-US" sz="1000" dirty="0" err="1" smtClean="0">
-                <a:solidFill>
-                  <a:srgbClr val="FFFFFF"/>
-                </a:solidFill>
-              </a:rPr>
-              <a:t>commons.wikimedia.org</a:t>
-            </a:r>
-            <a:r>
-              <a:rPr lang="en-US" sz="1000" dirty="0" smtClean="0">
-                <a:solidFill>
-                  <a:srgbClr val="FFFFFF"/>
-                </a:solidFill>
-              </a:rPr>
-              <a:t>/wiki/File:Sprint_01.jpg</a:t>
-            </a:r>
-            <a:endParaRPr lang="en-US" sz="1000" dirty="0">
-              <a:solidFill>
-                <a:srgbClr val="FFFFFF"/>
-              </a:solidFill>
-            </a:endParaRPr>
-          </a:p>
-        </p:txBody>
-      </p:sp>
-      <p:sp>
-        <p:nvSpPr>
-          <p:cNvPr id="6" name="Footer Placeholder 5"/>
-          <p:cNvSpPr>
-            <a:spLocks noGrp="1"/>
-          </p:cNvSpPr>
-          <p:nvPr>
-            <p:ph type="ftr" sz="quarter" idx="11"/>
-          </p:nvPr>
-        </p:nvSpPr>
-        <p:spPr/>
-        <p:txBody>
-          <a:bodyPr/>
-          <a:lstStyle/>
-          <a:p>
-            <a:r>
-              <a:rPr lang="de-DE" smtClean="0">
-                <a:solidFill>
-                  <a:prstClr val="black">
-                    <a:tint val="75000"/>
-                  </a:prstClr>
-                </a:solidFill>
-              </a:rPr>
-              <a:t>Agile Dev. Processes | Eric Knauss</a:t>
-            </a:r>
-            <a:endParaRPr lang="de-DE">
-              <a:solidFill>
-                <a:prstClr val="black">
-                  <a:tint val="75000"/>
-                </a:prstClr>
-              </a:solidFill>
-            </a:endParaRPr>
-          </a:p>
-        </p:txBody>
-      </p:sp>
-      <p:sp>
-        <p:nvSpPr>
-          <p:cNvPr id="7" name="Slide Number Placeholder 6"/>
-          <p:cNvSpPr>
-            <a:spLocks noGrp="1"/>
-          </p:cNvSpPr>
-          <p:nvPr>
-            <p:ph type="sldNum" sz="quarter" idx="12"/>
-          </p:nvPr>
-        </p:nvSpPr>
-        <p:spPr/>
-        <p:txBody>
-          <a:bodyPr/>
-          <a:lstStyle/>
-          <a:p>
-            <a:fld id="{91974DF9-AD47-4691-BA21-BBFCE3637A9A}" type="slidenum">
-              <a:rPr lang="en-US" smtClean="0">
-                <a:solidFill>
-                  <a:prstClr val="black">
-                    <a:tint val="75000"/>
-                  </a:prstClr>
-                </a:solidFill>
-              </a:rPr>
-              <a:pPr/>
-              <a:t>3</a:t>
-            </a:fld>
-            <a:endParaRPr lang="en-US">
-              <a:solidFill>
-                <a:prstClr val="black">
-                  <a:tint val="75000"/>
-                </a:prstClr>
-              </a:solidFill>
-            </a:endParaRPr>
-          </a:p>
-        </p:txBody>
-      </p:sp>
-    </p:spTree>
-    <p:extLst>
-      <p:ext uri="{BB962C8B-B14F-4D97-AF65-F5344CB8AC3E}">
-        <p14:creationId xmlns:p14="http://schemas.microsoft.com/office/powerpoint/2010/main" val="900217534"/>
-      </p:ext>
-    </p:extLst>
-  </p:cSld>
-  <p:clrMapOvr>
-    <a:masterClrMapping/>
-  </p:clrMapOvr>
-  <p:transition xmlns:p14="http://schemas.microsoft.com/office/powerpoint/2010/main">
-    <p:fade/>
-  </p:transition>
-  <p:timing>
-    <p:tnLst>
-      <p:par>
-        <p:cTn xmlns:p14="http://schemas.microsoft.com/office/powerpoint/2010/main" id="1" dur="indefinite" restart="never" nodeType="tmRoot"/>
-      </p:par>
-    </p:tnLst>
-  </p:timing>
-</p:sld>
-</file>
-
-<file path=ppt/slides/slide4.xml><?xml version="1.0" encoding="utf-8"?>
-<p:sld xmlns:a="http://schemas.openxmlformats.org/drawingml/2006/main" xmlns:r="http://schemas.openxmlformats.org/officeDocument/2006/relationships" xmlns:p="http://schemas.openxmlformats.org/presentationml/2006/main">
-  <p:cSld>
-    <p:spTree>
-      <p:nvGrpSpPr>
-        <p:cNvPr id="1" name=""/>
-        <p:cNvGrpSpPr/>
-        <p:nvPr/>
-      </p:nvGrpSpPr>
-      <p:grpSpPr>
-        <a:xfrm>
-          <a:off x="0" y="0"/>
-          <a:ext cx="0" cy="0"/>
-          <a:chOff x="0" y="0"/>
-          <a:chExt cx="0" cy="0"/>
-        </a:xfrm>
-      </p:grpSpPr>
-      <p:sp>
-        <p:nvSpPr>
-          <p:cNvPr id="2" name="Title 1"/>
-          <p:cNvSpPr>
-            <a:spLocks noGrp="1"/>
-          </p:cNvSpPr>
-          <p:nvPr>
-            <p:ph type="title"/>
-          </p:nvPr>
-        </p:nvSpPr>
-        <p:spPr/>
-        <p:txBody>
-          <a:bodyPr/>
-          <a:lstStyle/>
-          <a:p>
-            <a:r>
-              <a:rPr lang="en-US" dirty="0" smtClean="0"/>
-              <a:t>My idea of this course…</a:t>
-            </a:r>
-            <a:endParaRPr lang="en-US" dirty="0"/>
-          </a:p>
-        </p:txBody>
-      </p:sp>
-      <p:sp>
-        <p:nvSpPr>
-          <p:cNvPr id="3" name="Content Placeholder 2"/>
-          <p:cNvSpPr>
-            <a:spLocks noGrp="1"/>
-          </p:cNvSpPr>
-          <p:nvPr>
-            <p:ph idx="1"/>
-          </p:nvPr>
-        </p:nvSpPr>
-        <p:spPr/>
-        <p:txBody>
-          <a:bodyPr/>
-          <a:lstStyle/>
-          <a:p>
-            <a:r>
-              <a:rPr lang="en-US" dirty="0" smtClean="0"/>
-              <a:t>2 Streams</a:t>
-            </a:r>
-          </a:p>
-          <a:p>
-            <a:pPr lvl="1"/>
-            <a:r>
-              <a:rPr lang="en-US" dirty="0" smtClean="0"/>
-              <a:t>Lectures –</a:t>
-            </a:r>
-            <a:r>
-              <a:rPr lang="en-US" i="1" dirty="0" smtClean="0"/>
-              <a:t> Learn Agile</a:t>
-            </a:r>
-          </a:p>
-          <a:p>
-            <a:pPr lvl="1"/>
-            <a:r>
-              <a:rPr lang="en-US" dirty="0" smtClean="0"/>
-              <a:t>Project work –</a:t>
-            </a:r>
-            <a:r>
-              <a:rPr lang="en-US" i="1" dirty="0" smtClean="0"/>
-              <a:t> Experience Agile</a:t>
-            </a:r>
-          </a:p>
-          <a:p>
-            <a:pPr lvl="1"/>
-            <a:endParaRPr lang="en-US" dirty="0"/>
-          </a:p>
-          <a:p>
-            <a:endParaRPr lang="en-US" dirty="0" smtClean="0"/>
-          </a:p>
-          <a:p>
-            <a:r>
-              <a:rPr lang="en-US" dirty="0" smtClean="0"/>
-              <a:t>3 Sprints</a:t>
-            </a:r>
-          </a:p>
-          <a:p>
-            <a:pPr lvl="1"/>
-            <a:r>
-              <a:rPr lang="en-US" dirty="0" smtClean="0"/>
-              <a:t>First sprint – </a:t>
-            </a:r>
-            <a:r>
-              <a:rPr lang="en-US" i="1" dirty="0" smtClean="0"/>
-              <a:t>Getting started</a:t>
-            </a:r>
-          </a:p>
-          <a:p>
-            <a:pPr lvl="1"/>
-            <a:r>
-              <a:rPr lang="en-US" dirty="0" smtClean="0"/>
-              <a:t>Second sprint – </a:t>
-            </a:r>
-            <a:r>
-              <a:rPr lang="en-US" i="1" dirty="0" smtClean="0"/>
-              <a:t>Focus on Project work</a:t>
-            </a:r>
-          </a:p>
-          <a:p>
-            <a:pPr lvl="1"/>
-            <a:r>
-              <a:rPr lang="en-US" dirty="0" smtClean="0"/>
-              <a:t>Third sprint – </a:t>
-            </a:r>
-            <a:r>
-              <a:rPr lang="en-US" i="1" dirty="0" smtClean="0"/>
-              <a:t>Advanced Concepts</a:t>
-            </a:r>
-            <a:endParaRPr lang="en-US" i="1" dirty="0"/>
-          </a:p>
-        </p:txBody>
-      </p:sp>
-      <p:sp>
-        <p:nvSpPr>
-          <p:cNvPr id="4" name="Footer Placeholder 3"/>
-          <p:cNvSpPr>
-            <a:spLocks noGrp="1"/>
-          </p:cNvSpPr>
-          <p:nvPr>
-            <p:ph type="ftr" sz="quarter" idx="11"/>
-          </p:nvPr>
-        </p:nvSpPr>
-        <p:spPr/>
-        <p:txBody>
-          <a:bodyPr/>
-          <a:lstStyle/>
-          <a:p>
-            <a:r>
-              <a:rPr lang="de-DE" smtClean="0">
-                <a:solidFill>
-                  <a:prstClr val="black">
-                    <a:tint val="75000"/>
-                  </a:prstClr>
-                </a:solidFill>
-              </a:rPr>
-              <a:t>Agile Dev. Processes | Eric Knauss</a:t>
-            </a:r>
-            <a:endParaRPr lang="de-DE">
-              <a:solidFill>
-                <a:prstClr val="black">
-                  <a:tint val="75000"/>
-                </a:prstClr>
-              </a:solidFill>
-            </a:endParaRPr>
-          </a:p>
-        </p:txBody>
-      </p:sp>
-      <p:sp>
-        <p:nvSpPr>
-          <p:cNvPr id="5" name="Slide Number Placeholder 4"/>
-          <p:cNvSpPr>
-            <a:spLocks noGrp="1"/>
-          </p:cNvSpPr>
-          <p:nvPr>
-            <p:ph type="sldNum" sz="quarter" idx="12"/>
-          </p:nvPr>
-        </p:nvSpPr>
-        <p:spPr/>
-        <p:txBody>
-          <a:bodyPr/>
-          <a:lstStyle/>
-          <a:p>
-            <a:fld id="{91974DF9-AD47-4691-BA21-BBFCE3637A9A}" type="slidenum">
-              <a:rPr lang="en-US" smtClean="0">
-                <a:solidFill>
-                  <a:prstClr val="black">
-                    <a:tint val="75000"/>
-                  </a:prstClr>
-                </a:solidFill>
-              </a:rPr>
-              <a:pPr/>
-              <a:t>4</a:t>
-            </a:fld>
-            <a:endParaRPr lang="en-US">
-              <a:solidFill>
-                <a:prstClr val="black">
-                  <a:tint val="75000"/>
-                </a:prstClr>
-              </a:solidFill>
-            </a:endParaRPr>
-          </a:p>
-        </p:txBody>
-      </p:sp>
-    </p:spTree>
-    <p:extLst>
-      <p:ext uri="{BB962C8B-B14F-4D97-AF65-F5344CB8AC3E}">
-        <p14:creationId xmlns:p14="http://schemas.microsoft.com/office/powerpoint/2010/main" val="2472391755"/>
-      </p:ext>
-    </p:extLst>
-  </p:cSld>
-  <p:clrMapOvr>
-    <a:masterClrMapping/>
-  </p:clrMapOvr>
-  <p:transition xmlns:p14="http://schemas.microsoft.com/office/powerpoint/2010/main">
-    <p:fade/>
-  </p:transition>
-</p:sld>
-</file>
-
-<file path=ppt/slides/slide5.xml><?xml version="1.0" encoding="utf-8"?>
-<p:sld xmlns:a="http://schemas.openxmlformats.org/drawingml/2006/main" xmlns:r="http://schemas.openxmlformats.org/officeDocument/2006/relationships" xmlns:p="http://schemas.openxmlformats.org/presentationml/2006/main">
-  <p:cSld>
-    <p:spTree>
-      <p:nvGrpSpPr>
-        <p:cNvPr id="1" name=""/>
-        <p:cNvGrpSpPr/>
-        <p:nvPr/>
-      </p:nvGrpSpPr>
-      <p:grpSpPr>
-        <a:xfrm>
-          <a:off x="0" y="0"/>
-          <a:ext cx="0" cy="0"/>
-          <a:chOff x="0" y="0"/>
-          <a:chExt cx="0" cy="0"/>
-        </a:xfrm>
-      </p:grpSpPr>
-      <p:sp>
-        <p:nvSpPr>
-          <p:cNvPr id="2" name="Title 1"/>
-          <p:cNvSpPr>
-            <a:spLocks noGrp="1"/>
-          </p:cNvSpPr>
-          <p:nvPr>
-            <p:ph type="title"/>
-          </p:nvPr>
-        </p:nvSpPr>
-        <p:spPr/>
-        <p:txBody>
-          <a:bodyPr/>
-          <a:lstStyle/>
-          <a:p>
-            <a:r>
-              <a:rPr lang="en-US" dirty="0" smtClean="0"/>
-              <a:t>Course Objectives</a:t>
-            </a:r>
-            <a:endParaRPr lang="en-US" dirty="0"/>
-          </a:p>
-        </p:txBody>
-      </p:sp>
-      <p:graphicFrame>
-        <p:nvGraphicFramePr>
-          <p:cNvPr id="6" name="Content Placeholder 5"/>
-          <p:cNvGraphicFramePr>
-            <a:graphicFrameLocks noGrp="1"/>
-          </p:cNvGraphicFramePr>
-          <p:nvPr>
-            <p:ph idx="1"/>
-            <p:extLst>
-              <p:ext uri="{D42A27DB-BD31-4B8C-83A1-F6EECF244321}">
-                <p14:modId xmlns:p14="http://schemas.microsoft.com/office/powerpoint/2010/main" val="650754644"/>
-              </p:ext>
-            </p:extLst>
-          </p:nvPr>
-        </p:nvGraphicFramePr>
-        <p:xfrm>
-          <a:off x="457200" y="908050"/>
-          <a:ext cx="8229600" cy="5222240"/>
-        </p:xfrm>
-        <a:graphic>
-          <a:graphicData uri="http://schemas.openxmlformats.org/drawingml/2006/table">
-            <a:tbl>
-              <a:tblPr firstRow="1" bandRow="1">
-                <a:tableStyleId>{5C22544A-7EE6-4342-B048-85BDC9FD1C3A}</a:tableStyleId>
-              </a:tblPr>
-              <a:tblGrid>
-                <a:gridCol w="2743200"/>
-                <a:gridCol w="2743200"/>
-                <a:gridCol w="2743200"/>
-              </a:tblGrid>
-              <a:tr h="370840">
-                <a:tc>
-                  <a:txBody>
-                    <a:bodyPr/>
-                    <a:lstStyle/>
-                    <a:p>
-                      <a:r>
-                        <a:rPr lang="en-US" dirty="0" smtClean="0"/>
-                        <a:t>Knowledge and understanding</a:t>
-                      </a:r>
-                      <a:endParaRPr lang="en-US" dirty="0"/>
-                    </a:p>
-                  </a:txBody>
-                  <a:tcPr/>
-                </a:tc>
-                <a:tc>
-                  <a:txBody>
-                    <a:bodyPr/>
-                    <a:lstStyle/>
-                    <a:p>
-                      <a:r>
-                        <a:rPr lang="en-US" dirty="0" smtClean="0"/>
-                        <a:t>Skills and ability</a:t>
-                      </a:r>
-                      <a:endParaRPr lang="en-US" dirty="0"/>
-                    </a:p>
-                  </a:txBody>
-                  <a:tcPr/>
-                </a:tc>
-                <a:tc>
-                  <a:txBody>
-                    <a:bodyPr/>
-                    <a:lstStyle/>
-                    <a:p>
-                      <a:r>
-                        <a:rPr lang="en-US" dirty="0" err="1" smtClean="0"/>
-                        <a:t>Judgement</a:t>
-                      </a:r>
-                      <a:r>
-                        <a:rPr lang="en-US" dirty="0" smtClean="0"/>
-                        <a:t> and approach</a:t>
-                      </a:r>
-                      <a:endParaRPr lang="en-US" dirty="0"/>
-                    </a:p>
-                  </a:txBody>
-                  <a:tcPr/>
-                </a:tc>
-              </a:tr>
-              <a:tr h="370840">
-                <a:tc>
-                  <a:txBody>
-                    <a:bodyPr/>
-                    <a:lstStyle/>
-                    <a:p>
-                      <a:r>
-                        <a:rPr lang="en-US" dirty="0" smtClean="0"/>
-                        <a:t>Compare agile and traditional </a:t>
-                      </a:r>
-                      <a:r>
-                        <a:rPr lang="en-US" dirty="0" err="1" smtClean="0"/>
-                        <a:t>softw</a:t>
-                      </a:r>
-                      <a:r>
-                        <a:rPr lang="en-US" dirty="0" smtClean="0"/>
-                        <a:t>. </a:t>
-                      </a:r>
-                      <a:r>
-                        <a:rPr lang="en-US" dirty="0" err="1" smtClean="0"/>
-                        <a:t>dev</a:t>
-                      </a:r>
-                      <a:r>
-                        <a:rPr lang="en-US" dirty="0" smtClean="0"/>
-                        <a:t>,</a:t>
-                      </a:r>
-                      <a:endParaRPr lang="en-US" dirty="0"/>
-                    </a:p>
-                  </a:txBody>
-                  <a:tcPr>
-                    <a:solidFill>
-                      <a:schemeClr val="accent2">
-                        <a:lumMod val="20000"/>
-                        <a:lumOff val="80000"/>
-                      </a:schemeClr>
-                    </a:solidFill>
-                  </a:tcPr>
-                </a:tc>
-                <a:tc>
-                  <a:txBody>
-                    <a:bodyPr/>
-                    <a:lstStyle/>
-                    <a:p>
-                      <a:r>
-                        <a:rPr lang="en-US" dirty="0" smtClean="0"/>
-                        <a:t>Forming a team organically</a:t>
-                      </a:r>
-                      <a:endParaRPr lang="en-US" dirty="0"/>
-                    </a:p>
-                  </a:txBody>
-                  <a:tcPr>
-                    <a:solidFill>
-                      <a:schemeClr val="accent5">
-                        <a:lumMod val="20000"/>
-                        <a:lumOff val="80000"/>
-                      </a:schemeClr>
-                    </a:solidFill>
-                  </a:tcPr>
-                </a:tc>
-                <a:tc>
-                  <a:txBody>
-                    <a:bodyPr/>
-                    <a:lstStyle/>
-                    <a:p>
-                      <a:r>
-                        <a:rPr lang="en-US" dirty="0" smtClean="0"/>
-                        <a:t>Explain: people/</a:t>
-                      </a:r>
-                      <a:r>
-                        <a:rPr lang="en-US" dirty="0" err="1" smtClean="0"/>
-                        <a:t>commun</a:t>
-                      </a:r>
-                      <a:r>
-                        <a:rPr lang="en-US" dirty="0" smtClean="0"/>
-                        <a:t>.</a:t>
-                      </a:r>
-                      <a:r>
-                        <a:rPr lang="en-US" baseline="0" dirty="0" smtClean="0"/>
-                        <a:t> centric dev.</a:t>
-                      </a:r>
-                      <a:endParaRPr lang="en-US" dirty="0"/>
-                    </a:p>
-                  </a:txBody>
-                  <a:tcPr>
-                    <a:solidFill>
-                      <a:srgbClr val="F2DCDB"/>
-                    </a:solidFill>
-                  </a:tcPr>
-                </a:tc>
-              </a:tr>
-              <a:tr h="370840">
-                <a:tc>
-                  <a:txBody>
-                    <a:bodyPr/>
-                    <a:lstStyle/>
-                    <a:p>
-                      <a:r>
-                        <a:rPr lang="en-US" dirty="0" smtClean="0"/>
-                        <a:t>Relate lean and agile development</a:t>
-                      </a:r>
-                      <a:endParaRPr lang="en-US" dirty="0"/>
-                    </a:p>
-                  </a:txBody>
-                  <a:tcPr>
-                    <a:solidFill>
-                      <a:schemeClr val="accent2">
-                        <a:lumMod val="20000"/>
-                        <a:lumOff val="80000"/>
-                      </a:schemeClr>
-                    </a:solidFill>
-                  </a:tcPr>
-                </a:tc>
-                <a:tc>
-                  <a:txBody>
-                    <a:bodyPr/>
-                    <a:lstStyle/>
-                    <a:p>
-                      <a:r>
-                        <a:rPr lang="en-US" dirty="0" smtClean="0"/>
-                        <a:t>Collaborate</a:t>
-                      </a:r>
-                      <a:r>
-                        <a:rPr lang="en-US" baseline="0" dirty="0" smtClean="0"/>
-                        <a:t> in small software dev. teams</a:t>
-                      </a:r>
-                      <a:endParaRPr lang="en-US" dirty="0"/>
-                    </a:p>
-                  </a:txBody>
-                  <a:tcPr>
-                    <a:solidFill>
-                      <a:schemeClr val="accent5">
-                        <a:lumMod val="20000"/>
-                        <a:lumOff val="80000"/>
-                      </a:schemeClr>
-                    </a:solidFill>
-                  </a:tcPr>
-                </a:tc>
-                <a:tc>
-                  <a:txBody>
-                    <a:bodyPr/>
-                    <a:lstStyle/>
-                    <a:p>
-                      <a:r>
-                        <a:rPr lang="en-US" dirty="0" smtClean="0"/>
-                        <a:t>Apply fact: people drive project success</a:t>
-                      </a:r>
-                      <a:endParaRPr lang="en-US" dirty="0"/>
-                    </a:p>
-                  </a:txBody>
-                  <a:tcPr>
-                    <a:solidFill>
-                      <a:srgbClr val="F2DCDB"/>
-                    </a:solidFill>
-                  </a:tcPr>
-                </a:tc>
-              </a:tr>
-              <a:tr h="370840">
-                <a:tc>
-                  <a:txBody>
-                    <a:bodyPr/>
-                    <a:lstStyle/>
-                    <a:p>
-                      <a:r>
-                        <a:rPr lang="en-US" dirty="0" smtClean="0"/>
-                        <a:t>Contrast</a:t>
-                      </a:r>
-                      <a:r>
-                        <a:rPr lang="en-US" baseline="0" dirty="0" smtClean="0"/>
-                        <a:t> different agile methodologies</a:t>
-                      </a:r>
-                      <a:endParaRPr lang="en-US" dirty="0"/>
-                    </a:p>
-                  </a:txBody>
-                  <a:tcPr>
-                    <a:solidFill>
-                      <a:srgbClr val="CCFFCC"/>
-                    </a:solidFill>
-                  </a:tcPr>
-                </a:tc>
-                <a:tc>
-                  <a:txBody>
-                    <a:bodyPr/>
-                    <a:lstStyle/>
-                    <a:p>
-                      <a:r>
-                        <a:rPr lang="en-US" dirty="0" smtClean="0"/>
-                        <a:t>Interact</a:t>
-                      </a:r>
-                      <a:r>
-                        <a:rPr lang="en-US" baseline="0" dirty="0" smtClean="0"/>
-                        <a:t> and show progress continuously</a:t>
-                      </a:r>
-                      <a:endParaRPr lang="en-US" dirty="0"/>
-                    </a:p>
-                  </a:txBody>
-                  <a:tcPr>
-                    <a:solidFill>
-                      <a:schemeClr val="accent5">
-                        <a:lumMod val="20000"/>
-                        <a:lumOff val="80000"/>
-                      </a:schemeClr>
-                    </a:solidFill>
-                  </a:tcPr>
-                </a:tc>
-                <a:tc>
-                  <a:txBody>
-                    <a:bodyPr/>
-                    <a:lstStyle/>
-                    <a:p>
-                      <a:r>
-                        <a:rPr lang="en-US" dirty="0" smtClean="0"/>
-                        <a:t>Describe: No single methodology fits all</a:t>
-                      </a:r>
-                      <a:endParaRPr lang="en-US" dirty="0"/>
-                    </a:p>
-                  </a:txBody>
-                  <a:tcPr>
-                    <a:solidFill>
-                      <a:srgbClr val="F2DCDB"/>
-                    </a:solidFill>
-                  </a:tcPr>
-                </a:tc>
-              </a:tr>
-              <a:tr h="370840">
-                <a:tc>
-                  <a:txBody>
-                    <a:bodyPr/>
-                    <a:lstStyle/>
-                    <a:p>
-                      <a:r>
-                        <a:rPr lang="en-US" dirty="0" smtClean="0"/>
-                        <a:t>Use the agile manifest and its accompanying principles</a:t>
-                      </a:r>
-                      <a:endParaRPr lang="en-US" dirty="0"/>
-                    </a:p>
-                  </a:txBody>
-                  <a:tcPr>
-                    <a:solidFill>
-                      <a:srgbClr val="CCFFCC"/>
-                    </a:solidFill>
-                  </a:tcPr>
-                </a:tc>
-                <a:tc>
-                  <a:txBody>
-                    <a:bodyPr/>
-                    <a:lstStyle/>
-                    <a:p>
-                      <a:r>
-                        <a:rPr lang="en-US" dirty="0" smtClean="0"/>
-                        <a:t>Develop SW</a:t>
-                      </a:r>
-                      <a:r>
-                        <a:rPr lang="en-US" baseline="0" dirty="0" smtClean="0"/>
-                        <a:t> using small and frequent iterations</a:t>
-                      </a:r>
-                      <a:endParaRPr lang="en-US" dirty="0"/>
-                    </a:p>
-                  </a:txBody>
-                  <a:tcPr>
-                    <a:solidFill>
-                      <a:schemeClr val="accent5">
-                        <a:lumMod val="20000"/>
-                        <a:lumOff val="80000"/>
-                      </a:schemeClr>
-                    </a:solidFill>
-                  </a:tcPr>
-                </a:tc>
-                <a:tc>
-                  <a:txBody>
-                    <a:bodyPr/>
-                    <a:lstStyle/>
-                    <a:p>
-                      <a:r>
-                        <a:rPr lang="en-US" dirty="0" smtClean="0"/>
-                        <a:t>Discuss: methodology needs to adopt to culture </a:t>
-                      </a:r>
-                      <a:endParaRPr lang="en-US" dirty="0"/>
-                    </a:p>
-                  </a:txBody>
-                  <a:tcPr>
-                    <a:solidFill>
-                      <a:srgbClr val="F2DCDB"/>
-                    </a:solidFill>
-                  </a:tcPr>
-                </a:tc>
-              </a:tr>
-              <a:tr h="370840">
-                <a:tc>
-                  <a:txBody>
-                    <a:bodyPr/>
-                    <a:lstStyle/>
-                    <a:p>
-                      <a:r>
-                        <a:rPr lang="en-US" dirty="0" smtClean="0"/>
-                        <a:t>Discuss what is different</a:t>
-                      </a:r>
-                      <a:r>
-                        <a:rPr lang="en-US" baseline="0" dirty="0" smtClean="0"/>
-                        <a:t> when leading an agile team</a:t>
-                      </a:r>
-                      <a:endParaRPr lang="en-US" dirty="0"/>
-                    </a:p>
-                  </a:txBody>
-                  <a:tcPr>
-                    <a:solidFill>
-                      <a:srgbClr val="F2DCDB"/>
-                    </a:solidFill>
-                  </a:tcPr>
-                </a:tc>
-                <a:tc>
-                  <a:txBody>
-                    <a:bodyPr/>
-                    <a:lstStyle/>
-                    <a:p>
-                      <a:r>
-                        <a:rPr lang="en-US" dirty="0" smtClean="0"/>
-                        <a:t>Use test-driven dev. and automated tests</a:t>
-                      </a:r>
-                      <a:endParaRPr lang="en-US" dirty="0"/>
-                    </a:p>
-                  </a:txBody>
-                  <a:tcPr>
-                    <a:solidFill>
-                      <a:schemeClr val="accent5">
-                        <a:lumMod val="20000"/>
-                        <a:lumOff val="80000"/>
-                      </a:schemeClr>
-                    </a:solidFill>
-                  </a:tcPr>
-                </a:tc>
-                <a:tc>
-                  <a:txBody>
-                    <a:bodyPr/>
-                    <a:lstStyle/>
-                    <a:p>
-                      <a:endParaRPr lang="en-US" dirty="0"/>
-                    </a:p>
-                  </a:txBody>
-                  <a:tcPr>
-                    <a:solidFill>
-                      <a:schemeClr val="bg1"/>
-                    </a:solidFill>
-                  </a:tcPr>
-                </a:tc>
-              </a:tr>
-              <a:tr h="370840">
-                <a:tc>
-                  <a:txBody>
-                    <a:bodyPr/>
-                    <a:lstStyle/>
-                    <a:p>
-                      <a:endParaRPr lang="en-US" dirty="0"/>
-                    </a:p>
-                  </a:txBody>
-                  <a:tcPr>
-                    <a:solidFill>
-                      <a:srgbClr val="FFFFFF"/>
-                    </a:solidFill>
-                  </a:tcPr>
-                </a:tc>
-                <a:tc>
-                  <a:txBody>
-                    <a:bodyPr/>
-                    <a:lstStyle/>
-                    <a:p>
-                      <a:r>
-                        <a:rPr lang="en-US" dirty="0" smtClean="0"/>
-                        <a:t>Refactor a program/design</a:t>
-                      </a:r>
-                      <a:endParaRPr lang="en-US" dirty="0"/>
-                    </a:p>
-                  </a:txBody>
-                  <a:tcPr>
-                    <a:solidFill>
-                      <a:schemeClr val="accent5">
-                        <a:lumMod val="20000"/>
-                        <a:lumOff val="80000"/>
-                      </a:schemeClr>
-                    </a:solidFill>
-                  </a:tcPr>
-                </a:tc>
-                <a:tc>
-                  <a:txBody>
-                    <a:bodyPr/>
-                    <a:lstStyle/>
-                    <a:p>
-                      <a:endParaRPr lang="en-US" dirty="0"/>
-                    </a:p>
-                  </a:txBody>
-                  <a:tcPr>
-                    <a:solidFill>
-                      <a:schemeClr val="bg1"/>
-                    </a:solidFill>
-                  </a:tcPr>
-                </a:tc>
-              </a:tr>
-              <a:tr h="370840">
-                <a:tc>
-                  <a:txBody>
-                    <a:bodyPr/>
-                    <a:lstStyle/>
-                    <a:p>
-                      <a:endParaRPr lang="en-US" dirty="0"/>
-                    </a:p>
-                  </a:txBody>
-                  <a:tcPr>
-                    <a:solidFill>
-                      <a:srgbClr val="FFFFFF"/>
-                    </a:solidFill>
-                  </a:tcPr>
-                </a:tc>
-                <a:tc>
-                  <a:txBody>
-                    <a:bodyPr/>
-                    <a:lstStyle/>
-                    <a:p>
-                      <a:r>
-                        <a:rPr lang="en-US" dirty="0" smtClean="0"/>
-                        <a:t>Be member of agile team</a:t>
-                      </a:r>
-                      <a:endParaRPr lang="en-US" dirty="0"/>
-                    </a:p>
-                  </a:txBody>
-                  <a:tcPr>
-                    <a:solidFill>
-                      <a:schemeClr val="accent5">
-                        <a:lumMod val="20000"/>
-                        <a:lumOff val="80000"/>
-                      </a:schemeClr>
-                    </a:solidFill>
-                  </a:tcPr>
-                </a:tc>
-                <a:tc>
-                  <a:txBody>
-                    <a:bodyPr/>
-                    <a:lstStyle/>
-                    <a:p>
-                      <a:endParaRPr lang="en-US" dirty="0"/>
-                    </a:p>
-                  </a:txBody>
-                  <a:tcPr>
-                    <a:solidFill>
-                      <a:schemeClr val="bg1"/>
-                    </a:solidFill>
-                  </a:tcPr>
-                </a:tc>
-              </a:tr>
-              <a:tr h="370840">
-                <a:tc>
-                  <a:txBody>
-                    <a:bodyPr/>
-                    <a:lstStyle/>
-                    <a:p>
-                      <a:endParaRPr lang="en-US" dirty="0"/>
-                    </a:p>
-                  </a:txBody>
-                  <a:tcPr>
-                    <a:solidFill>
-                      <a:srgbClr val="FFFFFF"/>
-                    </a:solidFill>
-                  </a:tcPr>
-                </a:tc>
-                <a:tc>
-                  <a:txBody>
-                    <a:bodyPr/>
-                    <a:lstStyle/>
-                    <a:p>
-                      <a:r>
-                        <a:rPr lang="en-US" dirty="0" smtClean="0"/>
-                        <a:t>Incremental planning using user stories</a:t>
-                      </a:r>
-                      <a:endParaRPr lang="en-US" dirty="0"/>
-                    </a:p>
-                  </a:txBody>
-                  <a:tcPr>
-                    <a:solidFill>
-                      <a:schemeClr val="accent5">
-                        <a:lumMod val="20000"/>
-                        <a:lumOff val="80000"/>
-                      </a:schemeClr>
-                    </a:solidFill>
-                  </a:tcPr>
-                </a:tc>
-                <a:tc>
-                  <a:txBody>
-                    <a:bodyPr/>
-                    <a:lstStyle/>
-                    <a:p>
-                      <a:endParaRPr lang="en-US" dirty="0"/>
-                    </a:p>
-                  </a:txBody>
-                  <a:tcPr>
-                    <a:solidFill>
-                      <a:schemeClr val="bg1"/>
-                    </a:solidFill>
-                  </a:tcPr>
-                </a:tc>
-              </a:tr>
-            </a:tbl>
-          </a:graphicData>
-        </a:graphic>
-      </p:graphicFrame>
-      <p:sp>
-        <p:nvSpPr>
-          <p:cNvPr id="4" name="Footer Placeholder 3"/>
-          <p:cNvSpPr>
-            <a:spLocks noGrp="1"/>
-          </p:cNvSpPr>
-          <p:nvPr>
-            <p:ph type="ftr" sz="quarter" idx="11"/>
-          </p:nvPr>
-        </p:nvSpPr>
-        <p:spPr/>
-        <p:txBody>
-          <a:bodyPr/>
-          <a:lstStyle/>
-          <a:p>
-            <a:r>
-              <a:rPr lang="de-DE" smtClean="0">
-                <a:solidFill>
-                  <a:prstClr val="black">
-                    <a:tint val="75000"/>
-                  </a:prstClr>
-                </a:solidFill>
-              </a:rPr>
-              <a:t>Agile Software Dev. | Eric Knauss</a:t>
-            </a:r>
-            <a:endParaRPr lang="de-DE">
-              <a:solidFill>
-                <a:prstClr val="black">
-                  <a:tint val="75000"/>
-                </a:prstClr>
-              </a:solidFill>
-            </a:endParaRPr>
-          </a:p>
-        </p:txBody>
-      </p:sp>
-      <p:sp>
-        <p:nvSpPr>
-          <p:cNvPr id="5" name="Slide Number Placeholder 4"/>
-          <p:cNvSpPr>
-            <a:spLocks noGrp="1"/>
-          </p:cNvSpPr>
-          <p:nvPr>
-            <p:ph type="sldNum" sz="quarter" idx="12"/>
-          </p:nvPr>
-        </p:nvSpPr>
-        <p:spPr/>
-        <p:txBody>
-          <a:bodyPr/>
-          <a:lstStyle/>
-          <a:p>
-            <a:fld id="{91974DF9-AD47-4691-BA21-BBFCE3637A9A}" type="slidenum">
-              <a:rPr lang="en-US" smtClean="0">
-                <a:solidFill>
-                  <a:prstClr val="black">
-                    <a:tint val="75000"/>
-                  </a:prstClr>
-                </a:solidFill>
-              </a:rPr>
-              <a:pPr/>
-              <a:t>5</a:t>
-            </a:fld>
-            <a:endParaRPr lang="en-US">
-              <a:solidFill>
-                <a:prstClr val="black">
-                  <a:tint val="75000"/>
-                </a:prstClr>
-              </a:solidFill>
-            </a:endParaRPr>
-          </a:p>
-        </p:txBody>
-      </p:sp>
-      <p:sp>
-        <p:nvSpPr>
-          <p:cNvPr id="7" name="TextBox 6"/>
-          <p:cNvSpPr txBox="1"/>
-          <p:nvPr/>
-        </p:nvSpPr>
-        <p:spPr>
-          <a:xfrm rot="16200000">
-            <a:off x="-230624" y="3253511"/>
-            <a:ext cx="929461" cy="369332"/>
-          </a:xfrm>
-          <a:prstGeom prst="rect">
-            <a:avLst/>
-          </a:prstGeom>
-          <a:noFill/>
-        </p:spPr>
-        <p:txBody>
-          <a:bodyPr wrap="none" rtlCol="0">
-            <a:spAutoFit/>
-          </a:bodyPr>
-          <a:lstStyle/>
-          <a:p>
-            <a:r>
-              <a:rPr lang="en-US" b="1" dirty="0" smtClean="0"/>
-              <a:t>Sprint 1</a:t>
-            </a:r>
-            <a:endParaRPr lang="en-US" b="1" dirty="0"/>
-          </a:p>
-        </p:txBody>
-      </p:sp>
-      <p:sp>
-        <p:nvSpPr>
-          <p:cNvPr id="8" name="TextBox 7"/>
-          <p:cNvSpPr txBox="1"/>
-          <p:nvPr/>
-        </p:nvSpPr>
-        <p:spPr>
-          <a:xfrm rot="16200000">
-            <a:off x="2506495" y="5480894"/>
-            <a:ext cx="929461" cy="369332"/>
-          </a:xfrm>
-          <a:prstGeom prst="rect">
-            <a:avLst/>
-          </a:prstGeom>
-          <a:noFill/>
-        </p:spPr>
-        <p:txBody>
-          <a:bodyPr wrap="none" rtlCol="0">
-            <a:spAutoFit/>
-          </a:bodyPr>
-          <a:lstStyle/>
-          <a:p>
-            <a:r>
-              <a:rPr lang="en-US" b="1" dirty="0" smtClean="0"/>
-              <a:t>Sprint 2</a:t>
-            </a:r>
-            <a:endParaRPr lang="en-US" b="1" dirty="0"/>
-          </a:p>
-        </p:txBody>
-      </p:sp>
-      <p:sp>
-        <p:nvSpPr>
-          <p:cNvPr id="9" name="TextBox 8"/>
-          <p:cNvSpPr txBox="1"/>
-          <p:nvPr/>
-        </p:nvSpPr>
-        <p:spPr>
-          <a:xfrm rot="16200000">
-            <a:off x="8406736" y="2476450"/>
-            <a:ext cx="929461" cy="369332"/>
-          </a:xfrm>
-          <a:prstGeom prst="rect">
-            <a:avLst/>
-          </a:prstGeom>
-          <a:noFill/>
-        </p:spPr>
-        <p:txBody>
-          <a:bodyPr wrap="none" rtlCol="0">
-            <a:spAutoFit/>
-          </a:bodyPr>
-          <a:lstStyle/>
-          <a:p>
-            <a:r>
-              <a:rPr lang="en-US" b="1" dirty="0" smtClean="0"/>
-              <a:t>Sprint 3</a:t>
-            </a:r>
-            <a:endParaRPr lang="en-US" b="1" dirty="0"/>
-          </a:p>
-        </p:txBody>
-      </p:sp>
-    </p:spTree>
-    <p:extLst>
-      <p:ext uri="{BB962C8B-B14F-4D97-AF65-F5344CB8AC3E}">
-        <p14:creationId xmlns:p14="http://schemas.microsoft.com/office/powerpoint/2010/main" val="3051022594"/>
-      </p:ext>
-    </p:extLst>
-  </p:cSld>
-  <p:clrMapOvr>
-    <a:masterClrMapping/>
-  </p:clrMapOvr>
-  <p:transition xmlns:p14="http://schemas.microsoft.com/office/powerpoint/2010/main">
-    <p:fade/>
-  </p:transition>
-  <p:timing>
-    <p:tnLst>
-      <p:par>
-        <p:cTn xmlns:p14="http://schemas.microsoft.com/office/powerpoint/2010/main" id="1" dur="indefinite" restart="never" nodeType="tmRoot"/>
-      </p:par>
-    </p:tnLst>
-  </p:timing>
-</p:sld>
-</file>
-
-<file path=ppt/slides/slide6.xml><?xml version="1.0" encoding="utf-8"?>
-<p:sld xmlns:a="http://schemas.openxmlformats.org/drawingml/2006/main" xmlns:r="http://schemas.openxmlformats.org/officeDocument/2006/relationships" xmlns:p="http://schemas.openxmlformats.org/presentationml/2006/main">
-  <p:cSld>
-    <p:spTree>
-      <p:nvGrpSpPr>
-        <p:cNvPr id="1" name=""/>
-        <p:cNvGrpSpPr/>
-        <p:nvPr/>
-      </p:nvGrpSpPr>
-      <p:grpSpPr>
-        <a:xfrm>
-          <a:off x="0" y="0"/>
-          <a:ext cx="0" cy="0"/>
-          <a:chOff x="0" y="0"/>
-          <a:chExt cx="0" cy="0"/>
-        </a:xfrm>
-      </p:grpSpPr>
-      <p:sp>
-        <p:nvSpPr>
-          <p:cNvPr id="2" name="Title 1"/>
-          <p:cNvSpPr>
-            <a:spLocks noGrp="1"/>
-          </p:cNvSpPr>
-          <p:nvPr>
-            <p:ph type="title"/>
-          </p:nvPr>
-        </p:nvSpPr>
-        <p:spPr/>
-        <p:txBody>
-          <a:bodyPr/>
-          <a:lstStyle/>
-          <a:p>
-            <a:r>
-              <a:rPr lang="en-US" dirty="0" smtClean="0"/>
-              <a:t>What is agility in Software Development?</a:t>
-            </a:r>
-            <a:endParaRPr lang="en-US" dirty="0"/>
-          </a:p>
-        </p:txBody>
-      </p:sp>
-      <p:pic>
-        <p:nvPicPr>
-          <p:cNvPr id="6" name="Content Placeholder 5"/>
-          <p:cNvPicPr>
-            <a:picLocks noGrp="1" noChangeAspect="1"/>
-          </p:cNvPicPr>
-          <p:nvPr>
-            <p:ph idx="1"/>
-          </p:nvPr>
-        </p:nvPicPr>
-        <p:blipFill>
-          <a:blip r:embed="rId2"/>
-          <a:srcRect t="1205" b="1205"/>
-          <a:stretch>
-            <a:fillRect/>
-          </a:stretch>
-        </p:blipFill>
-        <p:spPr/>
-      </p:pic>
-      <p:sp>
-        <p:nvSpPr>
-          <p:cNvPr id="7" name="Rectangle 6"/>
-          <p:cNvSpPr/>
-          <p:nvPr/>
-        </p:nvSpPr>
-        <p:spPr>
-          <a:xfrm>
-            <a:off x="6047849" y="5976718"/>
-            <a:ext cx="2638951" cy="246221"/>
-          </a:xfrm>
-          <a:prstGeom prst="rect">
-            <a:avLst/>
-          </a:prstGeom>
-        </p:spPr>
-        <p:txBody>
-          <a:bodyPr wrap="none">
-            <a:spAutoFit/>
-          </a:bodyPr>
-          <a:lstStyle/>
-          <a:p>
-            <a:r>
-              <a:rPr lang="en-US" sz="1000" dirty="0" smtClean="0">
-                <a:solidFill>
-                  <a:schemeClr val="bg1"/>
-                </a:solidFill>
-              </a:rPr>
-              <a:t>http://</a:t>
-            </a:r>
-            <a:r>
-              <a:rPr lang="en-US" sz="1000" dirty="0" err="1" smtClean="0">
-                <a:solidFill>
-                  <a:schemeClr val="bg1"/>
-                </a:solidFill>
-              </a:rPr>
-              <a:t>mediagallery.usatoday.com</a:t>
-            </a:r>
-            <a:r>
-              <a:rPr lang="en-US" sz="1000" dirty="0" smtClean="0">
-                <a:solidFill>
-                  <a:schemeClr val="bg1"/>
-                </a:solidFill>
-              </a:rPr>
-              <a:t>/</a:t>
-            </a:r>
-            <a:r>
-              <a:rPr lang="en-US" sz="1000" dirty="0" err="1" smtClean="0">
-                <a:solidFill>
-                  <a:schemeClr val="bg1"/>
-                </a:solidFill>
-              </a:rPr>
-              <a:t>New+Flame</a:t>
-            </a:r>
-            <a:endParaRPr lang="en-US" sz="1000" dirty="0">
-              <a:solidFill>
-                <a:schemeClr val="bg1"/>
-              </a:solidFill>
-            </a:endParaRPr>
-          </a:p>
-        </p:txBody>
-      </p:sp>
-      <p:sp>
-        <p:nvSpPr>
-          <p:cNvPr id="8" name="TextBox 7"/>
-          <p:cNvSpPr txBox="1"/>
-          <p:nvPr/>
-        </p:nvSpPr>
-        <p:spPr>
-          <a:xfrm>
-            <a:off x="5603818" y="4877696"/>
-            <a:ext cx="2710598" cy="830997"/>
-          </a:xfrm>
-          <a:prstGeom prst="rect">
-            <a:avLst/>
-          </a:prstGeom>
-          <a:noFill/>
-        </p:spPr>
-        <p:txBody>
-          <a:bodyPr wrap="none" rtlCol="0">
-            <a:spAutoFit/>
-          </a:bodyPr>
-          <a:lstStyle/>
-          <a:p>
-            <a:r>
-              <a:rPr lang="en-US" sz="2400" b="1" dirty="0" smtClean="0">
-                <a:solidFill>
-                  <a:srgbClr val="FFFFFF"/>
-                </a:solidFill>
-              </a:rPr>
-              <a:t>Agile Development: </a:t>
-            </a:r>
-            <a:br>
-              <a:rPr lang="en-US" sz="2400" b="1" dirty="0" smtClean="0">
-                <a:solidFill>
-                  <a:srgbClr val="FFFFFF"/>
-                </a:solidFill>
-              </a:rPr>
-            </a:br>
-            <a:r>
-              <a:rPr lang="en-US" sz="2400" b="1" dirty="0" smtClean="0">
-                <a:solidFill>
-                  <a:srgbClr val="FFFFFF"/>
-                </a:solidFill>
-              </a:rPr>
-              <a:t>A Miniature</a:t>
-            </a:r>
-            <a:endParaRPr lang="en-US" sz="2400" b="1" dirty="0">
-              <a:solidFill>
-                <a:srgbClr val="FFFFFF"/>
-              </a:solidFill>
-            </a:endParaRPr>
-          </a:p>
-        </p:txBody>
-      </p:sp>
-      <p:sp>
-        <p:nvSpPr>
-          <p:cNvPr id="9" name="Footer Placeholder 8"/>
-          <p:cNvSpPr>
-            <a:spLocks noGrp="1"/>
-          </p:cNvSpPr>
-          <p:nvPr>
-            <p:ph type="ftr" sz="quarter" idx="11"/>
-          </p:nvPr>
-        </p:nvSpPr>
-        <p:spPr/>
-        <p:txBody>
-          <a:bodyPr/>
-          <a:lstStyle/>
-          <a:p>
-            <a:r>
-              <a:rPr lang="de-DE" smtClean="0">
-                <a:solidFill>
-                  <a:prstClr val="black">
-                    <a:tint val="75000"/>
-                  </a:prstClr>
-                </a:solidFill>
-              </a:rPr>
-              <a:t>Agile Dev. Processes | Eric Knauss</a:t>
-            </a:r>
-            <a:endParaRPr lang="de-DE">
-              <a:solidFill>
-                <a:prstClr val="black">
-                  <a:tint val="75000"/>
-                </a:prstClr>
-              </a:solidFill>
-            </a:endParaRPr>
-          </a:p>
-        </p:txBody>
-      </p:sp>
-      <p:sp>
-        <p:nvSpPr>
-          <p:cNvPr id="10" name="Slide Number Placeholder 9"/>
-          <p:cNvSpPr>
-            <a:spLocks noGrp="1"/>
-          </p:cNvSpPr>
-          <p:nvPr>
-            <p:ph type="sldNum" sz="quarter" idx="12"/>
-          </p:nvPr>
-        </p:nvSpPr>
-        <p:spPr/>
-        <p:txBody>
-          <a:bodyPr/>
-          <a:lstStyle/>
-          <a:p>
-            <a:fld id="{91974DF9-AD47-4691-BA21-BBFCE3637A9A}" type="slidenum">
-              <a:rPr lang="en-US" smtClean="0">
-                <a:solidFill>
-                  <a:prstClr val="black">
-                    <a:tint val="75000"/>
-                  </a:prstClr>
-                </a:solidFill>
-              </a:rPr>
-              <a:pPr/>
-              <a:t>6</a:t>
-            </a:fld>
-            <a:endParaRPr lang="en-US">
-              <a:solidFill>
-                <a:prstClr val="black">
-                  <a:tint val="75000"/>
-                </a:prstClr>
-              </a:solidFill>
-            </a:endParaRPr>
-          </a:p>
-        </p:txBody>
-      </p:sp>
-    </p:spTree>
-    <p:extLst>
-      <p:ext uri="{BB962C8B-B14F-4D97-AF65-F5344CB8AC3E}">
-        <p14:creationId xmlns:p14="http://schemas.microsoft.com/office/powerpoint/2010/main" val="1220348343"/>
-      </p:ext>
-    </p:extLst>
-  </p:cSld>
-  <p:clrMapOvr>
-    <a:masterClrMapping/>
-  </p:clrMapOvr>
-  <p:transition xmlns:p14="http://schemas.microsoft.com/office/powerpoint/2010/main">
-    <p:fade/>
-  </p:transition>
-  <p:timing>
-    <p:tnLst>
-      <p:par>
-        <p:cTn xmlns:p14="http://schemas.microsoft.com/office/powerpoint/2010/main" id="1" dur="indefinite" restart="never" nodeType="tmRoot"/>
-      </p:par>
-    </p:tnLst>
-  </p:timing>
-</p:sld>
-</file>
-
-<file path=ppt/slides/slide7.xml><?xml version="1.0" encoding="utf-8"?>
-<p:sld xmlns:a="http://schemas.openxmlformats.org/drawingml/2006/main" xmlns:r="http://schemas.openxmlformats.org/officeDocument/2006/relationships" xmlns:p="http://schemas.openxmlformats.org/presentationml/2006/main">
-  <p:cSld>
-    <p:spTree>
-      <p:nvGrpSpPr>
-        <p:cNvPr id="1" name=""/>
-        <p:cNvGrpSpPr/>
-        <p:nvPr/>
-      </p:nvGrpSpPr>
-      <p:grpSpPr>
-        <a:xfrm>
-          <a:off x="0" y="0"/>
-          <a:ext cx="0" cy="0"/>
-          <a:chOff x="0" y="0"/>
-          <a:chExt cx="0" cy="0"/>
-        </a:xfrm>
-      </p:grpSpPr>
-      <p:sp>
-        <p:nvSpPr>
-          <p:cNvPr id="2" name="Title 1"/>
-          <p:cNvSpPr>
-            <a:spLocks noGrp="1"/>
-          </p:cNvSpPr>
-          <p:nvPr>
-            <p:ph type="title"/>
-          </p:nvPr>
-        </p:nvSpPr>
-        <p:spPr/>
-        <p:txBody>
-          <a:bodyPr/>
-          <a:lstStyle/>
-          <a:p>
-            <a:r>
-              <a:rPr lang="en-US" dirty="0" smtClean="0"/>
-              <a:t>Miniatures </a:t>
-            </a:r>
-            <a:endParaRPr lang="en-US" dirty="0"/>
-          </a:p>
-        </p:txBody>
-      </p:sp>
-      <p:sp>
-        <p:nvSpPr>
-          <p:cNvPr id="3" name="Content Placeholder 2"/>
-          <p:cNvSpPr>
-            <a:spLocks noGrp="1"/>
-          </p:cNvSpPr>
-          <p:nvPr>
-            <p:ph idx="1"/>
-          </p:nvPr>
-        </p:nvSpPr>
-        <p:spPr/>
-        <p:txBody>
-          <a:bodyPr/>
-          <a:lstStyle/>
-          <a:p>
-            <a:r>
-              <a:rPr lang="en-US" dirty="0" smtClean="0"/>
-              <a:t>Good to get started in the project</a:t>
-            </a:r>
-          </a:p>
-          <a:p>
-            <a:pPr lvl="1"/>
-            <a:r>
-              <a:rPr lang="en-US" dirty="0" smtClean="0"/>
-              <a:t>Shared ideas / concepts</a:t>
-            </a:r>
-          </a:p>
-          <a:p>
-            <a:pPr lvl="1"/>
-            <a:r>
-              <a:rPr lang="en-US" dirty="0">
-                <a:hlinkClick r:id="rId2"/>
-              </a:rPr>
-              <a:t>http://c2.com/xp/</a:t>
-            </a:r>
-            <a:r>
-              <a:rPr lang="en-US" dirty="0" smtClean="0">
-                <a:hlinkClick r:id="rId2"/>
-              </a:rPr>
-              <a:t>ExtremeHour.html</a:t>
-            </a:r>
-            <a:endParaRPr lang="en-US" dirty="0" smtClean="0"/>
-          </a:p>
-          <a:p>
-            <a:pPr lvl="1"/>
-            <a:r>
-              <a:rPr lang="en-US" dirty="0">
-                <a:hlinkClick r:id="rId3"/>
-              </a:rPr>
-              <a:t>http://www.massey.ac.nz/~dpparson/</a:t>
-            </a:r>
-            <a:r>
-              <a:rPr lang="en-US" dirty="0" smtClean="0">
-                <a:hlinkClick r:id="rId3"/>
-              </a:rPr>
-              <a:t>agilehour.htm</a:t>
-            </a:r>
-            <a:endParaRPr lang="en-US" dirty="0" smtClean="0"/>
-          </a:p>
-          <a:p>
-            <a:pPr lvl="1"/>
-            <a:endParaRPr lang="en-US" dirty="0" smtClean="0"/>
-          </a:p>
-          <a:p>
-            <a:pPr lvl="1"/>
-            <a:endParaRPr lang="en-US" dirty="0"/>
-          </a:p>
-          <a:p>
-            <a:r>
-              <a:rPr lang="en-US" dirty="0" smtClean="0"/>
-              <a:t>Idea: Simulate an agile project within a limited time</a:t>
-            </a:r>
-          </a:p>
-          <a:p>
-            <a:pPr lvl="1"/>
-            <a:r>
-              <a:rPr lang="en-US" dirty="0" smtClean="0"/>
-              <a:t>Agile / Extreme Hour do not scale </a:t>
-            </a:r>
-          </a:p>
-          <a:p>
-            <a:pPr lvl="1"/>
-            <a:r>
-              <a:rPr lang="en-US" dirty="0" smtClean="0"/>
-              <a:t>Lego-Scrum does not scale</a:t>
-            </a:r>
-          </a:p>
-          <a:p>
-            <a:pPr lvl="1"/>
-            <a:endParaRPr lang="en-US" dirty="0" smtClean="0"/>
-          </a:p>
-          <a:p>
-            <a:pPr lvl="1"/>
-            <a:r>
-              <a:rPr lang="en-US" dirty="0" smtClean="0"/>
-              <a:t>Thus, falling back to a simulation first presented by Chris Rupp, Sophist</a:t>
-            </a:r>
-            <a:endParaRPr lang="en-US" dirty="0"/>
-          </a:p>
-        </p:txBody>
-      </p:sp>
-      <p:sp>
-        <p:nvSpPr>
-          <p:cNvPr id="4" name="Footer Placeholder 3"/>
-          <p:cNvSpPr>
-            <a:spLocks noGrp="1"/>
-          </p:cNvSpPr>
-          <p:nvPr>
-            <p:ph type="ftr" sz="quarter" idx="11"/>
-          </p:nvPr>
-        </p:nvSpPr>
-        <p:spPr/>
-        <p:txBody>
-          <a:bodyPr/>
-          <a:lstStyle/>
-          <a:p>
-            <a:r>
-              <a:rPr lang="de-DE" smtClean="0">
-                <a:solidFill>
-                  <a:prstClr val="black">
-                    <a:tint val="75000"/>
-                  </a:prstClr>
-                </a:solidFill>
-              </a:rPr>
-              <a:t>Agile Dev. Processes | Eric Knauss</a:t>
-            </a:r>
-            <a:endParaRPr lang="de-DE">
-              <a:solidFill>
-                <a:prstClr val="black">
-                  <a:tint val="75000"/>
-                </a:prstClr>
-              </a:solidFill>
-            </a:endParaRPr>
-          </a:p>
-        </p:txBody>
-      </p:sp>
-      <p:sp>
-        <p:nvSpPr>
-          <p:cNvPr id="5" name="Slide Number Placeholder 4"/>
-          <p:cNvSpPr>
-            <a:spLocks noGrp="1"/>
-          </p:cNvSpPr>
-          <p:nvPr>
-            <p:ph type="sldNum" sz="quarter" idx="12"/>
-          </p:nvPr>
-        </p:nvSpPr>
-        <p:spPr/>
-        <p:txBody>
-          <a:bodyPr/>
-          <a:lstStyle/>
-          <a:p>
-            <a:fld id="{91974DF9-AD47-4691-BA21-BBFCE3637A9A}" type="slidenum">
-              <a:rPr lang="en-US" smtClean="0">
-                <a:solidFill>
-                  <a:prstClr val="black">
-                    <a:tint val="75000"/>
-                  </a:prstClr>
-                </a:solidFill>
-              </a:rPr>
-              <a:pPr/>
-              <a:t>7</a:t>
-            </a:fld>
-            <a:endParaRPr lang="en-US">
-              <a:solidFill>
-                <a:prstClr val="black">
-                  <a:tint val="75000"/>
-                </a:prstClr>
-              </a:solidFill>
-            </a:endParaRPr>
-          </a:p>
-        </p:txBody>
-      </p:sp>
-    </p:spTree>
-    <p:extLst>
-      <p:ext uri="{BB962C8B-B14F-4D97-AF65-F5344CB8AC3E}">
-        <p14:creationId xmlns:p14="http://schemas.microsoft.com/office/powerpoint/2010/main" val="302372173"/>
-      </p:ext>
-    </p:extLst>
-  </p:cSld>
-  <p:clrMapOvr>
-    <a:masterClrMapping/>
-  </p:clrMapOvr>
-  <p:transition xmlns:p14="http://schemas.microsoft.com/office/powerpoint/2010/main">
-    <p:fade/>
-  </p:transition>
-</p:sld>
-</file>
-
-<file path=ppt/slides/slide8.xml><?xml version="1.0" encoding="utf-8"?>
-<p:sld xmlns:a="http://schemas.openxmlformats.org/drawingml/2006/main" xmlns:r="http://schemas.openxmlformats.org/officeDocument/2006/relationships" xmlns:p="http://schemas.openxmlformats.org/presentationml/2006/main">
-  <p:cSld>
-    <p:spTree>
-      <p:nvGrpSpPr>
-        <p:cNvPr id="1" name=""/>
-        <p:cNvGrpSpPr/>
-        <p:nvPr/>
-      </p:nvGrpSpPr>
-      <p:grpSpPr>
-        <a:xfrm>
-          <a:off x="0" y="0"/>
-          <a:ext cx="0" cy="0"/>
-          <a:chOff x="0" y="0"/>
-          <a:chExt cx="0" cy="0"/>
-        </a:xfrm>
-      </p:grpSpPr>
-      <p:sp>
-        <p:nvSpPr>
-          <p:cNvPr id="4" name="Title 3"/>
-          <p:cNvSpPr>
-            <a:spLocks noGrp="1"/>
-          </p:cNvSpPr>
-          <p:nvPr>
-            <p:ph type="title"/>
-          </p:nvPr>
-        </p:nvSpPr>
-        <p:spPr/>
-        <p:txBody>
-          <a:bodyPr/>
-          <a:lstStyle/>
-          <a:p>
-            <a:r>
-              <a:rPr lang="en-US" dirty="0" smtClean="0"/>
-              <a:t>Round 1</a:t>
-            </a:r>
-            <a:endParaRPr lang="en-US" dirty="0"/>
-          </a:p>
-        </p:txBody>
-      </p:sp>
-      <p:sp>
-        <p:nvSpPr>
-          <p:cNvPr id="5" name="Content Placeholder 4"/>
-          <p:cNvSpPr>
-            <a:spLocks noGrp="1"/>
-          </p:cNvSpPr>
-          <p:nvPr>
-            <p:ph idx="1"/>
-          </p:nvPr>
-        </p:nvSpPr>
-        <p:spPr/>
-        <p:txBody>
-          <a:bodyPr>
-            <a:normAutofit/>
-          </a:bodyPr>
-          <a:lstStyle/>
-          <a:p>
-            <a:r>
-              <a:rPr lang="en-US" dirty="0" smtClean="0"/>
-              <a:t>Create teams of 4 to 6 persons</a:t>
-            </a:r>
-          </a:p>
-          <a:p>
-            <a:r>
-              <a:rPr lang="en-US" dirty="0" smtClean="0"/>
-              <a:t>Assign roles in each team: same number of customers and developers</a:t>
-            </a:r>
-          </a:p>
-          <a:p>
-            <a:r>
-              <a:rPr lang="en-US" dirty="0" smtClean="0"/>
-              <a:t>Customers and developers sit as far apart as possible</a:t>
-            </a:r>
-          </a:p>
-          <a:p>
-            <a:r>
-              <a:rPr lang="en-US" dirty="0" smtClean="0"/>
-              <a:t>Customers write instructions for developers</a:t>
-            </a:r>
-          </a:p>
-          <a:p>
-            <a:r>
-              <a:rPr lang="en-US" dirty="0" smtClean="0"/>
-              <a:t>One of the customers </a:t>
-            </a:r>
-          </a:p>
-          <a:p>
-            <a:pPr lvl="1"/>
-            <a:r>
-              <a:rPr lang="en-US" dirty="0" smtClean="0"/>
-              <a:t>brings written instructions to developers</a:t>
-            </a:r>
-          </a:p>
-          <a:p>
-            <a:pPr lvl="1"/>
-            <a:r>
-              <a:rPr lang="en-US" dirty="0"/>
-              <a:t>c</a:t>
-            </a:r>
-            <a:r>
-              <a:rPr lang="en-US" dirty="0" smtClean="0"/>
-              <a:t>an answer (written) questions with (written) answers</a:t>
-            </a:r>
-          </a:p>
-          <a:p>
-            <a:r>
-              <a:rPr lang="en-US" dirty="0" smtClean="0"/>
-              <a:t>Talking and drawings between customers and developers are not permitted</a:t>
-            </a:r>
-          </a:p>
-          <a:p>
-            <a:endParaRPr lang="en-US" dirty="0" smtClean="0"/>
-          </a:p>
-          <a:p>
-            <a:r>
-              <a:rPr lang="en-US" dirty="0" smtClean="0"/>
-              <a:t>Time for this round: 5 minutes</a:t>
-            </a:r>
-            <a:endParaRPr lang="en-US" dirty="0"/>
-          </a:p>
-        </p:txBody>
-      </p:sp>
-    </p:spTree>
-    <p:extLst>
-      <p:ext uri="{BB962C8B-B14F-4D97-AF65-F5344CB8AC3E}">
-        <p14:creationId xmlns:p14="http://schemas.microsoft.com/office/powerpoint/2010/main" val="1203308071"/>
-      </p:ext>
-    </p:extLst>
-  </p:cSld>
-  <p:clrMapOvr>
-    <a:masterClrMapping/>
-  </p:clrMapOvr>
-  <p:transition xmlns:p14="http://schemas.microsoft.com/office/powerpoint/2010/main">
-    <p:fade/>
-  </p:transition>
-  <p:timing>
-    <p:tnLst>
-      <p:par>
-        <p:cTn xmlns:p14="http://schemas.microsoft.com/office/powerpoint/2010/main" id="1" dur="indefinite" restart="never" nodeType="tmRoot"/>
-      </p:par>
-    </p:tnLst>
-  </p:timing>
-</p:sld>
-</file>
-
-<file path=ppt/slides/slide9.xml><?xml version="1.0" encoding="utf-8"?>
 <p:sld xmlns:a="http://schemas.openxmlformats.org/drawingml/2006/main" xmlns:r="http://schemas.openxmlformats.org/officeDocument/2006/relationships" xmlns:p="http://schemas.openxmlformats.org/presentationml/2006/main">
   <p:cSld>
     <p:spTree>
@@ -10727,6 +6575,4474 @@
       <p:bldP spid="8" grpId="0" build="p"/>
       <p:bldP spid="10" grpId="0"/>
     </p:bldLst>
+  </p:timing>
+</p:sld>
+</file>
+
+<file path=ppt/slides/slide11.xml><?xml version="1.0" encoding="utf-8"?>
+<p:sld xmlns:a="http://schemas.openxmlformats.org/drawingml/2006/main" xmlns:r="http://schemas.openxmlformats.org/officeDocument/2006/relationships" xmlns:p="http://schemas.openxmlformats.org/presentationml/2006/main">
+  <p:cSld>
+    <p:spTree>
+      <p:nvGrpSpPr>
+        <p:cNvPr id="1" name=""/>
+        <p:cNvGrpSpPr/>
+        <p:nvPr/>
+      </p:nvGrpSpPr>
+      <p:grpSpPr>
+        <a:xfrm>
+          <a:off x="0" y="0"/>
+          <a:ext cx="0" cy="0"/>
+          <a:chOff x="0" y="0"/>
+          <a:chExt cx="0" cy="0"/>
+        </a:xfrm>
+      </p:grpSpPr>
+      <p:sp>
+        <p:nvSpPr>
+          <p:cNvPr id="7" name="Title 6"/>
+          <p:cNvSpPr>
+            <a:spLocks noGrp="1"/>
+          </p:cNvSpPr>
+          <p:nvPr>
+            <p:ph type="title"/>
+          </p:nvPr>
+        </p:nvSpPr>
+        <p:spPr/>
+        <p:txBody>
+          <a:bodyPr/>
+          <a:lstStyle/>
+          <a:p>
+            <a:r>
+              <a:rPr lang="en-US" dirty="0" smtClean="0"/>
+              <a:t>Round 2</a:t>
+            </a:r>
+            <a:endParaRPr lang="en-US" dirty="0"/>
+          </a:p>
+        </p:txBody>
+      </p:sp>
+      <p:sp>
+        <p:nvSpPr>
+          <p:cNvPr id="8" name="Content Placeholder 7"/>
+          <p:cNvSpPr>
+            <a:spLocks noGrp="1"/>
+          </p:cNvSpPr>
+          <p:nvPr>
+            <p:ph idx="1"/>
+          </p:nvPr>
+        </p:nvSpPr>
+        <p:spPr/>
+        <p:txBody>
+          <a:bodyPr/>
+          <a:lstStyle/>
+          <a:p>
+            <a:r>
+              <a:rPr lang="en-US" dirty="0" smtClean="0"/>
+              <a:t>Same rules as in Round 1, except …</a:t>
+            </a:r>
+          </a:p>
+          <a:p>
+            <a:endParaRPr lang="en-US" dirty="0" smtClean="0"/>
+          </a:p>
+          <a:p>
+            <a:r>
+              <a:rPr lang="en-US" dirty="0" smtClean="0"/>
+              <a:t>Shorter Iterations:</a:t>
+            </a:r>
+          </a:p>
+          <a:p>
+            <a:pPr lvl="1"/>
+            <a:r>
+              <a:rPr lang="en-US" dirty="0" smtClean="0"/>
+              <a:t>Developers can send Shape/Picture back</a:t>
+            </a:r>
+          </a:p>
+          <a:p>
+            <a:pPr lvl="1"/>
+            <a:r>
+              <a:rPr lang="en-US" dirty="0" smtClean="0"/>
+              <a:t>Customers can write change request for a Shape or continue with next Shape</a:t>
+            </a:r>
+          </a:p>
+          <a:p>
+            <a:pPr lvl="1"/>
+            <a:endParaRPr lang="en-US" dirty="0" smtClean="0"/>
+          </a:p>
+          <a:p>
+            <a:r>
+              <a:rPr lang="en-US" dirty="0" smtClean="0"/>
+              <a:t>Time for this round: 5 minutes</a:t>
+            </a:r>
+            <a:endParaRPr lang="en-US" dirty="0"/>
+          </a:p>
+        </p:txBody>
+      </p:sp>
+    </p:spTree>
+    <p:extLst>
+      <p:ext uri="{BB962C8B-B14F-4D97-AF65-F5344CB8AC3E}">
+        <p14:creationId xmlns:p14="http://schemas.microsoft.com/office/powerpoint/2010/main" val="2582297291"/>
+      </p:ext>
+    </p:extLst>
+  </p:cSld>
+  <p:clrMapOvr>
+    <a:masterClrMapping/>
+  </p:clrMapOvr>
+  <p:transition xmlns:p14="http://schemas.microsoft.com/office/powerpoint/2010/main">
+    <p:fade/>
+  </p:transition>
+  <p:timing>
+    <p:tnLst>
+      <p:par>
+        <p:cTn xmlns:p14="http://schemas.microsoft.com/office/powerpoint/2010/main" id="1" dur="indefinite" restart="never" nodeType="tmRoot"/>
+      </p:par>
+    </p:tnLst>
+  </p:timing>
+</p:sld>
+</file>
+
+<file path=ppt/slides/slide12.xml><?xml version="1.0" encoding="utf-8"?>
+<p:sld xmlns:a="http://schemas.openxmlformats.org/drawingml/2006/main" xmlns:r="http://schemas.openxmlformats.org/officeDocument/2006/relationships" xmlns:p="http://schemas.openxmlformats.org/presentationml/2006/main">
+  <p:cSld>
+    <p:spTree>
+      <p:nvGrpSpPr>
+        <p:cNvPr id="1" name=""/>
+        <p:cNvGrpSpPr/>
+        <p:nvPr/>
+      </p:nvGrpSpPr>
+      <p:grpSpPr>
+        <a:xfrm>
+          <a:off x="0" y="0"/>
+          <a:ext cx="0" cy="0"/>
+          <a:chOff x="0" y="0"/>
+          <a:chExt cx="0" cy="0"/>
+        </a:xfrm>
+      </p:grpSpPr>
+      <p:sp>
+        <p:nvSpPr>
+          <p:cNvPr id="4" name="Title 3"/>
+          <p:cNvSpPr>
+            <a:spLocks noGrp="1"/>
+          </p:cNvSpPr>
+          <p:nvPr>
+            <p:ph type="title"/>
+          </p:nvPr>
+        </p:nvSpPr>
+        <p:spPr/>
+        <p:txBody>
+          <a:bodyPr/>
+          <a:lstStyle/>
+          <a:p>
+            <a:r>
+              <a:rPr lang="en-US" dirty="0" smtClean="0"/>
+              <a:t>Retrospective of </a:t>
+            </a:r>
+            <a:r>
+              <a:rPr lang="en-US" dirty="0"/>
+              <a:t>A</a:t>
+            </a:r>
+            <a:r>
+              <a:rPr lang="en-US" dirty="0" smtClean="0"/>
+              <a:t>pplied Strategy</a:t>
+            </a:r>
+            <a:endParaRPr lang="en-US" dirty="0"/>
+          </a:p>
+        </p:txBody>
+      </p:sp>
+      <p:sp>
+        <p:nvSpPr>
+          <p:cNvPr id="5" name="Text Placeholder 4"/>
+          <p:cNvSpPr>
+            <a:spLocks noGrp="1"/>
+          </p:cNvSpPr>
+          <p:nvPr>
+            <p:ph type="body" idx="1"/>
+          </p:nvPr>
+        </p:nvSpPr>
+        <p:spPr>
+          <a:xfrm>
+            <a:off x="457200" y="980728"/>
+            <a:ext cx="4040188" cy="639762"/>
+          </a:xfrm>
+        </p:spPr>
+        <p:txBody>
+          <a:bodyPr/>
+          <a:lstStyle/>
+          <a:p>
+            <a:r>
+              <a:rPr lang="en-US" dirty="0" smtClean="0"/>
+              <a:t>What did work well?</a:t>
+            </a:r>
+            <a:endParaRPr lang="en-US" dirty="0"/>
+          </a:p>
+        </p:txBody>
+      </p:sp>
+      <p:sp>
+        <p:nvSpPr>
+          <p:cNvPr id="6" name="Content Placeholder 5"/>
+          <p:cNvSpPr>
+            <a:spLocks noGrp="1"/>
+          </p:cNvSpPr>
+          <p:nvPr>
+            <p:ph sz="half" idx="2"/>
+          </p:nvPr>
+        </p:nvSpPr>
+        <p:spPr>
+          <a:xfrm>
+            <a:off x="457200" y="1620490"/>
+            <a:ext cx="4040188" cy="1985913"/>
+          </a:xfrm>
+        </p:spPr>
+        <p:txBody>
+          <a:bodyPr>
+            <a:normAutofit fontScale="92500" lnSpcReduction="20000"/>
+          </a:bodyPr>
+          <a:lstStyle/>
+          <a:p>
+            <a:r>
+              <a:rPr lang="en-US" dirty="0" smtClean="0"/>
+              <a:t>Task management (increments)</a:t>
+            </a:r>
+          </a:p>
+          <a:p>
+            <a:r>
+              <a:rPr lang="en-US" dirty="0" smtClean="0"/>
+              <a:t>Iterations</a:t>
+            </a:r>
+          </a:p>
+          <a:p>
+            <a:r>
+              <a:rPr lang="en-US" dirty="0" smtClean="0"/>
+              <a:t>Metaphors</a:t>
+            </a:r>
+          </a:p>
+          <a:p>
+            <a:r>
+              <a:rPr lang="en-US" dirty="0" smtClean="0"/>
+              <a:t>Common language</a:t>
+            </a:r>
+          </a:p>
+          <a:p>
+            <a:r>
+              <a:rPr lang="en-US" dirty="0" smtClean="0"/>
+              <a:t>Time management  </a:t>
+            </a:r>
+            <a:endParaRPr lang="en-US" dirty="0"/>
+          </a:p>
+        </p:txBody>
+      </p:sp>
+      <p:sp>
+        <p:nvSpPr>
+          <p:cNvPr id="7" name="Text Placeholder 6"/>
+          <p:cNvSpPr>
+            <a:spLocks noGrp="1"/>
+          </p:cNvSpPr>
+          <p:nvPr>
+            <p:ph type="body" sz="quarter" idx="3"/>
+          </p:nvPr>
+        </p:nvSpPr>
+        <p:spPr>
+          <a:xfrm>
+            <a:off x="4645025" y="980728"/>
+            <a:ext cx="4041775" cy="639762"/>
+          </a:xfrm>
+        </p:spPr>
+        <p:txBody>
+          <a:bodyPr>
+            <a:normAutofit fontScale="92500"/>
+          </a:bodyPr>
+          <a:lstStyle/>
+          <a:p>
+            <a:r>
+              <a:rPr lang="en-US" dirty="0" smtClean="0"/>
+              <a:t>What should we change?</a:t>
+            </a:r>
+            <a:endParaRPr lang="en-US" dirty="0"/>
+          </a:p>
+        </p:txBody>
+      </p:sp>
+      <p:sp>
+        <p:nvSpPr>
+          <p:cNvPr id="8" name="Content Placeholder 7"/>
+          <p:cNvSpPr>
+            <a:spLocks noGrp="1"/>
+          </p:cNvSpPr>
+          <p:nvPr>
+            <p:ph sz="quarter" idx="4"/>
+          </p:nvPr>
+        </p:nvSpPr>
+        <p:spPr>
+          <a:xfrm>
+            <a:off x="4645025" y="1620490"/>
+            <a:ext cx="4041775" cy="3951288"/>
+          </a:xfrm>
+        </p:spPr>
+        <p:txBody>
+          <a:bodyPr>
+            <a:normAutofit/>
+          </a:bodyPr>
+          <a:lstStyle/>
+          <a:p>
+            <a:r>
+              <a:rPr lang="en-US" dirty="0" smtClean="0"/>
+              <a:t>Introduce Integration Management</a:t>
+            </a:r>
+          </a:p>
+          <a:p>
+            <a:r>
+              <a:rPr lang="en-US" dirty="0" smtClean="0"/>
+              <a:t>More and faster feedback</a:t>
+            </a:r>
+            <a:endParaRPr lang="en-US" dirty="0"/>
+          </a:p>
+        </p:txBody>
+      </p:sp>
+      <p:sp>
+        <p:nvSpPr>
+          <p:cNvPr id="9" name="Text Placeholder 4"/>
+          <p:cNvSpPr txBox="1">
+            <a:spLocks/>
+          </p:cNvSpPr>
+          <p:nvPr/>
+        </p:nvSpPr>
+        <p:spPr>
+          <a:xfrm>
+            <a:off x="457200" y="3606403"/>
+            <a:ext cx="4040188" cy="639762"/>
+          </a:xfrm>
+          <a:prstGeom prst="rect">
+            <a:avLst/>
+          </a:prstGeom>
+        </p:spPr>
+        <p:txBody>
+          <a:bodyPr vert="horz" lIns="91440" tIns="45720" rIns="91440" bIns="45720" rtlCol="0" anchor="b">
+            <a:normAutofit/>
+          </a:bodyPr>
+          <a:lstStyle/>
+          <a:p>
+            <a:pPr marL="0" marR="0" lvl="0" indent="0" algn="l" defTabSz="457200" rtl="0" eaLnBrk="1" fontAlgn="auto" latinLnBrk="0" hangingPunct="1">
+              <a:lnSpc>
+                <a:spcPct val="100000"/>
+              </a:lnSpc>
+              <a:spcBef>
+                <a:spcPct val="20000"/>
+              </a:spcBef>
+              <a:spcAft>
+                <a:spcPts val="0"/>
+              </a:spcAft>
+              <a:buClrTx/>
+              <a:buSzTx/>
+              <a:buFont typeface="Arial"/>
+              <a:buNone/>
+              <a:tabLst/>
+              <a:defRPr/>
+            </a:pPr>
+            <a:r>
+              <a:rPr kumimoji="0" lang="en-US" sz="2400" b="1" i="0" u="none" strike="noStrike" kern="1200" cap="none" spc="0" normalizeH="0" baseline="0" noProof="0" dirty="0" smtClean="0">
+                <a:ln>
+                  <a:noFill/>
+                </a:ln>
+                <a:solidFill>
+                  <a:schemeClr val="tx1"/>
+                </a:solidFill>
+                <a:effectLst/>
+                <a:uLnTx/>
+                <a:uFillTx/>
+                <a:latin typeface="+mn-lt"/>
+                <a:ea typeface="+mn-ea"/>
+                <a:cs typeface="+mn-cs"/>
+              </a:rPr>
+              <a:t>What did not work well?</a:t>
+            </a:r>
+          </a:p>
+        </p:txBody>
+      </p:sp>
+      <p:sp>
+        <p:nvSpPr>
+          <p:cNvPr id="10" name="Content Placeholder 5"/>
+          <p:cNvSpPr txBox="1">
+            <a:spLocks/>
+          </p:cNvSpPr>
+          <p:nvPr/>
+        </p:nvSpPr>
+        <p:spPr>
+          <a:xfrm>
+            <a:off x="609600" y="4246165"/>
+            <a:ext cx="4040188" cy="1985913"/>
+          </a:xfrm>
+          <a:prstGeom prst="rect">
+            <a:avLst/>
+          </a:prstGeom>
+        </p:spPr>
+        <p:txBody>
+          <a:bodyPr vert="horz" lIns="91440" tIns="45720" rIns="91440" bIns="45720" rtlCol="0">
+            <a:normAutofit/>
+          </a:bodyPr>
+          <a:lstStyle/>
+          <a:p>
+            <a:pPr marL="342900" marR="0" lvl="0" indent="-342900" algn="l" defTabSz="457200" rtl="0" eaLnBrk="1" fontAlgn="auto" latinLnBrk="0" hangingPunct="1">
+              <a:lnSpc>
+                <a:spcPct val="100000"/>
+              </a:lnSpc>
+              <a:spcBef>
+                <a:spcPct val="20000"/>
+              </a:spcBef>
+              <a:spcAft>
+                <a:spcPts val="0"/>
+              </a:spcAft>
+              <a:buClrTx/>
+              <a:buSzTx/>
+              <a:buFont typeface="Arial"/>
+              <a:buChar char="•"/>
+              <a:tabLst/>
+              <a:defRPr/>
+            </a:pPr>
+            <a:r>
+              <a:rPr kumimoji="0" lang="en-US" sz="2400" b="0" i="0" u="none" strike="noStrike" kern="1200" cap="none" spc="0" normalizeH="0" baseline="0" noProof="0" dirty="0" smtClean="0">
+                <a:ln>
+                  <a:noFill/>
+                </a:ln>
+                <a:solidFill>
+                  <a:schemeClr val="tx1"/>
+                </a:solidFill>
+                <a:effectLst/>
+                <a:uLnTx/>
+                <a:uFillTx/>
+                <a:latin typeface="+mn-lt"/>
+                <a:ea typeface="+mn-ea"/>
+                <a:cs typeface="+mn-cs"/>
+              </a:rPr>
+              <a:t>Integration</a:t>
+            </a:r>
+            <a:r>
+              <a:rPr kumimoji="0" lang="en-US" sz="2400" b="0" i="0" u="none" strike="noStrike" kern="1200" cap="none" spc="0" normalizeH="0" noProof="0" dirty="0" smtClean="0">
+                <a:ln>
+                  <a:noFill/>
+                </a:ln>
+                <a:solidFill>
+                  <a:schemeClr val="tx1"/>
+                </a:solidFill>
+                <a:effectLst/>
+                <a:uLnTx/>
+                <a:uFillTx/>
+                <a:latin typeface="+mn-lt"/>
+                <a:ea typeface="+mn-ea"/>
+                <a:cs typeface="+mn-cs"/>
+              </a:rPr>
+              <a:t> of Increments and Iterations to whole picture</a:t>
+            </a:r>
+          </a:p>
+          <a:p>
+            <a:pPr marL="342900" marR="0" lvl="0" indent="-342900" algn="l" defTabSz="457200" rtl="0" eaLnBrk="1" fontAlgn="auto" latinLnBrk="0" hangingPunct="1">
+              <a:lnSpc>
+                <a:spcPct val="100000"/>
+              </a:lnSpc>
+              <a:spcBef>
+                <a:spcPct val="20000"/>
+              </a:spcBef>
+              <a:spcAft>
+                <a:spcPts val="0"/>
+              </a:spcAft>
+              <a:buClrTx/>
+              <a:buSzTx/>
+              <a:buFont typeface="Arial"/>
+              <a:buChar char="•"/>
+              <a:tabLst/>
+              <a:defRPr/>
+            </a:pPr>
+            <a:r>
+              <a:rPr lang="en-US" sz="2400" baseline="0" dirty="0" smtClean="0"/>
+              <a:t>Ambiguity</a:t>
+            </a:r>
+            <a:r>
+              <a:rPr lang="en-US" sz="2400" dirty="0" smtClean="0"/>
+              <a:t> of metaphors</a:t>
+            </a:r>
+            <a:endParaRPr kumimoji="0" lang="en-US" sz="2400" b="0" i="0" u="none" strike="noStrike" kern="1200" cap="none" spc="0" normalizeH="0" baseline="0" noProof="0" dirty="0" smtClean="0">
+              <a:ln>
+                <a:noFill/>
+              </a:ln>
+              <a:solidFill>
+                <a:schemeClr val="tx1"/>
+              </a:solidFill>
+              <a:effectLst/>
+              <a:uLnTx/>
+              <a:uFillTx/>
+              <a:latin typeface="+mn-lt"/>
+              <a:ea typeface="+mn-ea"/>
+              <a:cs typeface="+mn-cs"/>
+            </a:endParaRPr>
+          </a:p>
+        </p:txBody>
+      </p:sp>
+    </p:spTree>
+    <p:extLst>
+      <p:ext uri="{BB962C8B-B14F-4D97-AF65-F5344CB8AC3E}">
+        <p14:creationId xmlns:p14="http://schemas.microsoft.com/office/powerpoint/2010/main" val="362074827"/>
+      </p:ext>
+    </p:extLst>
+  </p:cSld>
+  <p:clrMapOvr>
+    <a:masterClrMapping/>
+  </p:clrMapOvr>
+  <p:timing>
+    <p:tnLst>
+      <p:par>
+        <p:cTn xmlns:p14="http://schemas.microsoft.com/office/powerpoint/2010/main" id="1" dur="indefinite" restart="never" nodeType="tmRoot">
+          <p:childTnLst>
+            <p:seq concurrent="1" nextAc="seek">
+              <p:cTn id="2" dur="indefinite" nodeType="mainSeq">
+                <p:childTnLst>
+                  <p:par>
+                    <p:cTn id="3" fill="hold">
+                      <p:stCondLst>
+                        <p:cond delay="indefinite"/>
+                      </p:stCondLst>
+                      <p:childTnLst>
+                        <p:par>
+                          <p:cTn id="4" fill="hold">
+                            <p:stCondLst>
+                              <p:cond delay="0"/>
+                            </p:stCondLst>
+                            <p:childTnLst>
+                              <p:par>
+                                <p:cTn id="5" presetID="1" presetClass="entr" presetSubtype="0" fill="hold" grpId="0" nodeType="clickEffect">
+                                  <p:stCondLst>
+                                    <p:cond delay="0"/>
+                                  </p:stCondLst>
+                                  <p:childTnLst>
+                                    <p:set>
+                                      <p:cBhvr>
+                                        <p:cTn id="6" dur="1" fill="hold">
+                                          <p:stCondLst>
+                                            <p:cond delay="0"/>
+                                          </p:stCondLst>
+                                        </p:cTn>
+                                        <p:tgtEl>
+                                          <p:spTgt spid="6">
+                                            <p:txEl>
+                                              <p:pRg st="0" end="0"/>
+                                            </p:txEl>
+                                          </p:spTgt>
+                                        </p:tgtEl>
+                                        <p:attrNameLst>
+                                          <p:attrName>style.visibility</p:attrName>
+                                        </p:attrNameLst>
+                                      </p:cBhvr>
+                                      <p:to>
+                                        <p:strVal val="visible"/>
+                                      </p:to>
+                                    </p:set>
+                                  </p:childTnLst>
+                                </p:cTn>
+                              </p:par>
+                              <p:par>
+                                <p:cTn id="7" presetID="1" presetClass="entr" presetSubtype="0" fill="hold" grpId="0" nodeType="withEffect">
+                                  <p:stCondLst>
+                                    <p:cond delay="0"/>
+                                  </p:stCondLst>
+                                  <p:childTnLst>
+                                    <p:set>
+                                      <p:cBhvr>
+                                        <p:cTn id="8" dur="1" fill="hold">
+                                          <p:stCondLst>
+                                            <p:cond delay="0"/>
+                                          </p:stCondLst>
+                                        </p:cTn>
+                                        <p:tgtEl>
+                                          <p:spTgt spid="6">
+                                            <p:txEl>
+                                              <p:pRg st="1" end="1"/>
+                                            </p:txEl>
+                                          </p:spTgt>
+                                        </p:tgtEl>
+                                        <p:attrNameLst>
+                                          <p:attrName>style.visibility</p:attrName>
+                                        </p:attrNameLst>
+                                      </p:cBhvr>
+                                      <p:to>
+                                        <p:strVal val="visible"/>
+                                      </p:to>
+                                    </p:set>
+                                  </p:childTnLst>
+                                </p:cTn>
+                              </p:par>
+                              <p:par>
+                                <p:cTn id="9" presetID="1" presetClass="entr" presetSubtype="0" fill="hold" grpId="0" nodeType="withEffect">
+                                  <p:stCondLst>
+                                    <p:cond delay="0"/>
+                                  </p:stCondLst>
+                                  <p:childTnLst>
+                                    <p:set>
+                                      <p:cBhvr>
+                                        <p:cTn id="10" dur="1" fill="hold">
+                                          <p:stCondLst>
+                                            <p:cond delay="0"/>
+                                          </p:stCondLst>
+                                        </p:cTn>
+                                        <p:tgtEl>
+                                          <p:spTgt spid="6">
+                                            <p:txEl>
+                                              <p:pRg st="2" end="2"/>
+                                            </p:txEl>
+                                          </p:spTgt>
+                                        </p:tgtEl>
+                                        <p:attrNameLst>
+                                          <p:attrName>style.visibility</p:attrName>
+                                        </p:attrNameLst>
+                                      </p:cBhvr>
+                                      <p:to>
+                                        <p:strVal val="visible"/>
+                                      </p:to>
+                                    </p:set>
+                                  </p:childTnLst>
+                                </p:cTn>
+                              </p:par>
+                              <p:par>
+                                <p:cTn id="11" presetID="1" presetClass="entr" presetSubtype="0" fill="hold" grpId="0" nodeType="withEffect">
+                                  <p:stCondLst>
+                                    <p:cond delay="0"/>
+                                  </p:stCondLst>
+                                  <p:childTnLst>
+                                    <p:set>
+                                      <p:cBhvr>
+                                        <p:cTn id="12" dur="1" fill="hold">
+                                          <p:stCondLst>
+                                            <p:cond delay="0"/>
+                                          </p:stCondLst>
+                                        </p:cTn>
+                                        <p:tgtEl>
+                                          <p:spTgt spid="6">
+                                            <p:txEl>
+                                              <p:pRg st="3" end="3"/>
+                                            </p:txEl>
+                                          </p:spTgt>
+                                        </p:tgtEl>
+                                        <p:attrNameLst>
+                                          <p:attrName>style.visibility</p:attrName>
+                                        </p:attrNameLst>
+                                      </p:cBhvr>
+                                      <p:to>
+                                        <p:strVal val="visible"/>
+                                      </p:to>
+                                    </p:set>
+                                  </p:childTnLst>
+                                </p:cTn>
+                              </p:par>
+                              <p:par>
+                                <p:cTn id="13" presetID="1" presetClass="entr" presetSubtype="0" fill="hold" grpId="0" nodeType="withEffect">
+                                  <p:stCondLst>
+                                    <p:cond delay="0"/>
+                                  </p:stCondLst>
+                                  <p:childTnLst>
+                                    <p:set>
+                                      <p:cBhvr>
+                                        <p:cTn id="14" dur="1" fill="hold">
+                                          <p:stCondLst>
+                                            <p:cond delay="0"/>
+                                          </p:stCondLst>
+                                        </p:cTn>
+                                        <p:tgtEl>
+                                          <p:spTgt spid="6">
+                                            <p:txEl>
+                                              <p:pRg st="4" end="4"/>
+                                            </p:txEl>
+                                          </p:spTgt>
+                                        </p:tgtEl>
+                                        <p:attrNameLst>
+                                          <p:attrName>style.visibility</p:attrName>
+                                        </p:attrNameLst>
+                                      </p:cBhvr>
+                                      <p:to>
+                                        <p:strVal val="visible"/>
+                                      </p:to>
+                                    </p:set>
+                                  </p:childTnLst>
+                                </p:cTn>
+                              </p:par>
+                            </p:childTnLst>
+                          </p:cTn>
+                        </p:par>
+                      </p:childTnLst>
+                    </p:cTn>
+                  </p:par>
+                  <p:par>
+                    <p:cTn id="15" fill="hold">
+                      <p:stCondLst>
+                        <p:cond delay="indefinite"/>
+                      </p:stCondLst>
+                      <p:childTnLst>
+                        <p:par>
+                          <p:cTn id="16" fill="hold">
+                            <p:stCondLst>
+                              <p:cond delay="0"/>
+                            </p:stCondLst>
+                            <p:childTnLst>
+                              <p:par>
+                                <p:cTn id="17" presetID="1" presetClass="entr" presetSubtype="0" fill="hold" grpId="0" nodeType="clickEffect">
+                                  <p:stCondLst>
+                                    <p:cond delay="0"/>
+                                  </p:stCondLst>
+                                  <p:childTnLst>
+                                    <p:set>
+                                      <p:cBhvr>
+                                        <p:cTn id="18" dur="1" fill="hold">
+                                          <p:stCondLst>
+                                            <p:cond delay="0"/>
+                                          </p:stCondLst>
+                                        </p:cTn>
+                                        <p:tgtEl>
+                                          <p:spTgt spid="10"/>
+                                        </p:tgtEl>
+                                        <p:attrNameLst>
+                                          <p:attrName>style.visibility</p:attrName>
+                                        </p:attrNameLst>
+                                      </p:cBhvr>
+                                      <p:to>
+                                        <p:strVal val="visible"/>
+                                      </p:to>
+                                    </p:set>
+                                  </p:childTnLst>
+                                </p:cTn>
+                              </p:par>
+                            </p:childTnLst>
+                          </p:cTn>
+                        </p:par>
+                      </p:childTnLst>
+                    </p:cTn>
+                  </p:par>
+                  <p:par>
+                    <p:cTn id="19" fill="hold">
+                      <p:stCondLst>
+                        <p:cond delay="indefinite"/>
+                      </p:stCondLst>
+                      <p:childTnLst>
+                        <p:par>
+                          <p:cTn id="20" fill="hold">
+                            <p:stCondLst>
+                              <p:cond delay="0"/>
+                            </p:stCondLst>
+                            <p:childTnLst>
+                              <p:par>
+                                <p:cTn id="21" presetID="1" presetClass="entr" presetSubtype="0" fill="hold" grpId="0" nodeType="clickEffect">
+                                  <p:stCondLst>
+                                    <p:cond delay="0"/>
+                                  </p:stCondLst>
+                                  <p:childTnLst>
+                                    <p:set>
+                                      <p:cBhvr>
+                                        <p:cTn id="22" dur="1" fill="hold">
+                                          <p:stCondLst>
+                                            <p:cond delay="0"/>
+                                          </p:stCondLst>
+                                        </p:cTn>
+                                        <p:tgtEl>
+                                          <p:spTgt spid="8">
+                                            <p:txEl>
+                                              <p:pRg st="0" end="0"/>
+                                            </p:txEl>
+                                          </p:spTgt>
+                                        </p:tgtEl>
+                                        <p:attrNameLst>
+                                          <p:attrName>style.visibility</p:attrName>
+                                        </p:attrNameLst>
+                                      </p:cBhvr>
+                                      <p:to>
+                                        <p:strVal val="visible"/>
+                                      </p:to>
+                                    </p:set>
+                                  </p:childTnLst>
+                                </p:cTn>
+                              </p:par>
+                              <p:par>
+                                <p:cTn id="23" presetID="1" presetClass="entr" presetSubtype="0" fill="hold" grpId="0" nodeType="withEffect">
+                                  <p:stCondLst>
+                                    <p:cond delay="0"/>
+                                  </p:stCondLst>
+                                  <p:childTnLst>
+                                    <p:set>
+                                      <p:cBhvr>
+                                        <p:cTn id="24" dur="1" fill="hold">
+                                          <p:stCondLst>
+                                            <p:cond delay="0"/>
+                                          </p:stCondLst>
+                                        </p:cTn>
+                                        <p:tgtEl>
+                                          <p:spTgt spid="8">
+                                            <p:txEl>
+                                              <p:pRg st="1" end="1"/>
+                                            </p:txEl>
+                                          </p:spTgt>
+                                        </p:tgtEl>
+                                        <p:attrNameLst>
+                                          <p:attrName>style.visibility</p:attrName>
+                                        </p:attrNameLst>
+                                      </p:cBhvr>
+                                      <p:to>
+                                        <p:strVal val="visible"/>
+                                      </p:to>
+                                    </p:set>
+                                  </p:childTnLst>
+                                </p:cTn>
+                              </p:par>
+                            </p:childTnLst>
+                          </p:cTn>
+                        </p:par>
+                      </p:childTnLst>
+                    </p:cTn>
+                  </p:par>
+                </p:childTnLst>
+              </p:cTn>
+              <p:prevCondLst>
+                <p:cond evt="onPrev" delay="0">
+                  <p:tgtEl>
+                    <p:sldTgt/>
+                  </p:tgtEl>
+                </p:cond>
+              </p:prevCondLst>
+              <p:nextCondLst>
+                <p:cond evt="onNext" delay="0">
+                  <p:tgtEl>
+                    <p:sldTgt/>
+                  </p:tgtEl>
+                </p:cond>
+              </p:nextCondLst>
+            </p:seq>
+          </p:childTnLst>
+        </p:cTn>
+      </p:par>
+    </p:tnLst>
+    <p:bldLst>
+      <p:bldP spid="6" grpId="0" build="p"/>
+      <p:bldP spid="8" grpId="0" build="p"/>
+      <p:bldP spid="10" grpId="0"/>
+    </p:bldLst>
+  </p:timing>
+</p:sld>
+</file>
+
+<file path=ppt/slides/slide13.xml><?xml version="1.0" encoding="utf-8"?>
+<p:sld xmlns:a="http://schemas.openxmlformats.org/drawingml/2006/main" xmlns:r="http://schemas.openxmlformats.org/officeDocument/2006/relationships" xmlns:p="http://schemas.openxmlformats.org/presentationml/2006/main">
+  <p:cSld>
+    <p:spTree>
+      <p:nvGrpSpPr>
+        <p:cNvPr id="1" name=""/>
+        <p:cNvGrpSpPr/>
+        <p:nvPr/>
+      </p:nvGrpSpPr>
+      <p:grpSpPr>
+        <a:xfrm>
+          <a:off x="0" y="0"/>
+          <a:ext cx="0" cy="0"/>
+          <a:chOff x="0" y="0"/>
+          <a:chExt cx="0" cy="0"/>
+        </a:xfrm>
+      </p:grpSpPr>
+      <p:sp>
+        <p:nvSpPr>
+          <p:cNvPr id="2" name="Title 1"/>
+          <p:cNvSpPr>
+            <a:spLocks noGrp="1"/>
+          </p:cNvSpPr>
+          <p:nvPr>
+            <p:ph type="title"/>
+          </p:nvPr>
+        </p:nvSpPr>
+        <p:spPr/>
+        <p:txBody>
+          <a:bodyPr/>
+          <a:lstStyle/>
+          <a:p>
+            <a:r>
+              <a:rPr lang="en-US" dirty="0" smtClean="0"/>
+              <a:t>Round 3</a:t>
+            </a:r>
+            <a:endParaRPr lang="en-US" dirty="0"/>
+          </a:p>
+        </p:txBody>
+      </p:sp>
+      <p:sp>
+        <p:nvSpPr>
+          <p:cNvPr id="3" name="Content Placeholder 2"/>
+          <p:cNvSpPr>
+            <a:spLocks noGrp="1"/>
+          </p:cNvSpPr>
+          <p:nvPr>
+            <p:ph idx="1"/>
+          </p:nvPr>
+        </p:nvSpPr>
+        <p:spPr/>
+        <p:txBody>
+          <a:bodyPr>
+            <a:normAutofit/>
+          </a:bodyPr>
+          <a:lstStyle/>
+          <a:p>
+            <a:r>
+              <a:rPr lang="en-US" dirty="0" smtClean="0"/>
+              <a:t>Only one customer per team! All others are developers</a:t>
+            </a:r>
+          </a:p>
+          <a:p>
+            <a:r>
+              <a:rPr lang="en-US" dirty="0" smtClean="0"/>
+              <a:t>Customer is allowed to see drawing and memorize it</a:t>
+            </a:r>
+          </a:p>
+          <a:p>
+            <a:r>
+              <a:rPr lang="en-US" dirty="0" smtClean="0"/>
+              <a:t>Customers explains the drawing using words only</a:t>
+            </a:r>
+          </a:p>
+          <a:p>
+            <a:pPr lvl="1"/>
+            <a:r>
+              <a:rPr lang="en-US" dirty="0" smtClean="0"/>
+              <a:t>No hands!</a:t>
+            </a:r>
+          </a:p>
+          <a:p>
+            <a:pPr lvl="1"/>
+            <a:endParaRPr lang="en-US" dirty="0" smtClean="0"/>
+          </a:p>
+          <a:p>
+            <a:r>
+              <a:rPr lang="en-US" dirty="0" smtClean="0"/>
+              <a:t>Time for this round: 5 minutes</a:t>
+            </a:r>
+          </a:p>
+        </p:txBody>
+      </p:sp>
+    </p:spTree>
+    <p:extLst>
+      <p:ext uri="{BB962C8B-B14F-4D97-AF65-F5344CB8AC3E}">
+        <p14:creationId xmlns:p14="http://schemas.microsoft.com/office/powerpoint/2010/main" val="3462574223"/>
+      </p:ext>
+    </p:extLst>
+  </p:cSld>
+  <p:clrMapOvr>
+    <a:masterClrMapping/>
+  </p:clrMapOvr>
+  <p:transition xmlns:p14="http://schemas.microsoft.com/office/powerpoint/2010/main">
+    <p:fade/>
+  </p:transition>
+  <p:timing>
+    <p:tnLst>
+      <p:par>
+        <p:cTn xmlns:p14="http://schemas.microsoft.com/office/powerpoint/2010/main" id="1" dur="indefinite" restart="never" nodeType="tmRoot"/>
+      </p:par>
+    </p:tnLst>
+  </p:timing>
+</p:sld>
+</file>
+
+<file path=ppt/slides/slide14.xml><?xml version="1.0" encoding="utf-8"?>
+<p:sld xmlns:a="http://schemas.openxmlformats.org/drawingml/2006/main" xmlns:r="http://schemas.openxmlformats.org/officeDocument/2006/relationships" xmlns:p="http://schemas.openxmlformats.org/presentationml/2006/main">
+  <p:cSld>
+    <p:spTree>
+      <p:nvGrpSpPr>
+        <p:cNvPr id="1" name=""/>
+        <p:cNvGrpSpPr/>
+        <p:nvPr/>
+      </p:nvGrpSpPr>
+      <p:grpSpPr>
+        <a:xfrm>
+          <a:off x="0" y="0"/>
+          <a:ext cx="0" cy="0"/>
+          <a:chOff x="0" y="0"/>
+          <a:chExt cx="0" cy="0"/>
+        </a:xfrm>
+      </p:grpSpPr>
+      <p:sp>
+        <p:nvSpPr>
+          <p:cNvPr id="4" name="Title 3"/>
+          <p:cNvSpPr>
+            <a:spLocks noGrp="1"/>
+          </p:cNvSpPr>
+          <p:nvPr>
+            <p:ph type="title"/>
+          </p:nvPr>
+        </p:nvSpPr>
+        <p:spPr/>
+        <p:txBody>
+          <a:bodyPr/>
+          <a:lstStyle/>
+          <a:p>
+            <a:r>
+              <a:rPr lang="en-US" dirty="0" smtClean="0"/>
+              <a:t>Retrospective of </a:t>
+            </a:r>
+            <a:r>
+              <a:rPr lang="en-US" dirty="0"/>
+              <a:t>A</a:t>
+            </a:r>
+            <a:r>
+              <a:rPr lang="en-US" dirty="0" smtClean="0"/>
+              <a:t>pplied Strategy</a:t>
+            </a:r>
+            <a:endParaRPr lang="en-US" dirty="0"/>
+          </a:p>
+        </p:txBody>
+      </p:sp>
+      <p:sp>
+        <p:nvSpPr>
+          <p:cNvPr id="5" name="Text Placeholder 4"/>
+          <p:cNvSpPr>
+            <a:spLocks noGrp="1"/>
+          </p:cNvSpPr>
+          <p:nvPr>
+            <p:ph type="body" idx="1"/>
+          </p:nvPr>
+        </p:nvSpPr>
+        <p:spPr>
+          <a:xfrm>
+            <a:off x="457200" y="913954"/>
+            <a:ext cx="4040188" cy="639762"/>
+          </a:xfrm>
+        </p:spPr>
+        <p:txBody>
+          <a:bodyPr/>
+          <a:lstStyle/>
+          <a:p>
+            <a:r>
+              <a:rPr lang="en-US" dirty="0" smtClean="0"/>
+              <a:t>What did work well?</a:t>
+            </a:r>
+            <a:endParaRPr lang="en-US" dirty="0"/>
+          </a:p>
+        </p:txBody>
+      </p:sp>
+      <p:sp>
+        <p:nvSpPr>
+          <p:cNvPr id="6" name="Content Placeholder 5"/>
+          <p:cNvSpPr>
+            <a:spLocks noGrp="1"/>
+          </p:cNvSpPr>
+          <p:nvPr>
+            <p:ph sz="half" idx="2"/>
+          </p:nvPr>
+        </p:nvSpPr>
+        <p:spPr>
+          <a:xfrm>
+            <a:off x="457200" y="1553716"/>
+            <a:ext cx="4040188" cy="1985913"/>
+          </a:xfrm>
+        </p:spPr>
+        <p:txBody>
+          <a:bodyPr>
+            <a:normAutofit/>
+          </a:bodyPr>
+          <a:lstStyle/>
+          <a:p>
+            <a:r>
+              <a:rPr lang="en-US" dirty="0" smtClean="0"/>
+              <a:t>Task management</a:t>
+            </a:r>
+          </a:p>
+          <a:p>
+            <a:r>
+              <a:rPr lang="en-US" dirty="0" smtClean="0"/>
+              <a:t>Direct feedback of customer</a:t>
+            </a:r>
+          </a:p>
+          <a:p>
+            <a:r>
+              <a:rPr lang="en-US" dirty="0" smtClean="0"/>
+              <a:t>Verbal communication</a:t>
+            </a:r>
+            <a:endParaRPr lang="en-US" dirty="0"/>
+          </a:p>
+        </p:txBody>
+      </p:sp>
+      <p:sp>
+        <p:nvSpPr>
+          <p:cNvPr id="7" name="Text Placeholder 6"/>
+          <p:cNvSpPr>
+            <a:spLocks noGrp="1"/>
+          </p:cNvSpPr>
+          <p:nvPr>
+            <p:ph type="body" sz="quarter" idx="3"/>
+          </p:nvPr>
+        </p:nvSpPr>
+        <p:spPr>
+          <a:xfrm>
+            <a:off x="4645025" y="913954"/>
+            <a:ext cx="4041775" cy="639762"/>
+          </a:xfrm>
+        </p:spPr>
+        <p:txBody>
+          <a:bodyPr>
+            <a:normAutofit fontScale="92500"/>
+          </a:bodyPr>
+          <a:lstStyle/>
+          <a:p>
+            <a:r>
+              <a:rPr lang="en-US" dirty="0" smtClean="0"/>
+              <a:t>What should we change?</a:t>
+            </a:r>
+            <a:endParaRPr lang="en-US" dirty="0"/>
+          </a:p>
+        </p:txBody>
+      </p:sp>
+      <p:sp>
+        <p:nvSpPr>
+          <p:cNvPr id="9" name="Text Placeholder 4"/>
+          <p:cNvSpPr txBox="1">
+            <a:spLocks/>
+          </p:cNvSpPr>
+          <p:nvPr/>
+        </p:nvSpPr>
+        <p:spPr>
+          <a:xfrm>
+            <a:off x="457200" y="3539629"/>
+            <a:ext cx="4040188" cy="639762"/>
+          </a:xfrm>
+          <a:prstGeom prst="rect">
+            <a:avLst/>
+          </a:prstGeom>
+        </p:spPr>
+        <p:txBody>
+          <a:bodyPr vert="horz" lIns="91440" tIns="45720" rIns="91440" bIns="45720" rtlCol="0" anchor="b">
+            <a:normAutofit/>
+          </a:bodyPr>
+          <a:lstStyle/>
+          <a:p>
+            <a:pPr marL="0" marR="0" lvl="0" indent="0" algn="l" defTabSz="457200" rtl="0" eaLnBrk="1" fontAlgn="auto" latinLnBrk="0" hangingPunct="1">
+              <a:lnSpc>
+                <a:spcPct val="100000"/>
+              </a:lnSpc>
+              <a:spcBef>
+                <a:spcPct val="20000"/>
+              </a:spcBef>
+              <a:spcAft>
+                <a:spcPts val="0"/>
+              </a:spcAft>
+              <a:buClrTx/>
+              <a:buSzTx/>
+              <a:buFont typeface="Arial"/>
+              <a:buNone/>
+              <a:tabLst/>
+              <a:defRPr/>
+            </a:pPr>
+            <a:r>
+              <a:rPr kumimoji="0" lang="en-US" sz="2400" b="1" i="0" u="none" strike="noStrike" kern="1200" cap="none" spc="0" normalizeH="0" baseline="0" noProof="0" dirty="0" smtClean="0">
+                <a:ln>
+                  <a:noFill/>
+                </a:ln>
+                <a:solidFill>
+                  <a:schemeClr val="tx1"/>
+                </a:solidFill>
+                <a:effectLst/>
+                <a:uLnTx/>
+                <a:uFillTx/>
+                <a:latin typeface="+mn-lt"/>
+                <a:ea typeface="+mn-ea"/>
+                <a:cs typeface="+mn-cs"/>
+              </a:rPr>
+              <a:t>What did not work well?</a:t>
+            </a:r>
+          </a:p>
+        </p:txBody>
+      </p:sp>
+      <p:sp>
+        <p:nvSpPr>
+          <p:cNvPr id="10" name="Content Placeholder 5"/>
+          <p:cNvSpPr txBox="1">
+            <a:spLocks/>
+          </p:cNvSpPr>
+          <p:nvPr/>
+        </p:nvSpPr>
+        <p:spPr>
+          <a:xfrm>
+            <a:off x="609600" y="4179391"/>
+            <a:ext cx="4040188" cy="1985913"/>
+          </a:xfrm>
+          <a:prstGeom prst="rect">
+            <a:avLst/>
+          </a:prstGeom>
+        </p:spPr>
+        <p:txBody>
+          <a:bodyPr vert="horz" lIns="91440" tIns="45720" rIns="91440" bIns="45720" rtlCol="0">
+            <a:normAutofit fontScale="92500" lnSpcReduction="20000"/>
+          </a:bodyPr>
+          <a:lstStyle/>
+          <a:p>
+            <a:pPr marL="342900" marR="0" lvl="0" indent="-342900" algn="l" defTabSz="457200" rtl="0" eaLnBrk="1" fontAlgn="auto" latinLnBrk="0" hangingPunct="1">
+              <a:lnSpc>
+                <a:spcPct val="100000"/>
+              </a:lnSpc>
+              <a:spcBef>
+                <a:spcPct val="20000"/>
+              </a:spcBef>
+              <a:spcAft>
+                <a:spcPts val="0"/>
+              </a:spcAft>
+              <a:buClrTx/>
+              <a:buSzTx/>
+              <a:buFont typeface="Arial"/>
+              <a:buChar char="•"/>
+              <a:tabLst/>
+              <a:defRPr/>
+            </a:pPr>
+            <a:r>
+              <a:rPr kumimoji="0" lang="en-US" sz="2400" b="0" i="0" u="none" strike="noStrike" kern="1200" cap="none" spc="0" normalizeH="0" baseline="0" noProof="0" dirty="0" smtClean="0">
+                <a:ln>
+                  <a:noFill/>
+                </a:ln>
+                <a:solidFill>
+                  <a:schemeClr val="tx1"/>
+                </a:solidFill>
+                <a:effectLst/>
+                <a:uLnTx/>
+                <a:uFillTx/>
+                <a:latin typeface="+mn-lt"/>
+                <a:ea typeface="+mn-ea"/>
+                <a:cs typeface="+mn-cs"/>
+              </a:rPr>
+              <a:t>Integration</a:t>
+            </a:r>
+            <a:r>
+              <a:rPr kumimoji="0" lang="en-US" sz="2400" b="0" i="0" u="none" strike="noStrike" kern="1200" cap="none" spc="0" normalizeH="0" noProof="0" dirty="0" smtClean="0">
+                <a:ln>
+                  <a:noFill/>
+                </a:ln>
+                <a:solidFill>
+                  <a:schemeClr val="tx1"/>
+                </a:solidFill>
+                <a:effectLst/>
+                <a:uLnTx/>
+                <a:uFillTx/>
+                <a:latin typeface="+mn-lt"/>
+                <a:ea typeface="+mn-ea"/>
+                <a:cs typeface="+mn-cs"/>
+              </a:rPr>
+              <a:t> is challenging</a:t>
+            </a:r>
+          </a:p>
+          <a:p>
+            <a:pPr marL="342900" marR="0" lvl="0" indent="-342900" algn="l" defTabSz="457200" rtl="0" eaLnBrk="1" fontAlgn="auto" latinLnBrk="0" hangingPunct="1">
+              <a:lnSpc>
+                <a:spcPct val="100000"/>
+              </a:lnSpc>
+              <a:spcBef>
+                <a:spcPct val="20000"/>
+              </a:spcBef>
+              <a:spcAft>
+                <a:spcPts val="0"/>
+              </a:spcAft>
+              <a:buClrTx/>
+              <a:buSzTx/>
+              <a:buFont typeface="Arial"/>
+              <a:buChar char="•"/>
+              <a:tabLst/>
+              <a:defRPr/>
+            </a:pPr>
+            <a:r>
+              <a:rPr lang="en-US" sz="2400" baseline="0" dirty="0" smtClean="0"/>
+              <a:t>Customer cannot keep all developers busy</a:t>
+            </a:r>
+          </a:p>
+          <a:p>
+            <a:pPr marL="342900" marR="0" lvl="0" indent="-342900" algn="l" defTabSz="457200" rtl="0" eaLnBrk="1" fontAlgn="auto" latinLnBrk="0" hangingPunct="1">
+              <a:lnSpc>
+                <a:spcPct val="100000"/>
+              </a:lnSpc>
+              <a:spcBef>
+                <a:spcPct val="20000"/>
+              </a:spcBef>
+              <a:spcAft>
+                <a:spcPts val="0"/>
+              </a:spcAft>
+              <a:buClrTx/>
+              <a:buSzTx/>
+              <a:buFont typeface="Arial"/>
+              <a:buChar char="•"/>
+              <a:tabLst/>
+              <a:defRPr/>
+            </a:pPr>
+            <a:r>
+              <a:rPr kumimoji="0" lang="en-US" sz="2400" b="0" i="0" u="none" strike="noStrike" kern="1200" cap="none" spc="0" normalizeH="0" noProof="0" dirty="0" smtClean="0">
+                <a:ln>
+                  <a:noFill/>
+                </a:ln>
+                <a:solidFill>
+                  <a:schemeClr val="tx1"/>
+                </a:solidFill>
+                <a:effectLst/>
+                <a:uLnTx/>
+                <a:uFillTx/>
+                <a:latin typeface="+mn-lt"/>
+                <a:ea typeface="+mn-ea"/>
+                <a:cs typeface="+mn-cs"/>
+              </a:rPr>
+              <a:t>Strategy not applicable</a:t>
+            </a:r>
+          </a:p>
+          <a:p>
+            <a:pPr marL="342900" marR="0" lvl="0" indent="-342900" algn="l" defTabSz="457200" rtl="0" eaLnBrk="1" fontAlgn="auto" latinLnBrk="0" hangingPunct="1">
+              <a:lnSpc>
+                <a:spcPct val="100000"/>
+              </a:lnSpc>
+              <a:spcBef>
+                <a:spcPct val="20000"/>
+              </a:spcBef>
+              <a:spcAft>
+                <a:spcPts val="0"/>
+              </a:spcAft>
+              <a:buClrTx/>
+              <a:buSzTx/>
+              <a:buFont typeface="Arial"/>
+              <a:buChar char="•"/>
+              <a:tabLst/>
+              <a:defRPr/>
+            </a:pPr>
+            <a:r>
+              <a:rPr lang="en-US" sz="2400" baseline="0" dirty="0" smtClean="0"/>
+              <a:t>Common language</a:t>
+            </a:r>
+            <a:r>
+              <a:rPr lang="en-US" sz="2400" dirty="0" smtClean="0"/>
+              <a:t> not applicable</a:t>
+            </a:r>
+            <a:endParaRPr kumimoji="0" lang="en-US" sz="2400" b="0" i="0" u="none" strike="noStrike" kern="1200" cap="none" spc="0" normalizeH="0" baseline="0" noProof="0" dirty="0" smtClean="0">
+              <a:ln>
+                <a:noFill/>
+              </a:ln>
+              <a:solidFill>
+                <a:schemeClr val="tx1"/>
+              </a:solidFill>
+              <a:effectLst/>
+              <a:uLnTx/>
+              <a:uFillTx/>
+              <a:latin typeface="+mn-lt"/>
+              <a:ea typeface="+mn-ea"/>
+              <a:cs typeface="+mn-cs"/>
+            </a:endParaRPr>
+          </a:p>
+        </p:txBody>
+      </p:sp>
+    </p:spTree>
+    <p:extLst>
+      <p:ext uri="{BB962C8B-B14F-4D97-AF65-F5344CB8AC3E}">
+        <p14:creationId xmlns:p14="http://schemas.microsoft.com/office/powerpoint/2010/main" val="2149820559"/>
+      </p:ext>
+    </p:extLst>
+  </p:cSld>
+  <p:clrMapOvr>
+    <a:masterClrMapping/>
+  </p:clrMapOvr>
+  <p:timing>
+    <p:tnLst>
+      <p:par>
+        <p:cTn xmlns:p14="http://schemas.microsoft.com/office/powerpoint/2010/main" id="1" dur="indefinite" restart="never" nodeType="tmRoot">
+          <p:childTnLst>
+            <p:seq concurrent="1" nextAc="seek">
+              <p:cTn id="2" dur="indefinite" nodeType="mainSeq">
+                <p:childTnLst>
+                  <p:par>
+                    <p:cTn id="3" fill="hold">
+                      <p:stCondLst>
+                        <p:cond delay="indefinite"/>
+                      </p:stCondLst>
+                      <p:childTnLst>
+                        <p:par>
+                          <p:cTn id="4" fill="hold">
+                            <p:stCondLst>
+                              <p:cond delay="0"/>
+                            </p:stCondLst>
+                            <p:childTnLst>
+                              <p:par>
+                                <p:cTn id="5" presetID="1" presetClass="entr" presetSubtype="0" fill="hold" grpId="0" nodeType="clickEffect">
+                                  <p:stCondLst>
+                                    <p:cond delay="0"/>
+                                  </p:stCondLst>
+                                  <p:childTnLst>
+                                    <p:set>
+                                      <p:cBhvr>
+                                        <p:cTn id="6" dur="1" fill="hold">
+                                          <p:stCondLst>
+                                            <p:cond delay="0"/>
+                                          </p:stCondLst>
+                                        </p:cTn>
+                                        <p:tgtEl>
+                                          <p:spTgt spid="6">
+                                            <p:txEl>
+                                              <p:pRg st="0" end="0"/>
+                                            </p:txEl>
+                                          </p:spTgt>
+                                        </p:tgtEl>
+                                        <p:attrNameLst>
+                                          <p:attrName>style.visibility</p:attrName>
+                                        </p:attrNameLst>
+                                      </p:cBhvr>
+                                      <p:to>
+                                        <p:strVal val="visible"/>
+                                      </p:to>
+                                    </p:set>
+                                  </p:childTnLst>
+                                </p:cTn>
+                              </p:par>
+                              <p:par>
+                                <p:cTn id="7" presetID="1" presetClass="entr" presetSubtype="0" fill="hold" grpId="0" nodeType="withEffect">
+                                  <p:stCondLst>
+                                    <p:cond delay="0"/>
+                                  </p:stCondLst>
+                                  <p:childTnLst>
+                                    <p:set>
+                                      <p:cBhvr>
+                                        <p:cTn id="8" dur="1" fill="hold">
+                                          <p:stCondLst>
+                                            <p:cond delay="0"/>
+                                          </p:stCondLst>
+                                        </p:cTn>
+                                        <p:tgtEl>
+                                          <p:spTgt spid="6">
+                                            <p:txEl>
+                                              <p:pRg st="1" end="1"/>
+                                            </p:txEl>
+                                          </p:spTgt>
+                                        </p:tgtEl>
+                                        <p:attrNameLst>
+                                          <p:attrName>style.visibility</p:attrName>
+                                        </p:attrNameLst>
+                                      </p:cBhvr>
+                                      <p:to>
+                                        <p:strVal val="visible"/>
+                                      </p:to>
+                                    </p:set>
+                                  </p:childTnLst>
+                                </p:cTn>
+                              </p:par>
+                              <p:par>
+                                <p:cTn id="9" presetID="1" presetClass="entr" presetSubtype="0" fill="hold" grpId="0" nodeType="withEffect">
+                                  <p:stCondLst>
+                                    <p:cond delay="0"/>
+                                  </p:stCondLst>
+                                  <p:childTnLst>
+                                    <p:set>
+                                      <p:cBhvr>
+                                        <p:cTn id="10" dur="1" fill="hold">
+                                          <p:stCondLst>
+                                            <p:cond delay="0"/>
+                                          </p:stCondLst>
+                                        </p:cTn>
+                                        <p:tgtEl>
+                                          <p:spTgt spid="6">
+                                            <p:txEl>
+                                              <p:pRg st="2" end="2"/>
+                                            </p:txEl>
+                                          </p:spTgt>
+                                        </p:tgtEl>
+                                        <p:attrNameLst>
+                                          <p:attrName>style.visibility</p:attrName>
+                                        </p:attrNameLst>
+                                      </p:cBhvr>
+                                      <p:to>
+                                        <p:strVal val="visible"/>
+                                      </p:to>
+                                    </p:set>
+                                  </p:childTnLst>
+                                </p:cTn>
+                              </p:par>
+                            </p:childTnLst>
+                          </p:cTn>
+                        </p:par>
+                      </p:childTnLst>
+                    </p:cTn>
+                  </p:par>
+                  <p:par>
+                    <p:cTn id="11" fill="hold">
+                      <p:stCondLst>
+                        <p:cond delay="indefinite"/>
+                      </p:stCondLst>
+                      <p:childTnLst>
+                        <p:par>
+                          <p:cTn id="12" fill="hold">
+                            <p:stCondLst>
+                              <p:cond delay="0"/>
+                            </p:stCondLst>
+                            <p:childTnLst>
+                              <p:par>
+                                <p:cTn id="13" presetID="1" presetClass="entr" presetSubtype="0" fill="hold" grpId="0" nodeType="clickEffect">
+                                  <p:stCondLst>
+                                    <p:cond delay="0"/>
+                                  </p:stCondLst>
+                                  <p:childTnLst>
+                                    <p:set>
+                                      <p:cBhvr>
+                                        <p:cTn id="14" dur="1" fill="hold">
+                                          <p:stCondLst>
+                                            <p:cond delay="0"/>
+                                          </p:stCondLst>
+                                        </p:cTn>
+                                        <p:tgtEl>
+                                          <p:spTgt spid="10"/>
+                                        </p:tgtEl>
+                                        <p:attrNameLst>
+                                          <p:attrName>style.visibility</p:attrName>
+                                        </p:attrNameLst>
+                                      </p:cBhvr>
+                                      <p:to>
+                                        <p:strVal val="visible"/>
+                                      </p:to>
+                                    </p:set>
+                                  </p:childTnLst>
+                                </p:cTn>
+                              </p:par>
+                            </p:childTnLst>
+                          </p:cTn>
+                        </p:par>
+                      </p:childTnLst>
+                    </p:cTn>
+                  </p:par>
+                </p:childTnLst>
+              </p:cTn>
+              <p:prevCondLst>
+                <p:cond evt="onPrev" delay="0">
+                  <p:tgtEl>
+                    <p:sldTgt/>
+                  </p:tgtEl>
+                </p:cond>
+              </p:prevCondLst>
+              <p:nextCondLst>
+                <p:cond evt="onNext" delay="0">
+                  <p:tgtEl>
+                    <p:sldTgt/>
+                  </p:tgtEl>
+                </p:cond>
+              </p:nextCondLst>
+            </p:seq>
+          </p:childTnLst>
+        </p:cTn>
+      </p:par>
+    </p:tnLst>
+    <p:bldLst>
+      <p:bldP spid="6" grpId="0" build="p"/>
+      <p:bldP spid="10" grpId="0"/>
+    </p:bldLst>
+  </p:timing>
+</p:sld>
+</file>
+
+<file path=ppt/slides/slide15.xml><?xml version="1.0" encoding="utf-8"?>
+<p:sld xmlns:a="http://schemas.openxmlformats.org/drawingml/2006/main" xmlns:r="http://schemas.openxmlformats.org/officeDocument/2006/relationships" xmlns:p="http://schemas.openxmlformats.org/presentationml/2006/main">
+  <p:cSld>
+    <p:spTree>
+      <p:nvGrpSpPr>
+        <p:cNvPr id="1" name=""/>
+        <p:cNvGrpSpPr/>
+        <p:nvPr/>
+      </p:nvGrpSpPr>
+      <p:grpSpPr>
+        <a:xfrm>
+          <a:off x="0" y="0"/>
+          <a:ext cx="0" cy="0"/>
+          <a:chOff x="0" y="0"/>
+          <a:chExt cx="0" cy="0"/>
+        </a:xfrm>
+      </p:grpSpPr>
+      <p:sp>
+        <p:nvSpPr>
+          <p:cNvPr id="7" name="Title 6"/>
+          <p:cNvSpPr>
+            <a:spLocks noGrp="1"/>
+          </p:cNvSpPr>
+          <p:nvPr>
+            <p:ph type="title"/>
+          </p:nvPr>
+        </p:nvSpPr>
+        <p:spPr/>
+        <p:txBody>
+          <a:bodyPr/>
+          <a:lstStyle/>
+          <a:p>
+            <a:r>
+              <a:rPr lang="en-US" dirty="0" smtClean="0"/>
+              <a:t>Conclusion</a:t>
+            </a:r>
+            <a:endParaRPr lang="en-US" dirty="0"/>
+          </a:p>
+        </p:txBody>
+      </p:sp>
+      <p:sp>
+        <p:nvSpPr>
+          <p:cNvPr id="8" name="Content Placeholder 7"/>
+          <p:cNvSpPr>
+            <a:spLocks noGrp="1"/>
+          </p:cNvSpPr>
+          <p:nvPr>
+            <p:ph idx="1"/>
+          </p:nvPr>
+        </p:nvSpPr>
+        <p:spPr/>
+        <p:txBody>
+          <a:bodyPr>
+            <a:normAutofit/>
+          </a:bodyPr>
+          <a:lstStyle/>
+          <a:p>
+            <a:r>
+              <a:rPr lang="en-US" dirty="0" smtClean="0"/>
+              <a:t>What did we learn?</a:t>
+            </a:r>
+          </a:p>
+          <a:p>
+            <a:pPr lvl="1"/>
+            <a:r>
+              <a:rPr lang="en-US" dirty="0" smtClean="0"/>
+              <a:t>Spatial distance hinders communication</a:t>
+            </a:r>
+          </a:p>
+          <a:p>
+            <a:pPr lvl="1"/>
+            <a:r>
+              <a:rPr lang="en-US" dirty="0" smtClean="0"/>
+              <a:t>Multimodal communication helps</a:t>
+            </a:r>
+          </a:p>
+          <a:p>
+            <a:pPr lvl="1"/>
+            <a:r>
+              <a:rPr lang="en-US" dirty="0" smtClean="0"/>
+              <a:t>Communication has limitations</a:t>
+            </a:r>
+          </a:p>
+          <a:p>
+            <a:pPr lvl="1"/>
+            <a:r>
+              <a:rPr lang="en-US" dirty="0" smtClean="0"/>
+              <a:t>Feedback is important: On Product and on Process level</a:t>
+            </a:r>
+          </a:p>
+          <a:p>
+            <a:pPr lvl="1"/>
+            <a:r>
+              <a:rPr lang="en-US" dirty="0" smtClean="0"/>
+              <a:t>Process Improvement is crucial</a:t>
+            </a:r>
+          </a:p>
+          <a:p>
+            <a:pPr lvl="1"/>
+            <a:r>
+              <a:rPr lang="en-US" dirty="0" smtClean="0"/>
+              <a:t>Feedback minimizes Ambiguities</a:t>
+            </a:r>
+          </a:p>
+          <a:p>
+            <a:pPr lvl="1"/>
+            <a:endParaRPr lang="en-US" dirty="0" smtClean="0"/>
+          </a:p>
+          <a:p>
+            <a:r>
+              <a:rPr lang="en-US" dirty="0" smtClean="0"/>
+              <a:t>Interrupting and Reflecting on the process helps to improve it!</a:t>
+            </a:r>
+            <a:endParaRPr lang="en-US" dirty="0"/>
+          </a:p>
+        </p:txBody>
+      </p:sp>
+      <p:pic>
+        <p:nvPicPr>
+          <p:cNvPr id="4" name="Picture 3"/>
+          <p:cNvPicPr>
+            <a:picLocks noChangeAspect="1"/>
+          </p:cNvPicPr>
+          <p:nvPr/>
+        </p:nvPicPr>
+        <p:blipFill>
+          <a:blip r:embed="rId2"/>
+          <a:stretch>
+            <a:fillRect/>
+          </a:stretch>
+        </p:blipFill>
+        <p:spPr>
+          <a:xfrm>
+            <a:off x="0" y="5854761"/>
+            <a:ext cx="1337652" cy="1003239"/>
+          </a:xfrm>
+          <a:prstGeom prst="rect">
+            <a:avLst/>
+          </a:prstGeom>
+        </p:spPr>
+      </p:pic>
+      <p:pic>
+        <p:nvPicPr>
+          <p:cNvPr id="5" name="Picture 4"/>
+          <p:cNvPicPr>
+            <a:picLocks noChangeAspect="1"/>
+          </p:cNvPicPr>
+          <p:nvPr/>
+        </p:nvPicPr>
+        <p:blipFill>
+          <a:blip r:embed="rId3"/>
+          <a:stretch>
+            <a:fillRect/>
+          </a:stretch>
+        </p:blipFill>
+        <p:spPr>
+          <a:xfrm>
+            <a:off x="7715144" y="5786358"/>
+            <a:ext cx="1428856" cy="1071642"/>
+          </a:xfrm>
+          <a:prstGeom prst="rect">
+            <a:avLst/>
+          </a:prstGeom>
+        </p:spPr>
+      </p:pic>
+    </p:spTree>
+    <p:extLst>
+      <p:ext uri="{BB962C8B-B14F-4D97-AF65-F5344CB8AC3E}">
+        <p14:creationId xmlns:p14="http://schemas.microsoft.com/office/powerpoint/2010/main" val="3765733809"/>
+      </p:ext>
+    </p:extLst>
+  </p:cSld>
+  <p:clrMapOvr>
+    <a:masterClrMapping/>
+  </p:clrMapOvr>
+  <p:transition xmlns:p14="http://schemas.microsoft.com/office/powerpoint/2010/main">
+    <p:fade/>
+  </p:transition>
+  <p:timing>
+    <p:tnLst>
+      <p:par>
+        <p:cTn xmlns:p14="http://schemas.microsoft.com/office/powerpoint/2010/main" id="1" dur="indefinite" restart="never" nodeType="tmRoot"/>
+      </p:par>
+    </p:tnLst>
+  </p:timing>
+</p:sld>
+</file>
+
+<file path=ppt/slides/slide16.xml><?xml version="1.0" encoding="utf-8"?>
+<p:sld xmlns:a="http://schemas.openxmlformats.org/drawingml/2006/main" xmlns:r="http://schemas.openxmlformats.org/officeDocument/2006/relationships" xmlns:p="http://schemas.openxmlformats.org/presentationml/2006/main">
+  <p:cSld>
+    <p:spTree>
+      <p:nvGrpSpPr>
+        <p:cNvPr id="1" name=""/>
+        <p:cNvGrpSpPr/>
+        <p:nvPr/>
+      </p:nvGrpSpPr>
+      <p:grpSpPr>
+        <a:xfrm>
+          <a:off x="0" y="0"/>
+          <a:ext cx="0" cy="0"/>
+          <a:chOff x="0" y="0"/>
+          <a:chExt cx="0" cy="0"/>
+        </a:xfrm>
+      </p:grpSpPr>
+      <p:sp>
+        <p:nvSpPr>
+          <p:cNvPr id="2" name="Title 1"/>
+          <p:cNvSpPr>
+            <a:spLocks noGrp="1"/>
+          </p:cNvSpPr>
+          <p:nvPr>
+            <p:ph type="title"/>
+          </p:nvPr>
+        </p:nvSpPr>
+        <p:spPr/>
+        <p:txBody>
+          <a:bodyPr/>
+          <a:lstStyle/>
+          <a:p>
+            <a:r>
+              <a:rPr lang="en-US" dirty="0" smtClean="0"/>
+              <a:t>Agile Manifesto</a:t>
+            </a:r>
+            <a:endParaRPr lang="en-US" dirty="0"/>
+          </a:p>
+        </p:txBody>
+      </p:sp>
+      <p:pic>
+        <p:nvPicPr>
+          <p:cNvPr id="4" name="Picture 3"/>
+          <p:cNvPicPr>
+            <a:picLocks noChangeAspect="1"/>
+          </p:cNvPicPr>
+          <p:nvPr/>
+        </p:nvPicPr>
+        <p:blipFill rotWithShape="1">
+          <a:blip r:embed="rId2"/>
+          <a:srcRect t="5114" b="32339"/>
+          <a:stretch/>
+        </p:blipFill>
+        <p:spPr>
+          <a:xfrm>
+            <a:off x="-12846" y="836712"/>
+            <a:ext cx="9276748" cy="4032448"/>
+          </a:xfrm>
+          <a:prstGeom prst="rect">
+            <a:avLst/>
+          </a:prstGeom>
+        </p:spPr>
+      </p:pic>
+      <p:sp>
+        <p:nvSpPr>
+          <p:cNvPr id="6" name="TextBox 5"/>
+          <p:cNvSpPr txBox="1"/>
+          <p:nvPr/>
+        </p:nvSpPr>
+        <p:spPr>
+          <a:xfrm>
+            <a:off x="395536" y="4869160"/>
+            <a:ext cx="8424936" cy="1477328"/>
+          </a:xfrm>
+          <a:prstGeom prst="rect">
+            <a:avLst/>
+          </a:prstGeom>
+          <a:noFill/>
+        </p:spPr>
+        <p:txBody>
+          <a:bodyPr wrap="square" rtlCol="0">
+            <a:spAutoFit/>
+          </a:bodyPr>
+          <a:lstStyle/>
+          <a:p>
+            <a:r>
+              <a:rPr lang="en-US" dirty="0" smtClean="0">
+                <a:hlinkClick r:id="rId3"/>
+              </a:rPr>
+              <a:t>http://agilemanifesto.org</a:t>
+            </a:r>
+            <a:endParaRPr lang="en-US" dirty="0" smtClean="0"/>
+          </a:p>
+          <a:p>
+            <a:pPr marL="285750" indent="-285750">
+              <a:buFont typeface="Arial"/>
+              <a:buChar char="•"/>
+            </a:pPr>
+            <a:r>
+              <a:rPr lang="en-US" dirty="0" smtClean="0"/>
+              <a:t>Began as a provocation: Plan-driven development did not safe the Software world…</a:t>
+            </a:r>
+          </a:p>
+          <a:p>
+            <a:pPr marL="285750" indent="-285750">
+              <a:buFont typeface="Arial"/>
+              <a:buChar char="•"/>
+            </a:pPr>
+            <a:r>
+              <a:rPr lang="en-US" dirty="0" smtClean="0"/>
+              <a:t>Now a very serious movement, well adapted in industry.</a:t>
+            </a:r>
+          </a:p>
+          <a:p>
+            <a:pPr marL="285750" indent="-285750">
+              <a:buFont typeface="Arial"/>
+              <a:buChar char="•"/>
+            </a:pPr>
+            <a:r>
+              <a:rPr lang="en-US" dirty="0" smtClean="0"/>
+              <a:t>There are a couple of established agile methods: How to integrate these values in everyday software development</a:t>
+            </a:r>
+          </a:p>
+        </p:txBody>
+      </p:sp>
+      <p:sp>
+        <p:nvSpPr>
+          <p:cNvPr id="3" name="Footer Placeholder 2"/>
+          <p:cNvSpPr>
+            <a:spLocks noGrp="1"/>
+          </p:cNvSpPr>
+          <p:nvPr>
+            <p:ph type="ftr" sz="quarter" idx="11"/>
+          </p:nvPr>
+        </p:nvSpPr>
+        <p:spPr/>
+        <p:txBody>
+          <a:bodyPr/>
+          <a:lstStyle/>
+          <a:p>
+            <a:r>
+              <a:rPr lang="de-DE" smtClean="0"/>
+              <a:t>Agile Software Dev. | Eric Knauss</a:t>
+            </a:r>
+            <a:endParaRPr lang="de-DE"/>
+          </a:p>
+        </p:txBody>
+      </p:sp>
+      <p:sp>
+        <p:nvSpPr>
+          <p:cNvPr id="5" name="Slide Number Placeholder 4"/>
+          <p:cNvSpPr>
+            <a:spLocks noGrp="1"/>
+          </p:cNvSpPr>
+          <p:nvPr>
+            <p:ph type="sldNum" sz="quarter" idx="12"/>
+          </p:nvPr>
+        </p:nvSpPr>
+        <p:spPr/>
+        <p:txBody>
+          <a:bodyPr/>
+          <a:lstStyle/>
+          <a:p>
+            <a:fld id="{91974DF9-AD47-4691-BA21-BBFCE3637A9A}" type="slidenum">
+              <a:rPr kumimoji="0" lang="en-US" smtClean="0"/>
+              <a:pPr/>
+              <a:t>16</a:t>
+            </a:fld>
+            <a:endParaRPr kumimoji="0" lang="en-US"/>
+          </a:p>
+        </p:txBody>
+      </p:sp>
+    </p:spTree>
+    <p:extLst>
+      <p:ext uri="{BB962C8B-B14F-4D97-AF65-F5344CB8AC3E}">
+        <p14:creationId xmlns:p14="http://schemas.microsoft.com/office/powerpoint/2010/main" val="2274756117"/>
+      </p:ext>
+    </p:extLst>
+  </p:cSld>
+  <p:clrMapOvr>
+    <a:masterClrMapping/>
+  </p:clrMapOvr>
+  <p:transition xmlns:p14="http://schemas.microsoft.com/office/powerpoint/2010/main">
+    <p:fade/>
+  </p:transition>
+  <p:timing>
+    <p:tnLst>
+      <p:par>
+        <p:cTn xmlns:p14="http://schemas.microsoft.com/office/powerpoint/2010/main" id="1" dur="indefinite" restart="never" nodeType="tmRoot"/>
+      </p:par>
+    </p:tnLst>
+  </p:timing>
+</p:sld>
+</file>
+
+<file path=ppt/slides/slide17.xml><?xml version="1.0" encoding="utf-8"?>
+<p:sld xmlns:a="http://schemas.openxmlformats.org/drawingml/2006/main" xmlns:r="http://schemas.openxmlformats.org/officeDocument/2006/relationships" xmlns:p="http://schemas.openxmlformats.org/presentationml/2006/main">
+  <p:cSld>
+    <p:spTree>
+      <p:nvGrpSpPr>
+        <p:cNvPr id="1" name=""/>
+        <p:cNvGrpSpPr/>
+        <p:nvPr/>
+      </p:nvGrpSpPr>
+      <p:grpSpPr>
+        <a:xfrm>
+          <a:off x="0" y="0"/>
+          <a:ext cx="0" cy="0"/>
+          <a:chOff x="0" y="0"/>
+          <a:chExt cx="0" cy="0"/>
+        </a:xfrm>
+      </p:grpSpPr>
+      <p:sp>
+        <p:nvSpPr>
+          <p:cNvPr id="2" name="Title 1"/>
+          <p:cNvSpPr>
+            <a:spLocks noGrp="1"/>
+          </p:cNvSpPr>
+          <p:nvPr>
+            <p:ph type="title"/>
+          </p:nvPr>
+        </p:nvSpPr>
+        <p:spPr/>
+        <p:txBody>
+          <a:bodyPr/>
+          <a:lstStyle/>
+          <a:p>
+            <a:r>
+              <a:rPr lang="en-US" dirty="0" smtClean="0"/>
+              <a:t>Agile Principles</a:t>
+            </a:r>
+            <a:endParaRPr lang="en-US" dirty="0"/>
+          </a:p>
+        </p:txBody>
+      </p:sp>
+      <p:sp>
+        <p:nvSpPr>
+          <p:cNvPr id="3" name="Content Placeholder 2"/>
+          <p:cNvSpPr>
+            <a:spLocks noGrp="1"/>
+          </p:cNvSpPr>
+          <p:nvPr>
+            <p:ph idx="1"/>
+          </p:nvPr>
+        </p:nvSpPr>
+        <p:spPr/>
+        <p:txBody>
+          <a:bodyPr>
+            <a:normAutofit/>
+          </a:bodyPr>
+          <a:lstStyle/>
+          <a:p>
+            <a:pPr marL="0" indent="0">
+              <a:buNone/>
+            </a:pPr>
+            <a:endParaRPr lang="en-US" sz="2000" dirty="0"/>
+          </a:p>
+          <a:p>
+            <a:pPr marL="457200" indent="-457200">
+              <a:buFont typeface="+mj-lt"/>
+              <a:buAutoNum type="arabicPeriod"/>
+            </a:pPr>
+            <a:r>
+              <a:rPr lang="en-US" sz="2000" dirty="0" smtClean="0"/>
+              <a:t>Early and continuous delivery of valuable software</a:t>
+            </a:r>
+          </a:p>
+          <a:p>
+            <a:pPr marL="457200" indent="-457200">
+              <a:buFont typeface="+mj-lt"/>
+              <a:buAutoNum type="arabicPeriod"/>
+            </a:pPr>
+            <a:r>
+              <a:rPr lang="en-US" sz="2000" dirty="0" smtClean="0"/>
+              <a:t>Welcome changing requirements, even late</a:t>
+            </a:r>
+          </a:p>
+          <a:p>
+            <a:pPr marL="457200" indent="-457200">
+              <a:buFont typeface="+mj-lt"/>
+              <a:buAutoNum type="arabicPeriod"/>
+            </a:pPr>
+            <a:r>
+              <a:rPr lang="en-US" sz="2000" dirty="0"/>
+              <a:t>Deliver working software </a:t>
+            </a:r>
+            <a:r>
+              <a:rPr lang="en-US" sz="2000" dirty="0" smtClean="0"/>
+              <a:t>frequently</a:t>
+            </a:r>
+          </a:p>
+          <a:p>
+            <a:pPr marL="457200" indent="-457200">
+              <a:buFont typeface="+mj-lt"/>
+              <a:buAutoNum type="arabicPeriod"/>
+            </a:pPr>
+            <a:r>
+              <a:rPr lang="en-US" sz="2000" dirty="0"/>
+              <a:t>Business people and developers must work </a:t>
+            </a:r>
+            <a:r>
+              <a:rPr lang="en-US" sz="2000" dirty="0" smtClean="0"/>
+              <a:t>together</a:t>
+            </a:r>
+          </a:p>
+          <a:p>
+            <a:pPr marL="457200" indent="-457200">
+              <a:buFont typeface="+mj-lt"/>
+              <a:buAutoNum type="arabicPeriod"/>
+            </a:pPr>
+            <a:r>
+              <a:rPr lang="en-US" sz="2000" dirty="0"/>
+              <a:t>Build projects around motivated </a:t>
+            </a:r>
+            <a:r>
+              <a:rPr lang="en-US" sz="2000" dirty="0" smtClean="0"/>
+              <a:t>individuals</a:t>
+            </a:r>
+          </a:p>
+          <a:p>
+            <a:pPr marL="457200" indent="-457200">
+              <a:buFont typeface="+mj-lt"/>
+              <a:buAutoNum type="arabicPeriod"/>
+            </a:pPr>
+            <a:r>
+              <a:rPr lang="en-US" sz="2000" dirty="0" smtClean="0"/>
+              <a:t>Face-to-face communication is most effective and efficient</a:t>
+            </a:r>
+          </a:p>
+          <a:p>
+            <a:pPr marL="457200" indent="-457200">
+              <a:buFont typeface="+mj-lt"/>
+              <a:buAutoNum type="arabicPeriod"/>
+            </a:pPr>
+            <a:r>
+              <a:rPr lang="en-US" sz="2000" dirty="0"/>
+              <a:t>Working software is the primary measure of </a:t>
+            </a:r>
+            <a:r>
+              <a:rPr lang="en-US" sz="2000" dirty="0" smtClean="0"/>
+              <a:t>progress</a:t>
+            </a:r>
+          </a:p>
+          <a:p>
+            <a:pPr marL="457200" indent="-457200">
+              <a:buFont typeface="+mj-lt"/>
+              <a:buAutoNum type="arabicPeriod"/>
+            </a:pPr>
+            <a:r>
+              <a:rPr lang="en-US" sz="2000" dirty="0" smtClean="0"/>
+              <a:t>Sustainable development</a:t>
+            </a:r>
+          </a:p>
+          <a:p>
+            <a:pPr marL="457200" indent="-457200">
+              <a:buFont typeface="+mj-lt"/>
+              <a:buAutoNum type="arabicPeriod"/>
+            </a:pPr>
+            <a:r>
+              <a:rPr lang="en-US" sz="2000" dirty="0"/>
+              <a:t>Continuous attention to technical excellence a</a:t>
+            </a:r>
+            <a:r>
+              <a:rPr lang="en-US" sz="2000" dirty="0" smtClean="0"/>
+              <a:t>nd </a:t>
+            </a:r>
+            <a:r>
+              <a:rPr lang="en-US" sz="2000" dirty="0"/>
+              <a:t>good </a:t>
+            </a:r>
+            <a:r>
+              <a:rPr lang="en-US" sz="2000" dirty="0" smtClean="0"/>
+              <a:t>design</a:t>
+            </a:r>
+          </a:p>
+          <a:p>
+            <a:pPr marL="457200" indent="-457200">
+              <a:buFont typeface="+mj-lt"/>
+              <a:buAutoNum type="arabicPeriod"/>
+            </a:pPr>
+            <a:r>
+              <a:rPr lang="en-US" sz="2000" dirty="0" smtClean="0"/>
+              <a:t>Simplicity is essential</a:t>
+            </a:r>
+          </a:p>
+          <a:p>
+            <a:pPr marL="457200" indent="-457200">
+              <a:buFont typeface="+mj-lt"/>
+              <a:buAutoNum type="arabicPeriod"/>
+            </a:pPr>
+            <a:r>
+              <a:rPr lang="en-US" sz="2000" dirty="0" smtClean="0"/>
+              <a:t>Self</a:t>
+            </a:r>
+            <a:r>
+              <a:rPr lang="en-US" sz="2000" dirty="0"/>
+              <a:t>-organizing </a:t>
+            </a:r>
+            <a:r>
+              <a:rPr lang="en-US" sz="2000" dirty="0" smtClean="0"/>
+              <a:t>teams</a:t>
+            </a:r>
+          </a:p>
+          <a:p>
+            <a:pPr marL="457200" indent="-457200">
+              <a:buFont typeface="+mj-lt"/>
+              <a:buAutoNum type="arabicPeriod"/>
+            </a:pPr>
+            <a:r>
+              <a:rPr lang="en-US" sz="2000" dirty="0" smtClean="0"/>
+              <a:t>Regular reflection</a:t>
+            </a:r>
+            <a:endParaRPr lang="en-US" sz="2000" dirty="0"/>
+          </a:p>
+        </p:txBody>
+      </p:sp>
+    </p:spTree>
+    <p:extLst>
+      <p:ext uri="{BB962C8B-B14F-4D97-AF65-F5344CB8AC3E}">
+        <p14:creationId xmlns:p14="http://schemas.microsoft.com/office/powerpoint/2010/main" val="3994359854"/>
+      </p:ext>
+    </p:extLst>
+  </p:cSld>
+  <p:clrMapOvr>
+    <a:masterClrMapping/>
+  </p:clrMapOvr>
+  <p:transition xmlns:p14="http://schemas.microsoft.com/office/powerpoint/2010/main">
+    <p:fade/>
+  </p:transition>
+  <p:timing>
+    <p:tnLst>
+      <p:par>
+        <p:cTn xmlns:p14="http://schemas.microsoft.com/office/powerpoint/2010/main" id="1" dur="indefinite" restart="never" nodeType="tmRoot"/>
+      </p:par>
+    </p:tnLst>
+  </p:timing>
+</p:sld>
+</file>
+
+<file path=ppt/slides/slide2.xml><?xml version="1.0" encoding="utf-8"?>
+<p:sld xmlns:a="http://schemas.openxmlformats.org/drawingml/2006/main" xmlns:r="http://schemas.openxmlformats.org/officeDocument/2006/relationships" xmlns:p="http://schemas.openxmlformats.org/presentationml/2006/main">
+  <p:cSld>
+    <p:spTree>
+      <p:nvGrpSpPr>
+        <p:cNvPr id="1" name=""/>
+        <p:cNvGrpSpPr/>
+        <p:nvPr/>
+      </p:nvGrpSpPr>
+      <p:grpSpPr>
+        <a:xfrm>
+          <a:off x="0" y="0"/>
+          <a:ext cx="0" cy="0"/>
+          <a:chOff x="0" y="0"/>
+          <a:chExt cx="0" cy="0"/>
+        </a:xfrm>
+      </p:grpSpPr>
+      <p:sp>
+        <p:nvSpPr>
+          <p:cNvPr id="2" name="Title 1"/>
+          <p:cNvSpPr>
+            <a:spLocks noGrp="1"/>
+          </p:cNvSpPr>
+          <p:nvPr>
+            <p:ph type="title"/>
+          </p:nvPr>
+        </p:nvSpPr>
+        <p:spPr/>
+        <p:txBody>
+          <a:bodyPr/>
+          <a:lstStyle/>
+          <a:p>
+            <a:r>
+              <a:rPr lang="en-US" dirty="0" smtClean="0"/>
+              <a:t>Organizational</a:t>
+            </a:r>
+            <a:endParaRPr lang="en-US" dirty="0"/>
+          </a:p>
+        </p:txBody>
+      </p:sp>
+      <p:sp>
+        <p:nvSpPr>
+          <p:cNvPr id="3" name="Content Placeholder 2"/>
+          <p:cNvSpPr>
+            <a:spLocks noGrp="1"/>
+          </p:cNvSpPr>
+          <p:nvPr>
+            <p:ph idx="1"/>
+          </p:nvPr>
+        </p:nvSpPr>
+        <p:spPr/>
+        <p:txBody>
+          <a:bodyPr/>
+          <a:lstStyle/>
+          <a:p>
+            <a:r>
+              <a:rPr lang="en-US" dirty="0" smtClean="0"/>
+              <a:t>Thursday</a:t>
+            </a:r>
+          </a:p>
+          <a:p>
+            <a:pPr lvl="1"/>
+            <a:r>
+              <a:rPr lang="en-US" dirty="0" smtClean="0"/>
+              <a:t>Customer meeting</a:t>
+            </a:r>
+          </a:p>
+          <a:p>
+            <a:pPr lvl="1"/>
+            <a:endParaRPr lang="en-US" dirty="0"/>
+          </a:p>
+          <a:p>
+            <a:r>
+              <a:rPr lang="en-US" dirty="0" smtClean="0"/>
+              <a:t>Exam date</a:t>
+            </a:r>
+          </a:p>
+          <a:p>
+            <a:pPr lvl="1"/>
+            <a:r>
+              <a:rPr lang="en-US" dirty="0" smtClean="0"/>
+              <a:t>Jun-2</a:t>
+            </a:r>
+            <a:r>
+              <a:rPr lang="en-US" baseline="30000" dirty="0" smtClean="0"/>
+              <a:t>nd</a:t>
+            </a:r>
+            <a:r>
+              <a:rPr lang="en-US" dirty="0" smtClean="0"/>
+              <a:t>, 2pm</a:t>
+            </a:r>
+            <a:endParaRPr lang="en-US" dirty="0"/>
+          </a:p>
+        </p:txBody>
+      </p:sp>
+      <p:sp>
+        <p:nvSpPr>
+          <p:cNvPr id="4" name="Footer Placeholder 3"/>
+          <p:cNvSpPr>
+            <a:spLocks noGrp="1"/>
+          </p:cNvSpPr>
+          <p:nvPr>
+            <p:ph type="ftr" sz="quarter" idx="11"/>
+          </p:nvPr>
+        </p:nvSpPr>
+        <p:spPr/>
+        <p:txBody>
+          <a:bodyPr/>
+          <a:lstStyle/>
+          <a:p>
+            <a:r>
+              <a:rPr lang="de-DE" smtClean="0">
+                <a:solidFill>
+                  <a:prstClr val="black">
+                    <a:tint val="75000"/>
+                  </a:prstClr>
+                </a:solidFill>
+              </a:rPr>
+              <a:t>Agile Dev. Processes | Eric Knauss</a:t>
+            </a:r>
+            <a:endParaRPr lang="de-DE">
+              <a:solidFill>
+                <a:prstClr val="black">
+                  <a:tint val="75000"/>
+                </a:prstClr>
+              </a:solidFill>
+            </a:endParaRPr>
+          </a:p>
+        </p:txBody>
+      </p:sp>
+      <p:sp>
+        <p:nvSpPr>
+          <p:cNvPr id="5" name="Slide Number Placeholder 4"/>
+          <p:cNvSpPr>
+            <a:spLocks noGrp="1"/>
+          </p:cNvSpPr>
+          <p:nvPr>
+            <p:ph type="sldNum" sz="quarter" idx="12"/>
+          </p:nvPr>
+        </p:nvSpPr>
+        <p:spPr/>
+        <p:txBody>
+          <a:bodyPr/>
+          <a:lstStyle/>
+          <a:p>
+            <a:fld id="{91974DF9-AD47-4691-BA21-BBFCE3637A9A}" type="slidenum">
+              <a:rPr lang="en-US" smtClean="0">
+                <a:solidFill>
+                  <a:prstClr val="black">
+                    <a:tint val="75000"/>
+                  </a:prstClr>
+                </a:solidFill>
+              </a:rPr>
+              <a:pPr/>
+              <a:t>2</a:t>
+            </a:fld>
+            <a:endParaRPr lang="en-US">
+              <a:solidFill>
+                <a:prstClr val="black">
+                  <a:tint val="75000"/>
+                </a:prstClr>
+              </a:solidFill>
+            </a:endParaRPr>
+          </a:p>
+        </p:txBody>
+      </p:sp>
+    </p:spTree>
+    <p:extLst>
+      <p:ext uri="{BB962C8B-B14F-4D97-AF65-F5344CB8AC3E}">
+        <p14:creationId xmlns:p14="http://schemas.microsoft.com/office/powerpoint/2010/main" val="244899593"/>
+      </p:ext>
+    </p:extLst>
+  </p:cSld>
+  <p:clrMapOvr>
+    <a:masterClrMapping/>
+  </p:clrMapOvr>
+  <p:transition xmlns:p14="http://schemas.microsoft.com/office/powerpoint/2010/main">
+    <p:fade/>
+  </p:transition>
+  <p:timing>
+    <p:tnLst>
+      <p:par>
+        <p:cTn xmlns:p14="http://schemas.microsoft.com/office/powerpoint/2010/main" id="1" dur="indefinite" restart="never" nodeType="tmRoot"/>
+      </p:par>
+    </p:tnLst>
+  </p:timing>
+</p:sld>
+</file>
+
+<file path=ppt/slides/slide3.xml><?xml version="1.0" encoding="utf-8"?>
+<p:sld xmlns:a="http://schemas.openxmlformats.org/drawingml/2006/main" xmlns:r="http://schemas.openxmlformats.org/officeDocument/2006/relationships" xmlns:p="http://schemas.openxmlformats.org/presentationml/2006/main">
+  <p:cSld>
+    <p:spTree>
+      <p:nvGrpSpPr>
+        <p:cNvPr id="1" name=""/>
+        <p:cNvGrpSpPr/>
+        <p:nvPr/>
+      </p:nvGrpSpPr>
+      <p:grpSpPr>
+        <a:xfrm>
+          <a:off x="0" y="0"/>
+          <a:ext cx="0" cy="0"/>
+          <a:chOff x="0" y="0"/>
+          <a:chExt cx="0" cy="0"/>
+        </a:xfrm>
+      </p:grpSpPr>
+      <p:sp>
+        <p:nvSpPr>
+          <p:cNvPr id="2" name="Title 1"/>
+          <p:cNvSpPr>
+            <a:spLocks noGrp="1"/>
+          </p:cNvSpPr>
+          <p:nvPr>
+            <p:ph type="title"/>
+          </p:nvPr>
+        </p:nvSpPr>
+        <p:spPr/>
+        <p:txBody>
+          <a:bodyPr/>
+          <a:lstStyle/>
+          <a:p>
+            <a:r>
+              <a:rPr lang="en-US" dirty="0" smtClean="0"/>
+              <a:t>Agenda today</a:t>
+            </a:r>
+            <a:endParaRPr lang="en-US" dirty="0"/>
+          </a:p>
+        </p:txBody>
+      </p:sp>
+      <p:sp>
+        <p:nvSpPr>
+          <p:cNvPr id="3" name="Content Placeholder 2"/>
+          <p:cNvSpPr>
+            <a:spLocks noGrp="1"/>
+          </p:cNvSpPr>
+          <p:nvPr>
+            <p:ph idx="1"/>
+          </p:nvPr>
+        </p:nvSpPr>
+        <p:spPr/>
+        <p:txBody>
+          <a:bodyPr/>
+          <a:lstStyle/>
+          <a:p>
+            <a:r>
+              <a:rPr lang="en-US" dirty="0" smtClean="0"/>
+              <a:t>Course overview</a:t>
+            </a:r>
+          </a:p>
+          <a:p>
+            <a:endParaRPr lang="en-US" dirty="0" smtClean="0"/>
+          </a:p>
+          <a:p>
+            <a:r>
+              <a:rPr lang="en-US" dirty="0" smtClean="0"/>
+              <a:t>Miniature</a:t>
+            </a:r>
+          </a:p>
+          <a:p>
+            <a:endParaRPr lang="en-US" dirty="0"/>
+          </a:p>
+          <a:p>
+            <a:r>
+              <a:rPr lang="en-US" dirty="0" smtClean="0"/>
+              <a:t>Agile Principles </a:t>
+            </a:r>
+            <a:br>
+              <a:rPr lang="en-US" dirty="0" smtClean="0"/>
+            </a:br>
+            <a:r>
+              <a:rPr lang="en-US" dirty="0" smtClean="0"/>
+              <a:t>revisited</a:t>
+            </a:r>
+            <a:endParaRPr lang="en-US" dirty="0"/>
+          </a:p>
+        </p:txBody>
+      </p:sp>
+      <p:sp>
+        <p:nvSpPr>
+          <p:cNvPr id="4" name="Footer Placeholder 3"/>
+          <p:cNvSpPr>
+            <a:spLocks noGrp="1"/>
+          </p:cNvSpPr>
+          <p:nvPr>
+            <p:ph type="ftr" sz="quarter" idx="11"/>
+          </p:nvPr>
+        </p:nvSpPr>
+        <p:spPr/>
+        <p:txBody>
+          <a:bodyPr/>
+          <a:lstStyle/>
+          <a:p>
+            <a:r>
+              <a:rPr lang="de-DE" smtClean="0">
+                <a:solidFill>
+                  <a:prstClr val="black">
+                    <a:tint val="75000"/>
+                  </a:prstClr>
+                </a:solidFill>
+              </a:rPr>
+              <a:t>Agile Dev. Processes | Eric Knauss</a:t>
+            </a:r>
+            <a:endParaRPr lang="de-DE">
+              <a:solidFill>
+                <a:prstClr val="black">
+                  <a:tint val="75000"/>
+                </a:prstClr>
+              </a:solidFill>
+            </a:endParaRPr>
+          </a:p>
+        </p:txBody>
+      </p:sp>
+      <p:sp>
+        <p:nvSpPr>
+          <p:cNvPr id="5" name="Slide Number Placeholder 4"/>
+          <p:cNvSpPr>
+            <a:spLocks noGrp="1"/>
+          </p:cNvSpPr>
+          <p:nvPr>
+            <p:ph type="sldNum" sz="quarter" idx="12"/>
+          </p:nvPr>
+        </p:nvSpPr>
+        <p:spPr/>
+        <p:txBody>
+          <a:bodyPr/>
+          <a:lstStyle/>
+          <a:p>
+            <a:fld id="{91974DF9-AD47-4691-BA21-BBFCE3637A9A}" type="slidenum">
+              <a:rPr lang="en-US" smtClean="0">
+                <a:solidFill>
+                  <a:prstClr val="black">
+                    <a:tint val="75000"/>
+                  </a:prstClr>
+                </a:solidFill>
+              </a:rPr>
+              <a:pPr/>
+              <a:t>3</a:t>
+            </a:fld>
+            <a:endParaRPr lang="en-US">
+              <a:solidFill>
+                <a:prstClr val="black">
+                  <a:tint val="75000"/>
+                </a:prstClr>
+              </a:solidFill>
+            </a:endParaRPr>
+          </a:p>
+        </p:txBody>
+      </p:sp>
+      <p:pic>
+        <p:nvPicPr>
+          <p:cNvPr id="6" name="Picture 5"/>
+          <p:cNvPicPr>
+            <a:picLocks noChangeAspect="1"/>
+          </p:cNvPicPr>
+          <p:nvPr/>
+        </p:nvPicPr>
+        <p:blipFill>
+          <a:blip r:embed="rId2"/>
+          <a:stretch>
+            <a:fillRect/>
+          </a:stretch>
+        </p:blipFill>
+        <p:spPr>
+          <a:xfrm>
+            <a:off x="4283968" y="2708920"/>
+            <a:ext cx="4176464" cy="3135620"/>
+          </a:xfrm>
+          <a:prstGeom prst="rect">
+            <a:avLst/>
+          </a:prstGeom>
+          <a:ln>
+            <a:noFill/>
+          </a:ln>
+          <a:effectLst>
+            <a:outerShdw blurRad="292100" dist="139700" dir="2700000" algn="tl" rotWithShape="0">
+              <a:srgbClr val="333333">
+                <a:alpha val="65000"/>
+              </a:srgbClr>
+            </a:outerShdw>
+          </a:effectLst>
+        </p:spPr>
+      </p:pic>
+    </p:spTree>
+    <p:extLst>
+      <p:ext uri="{BB962C8B-B14F-4D97-AF65-F5344CB8AC3E}">
+        <p14:creationId xmlns:p14="http://schemas.microsoft.com/office/powerpoint/2010/main" val="697390269"/>
+      </p:ext>
+    </p:extLst>
+  </p:cSld>
+  <p:clrMapOvr>
+    <a:masterClrMapping/>
+  </p:clrMapOvr>
+  <p:transition xmlns:p14="http://schemas.microsoft.com/office/powerpoint/2010/main">
+    <p:fade/>
+  </p:transition>
+  <p:timing>
+    <p:tnLst>
+      <p:par>
+        <p:cTn xmlns:p14="http://schemas.microsoft.com/office/powerpoint/2010/main" id="1" dur="indefinite" restart="never" nodeType="tmRoot"/>
+      </p:par>
+    </p:tnLst>
+  </p:timing>
+</p:sld>
+</file>
+
+<file path=ppt/slides/slide4.xml><?xml version="1.0" encoding="utf-8"?>
+<p:sld xmlns:a="http://schemas.openxmlformats.org/drawingml/2006/main" xmlns:r="http://schemas.openxmlformats.org/officeDocument/2006/relationships" xmlns:p="http://schemas.openxmlformats.org/presentationml/2006/main">
+  <p:cSld>
+    <p:spTree>
+      <p:nvGrpSpPr>
+        <p:cNvPr id="1" name=""/>
+        <p:cNvGrpSpPr/>
+        <p:nvPr/>
+      </p:nvGrpSpPr>
+      <p:grpSpPr>
+        <a:xfrm>
+          <a:off x="0" y="0"/>
+          <a:ext cx="0" cy="0"/>
+          <a:chOff x="0" y="0"/>
+          <a:chExt cx="0" cy="0"/>
+        </a:xfrm>
+      </p:grpSpPr>
+      <p:sp>
+        <p:nvSpPr>
+          <p:cNvPr id="2" name="Title 1"/>
+          <p:cNvSpPr>
+            <a:spLocks noGrp="1"/>
+          </p:cNvSpPr>
+          <p:nvPr>
+            <p:ph type="title"/>
+          </p:nvPr>
+        </p:nvSpPr>
+        <p:spPr/>
+        <p:txBody>
+          <a:bodyPr/>
+          <a:lstStyle/>
+          <a:p>
+            <a:r>
+              <a:rPr lang="en-US" dirty="0" smtClean="0"/>
+              <a:t>Sprint 1: Getting started</a:t>
+            </a:r>
+            <a:endParaRPr lang="en-US" dirty="0"/>
+          </a:p>
+        </p:txBody>
+      </p:sp>
+      <p:pic>
+        <p:nvPicPr>
+          <p:cNvPr id="4" name="Content Placeholder 3"/>
+          <p:cNvPicPr>
+            <a:picLocks noGrp="1" noChangeAspect="1"/>
+          </p:cNvPicPr>
+          <p:nvPr>
+            <p:ph idx="1"/>
+          </p:nvPr>
+        </p:nvPicPr>
+        <p:blipFill>
+          <a:blip r:embed="rId2"/>
+          <a:srcRect t="3412" b="3412"/>
+          <a:stretch>
+            <a:fillRect/>
+          </a:stretch>
+        </p:blipFill>
+        <p:spPr/>
+      </p:pic>
+      <p:sp>
+        <p:nvSpPr>
+          <p:cNvPr id="5" name="Rectangle 4"/>
+          <p:cNvSpPr/>
+          <p:nvPr/>
+        </p:nvSpPr>
+        <p:spPr>
+          <a:xfrm>
+            <a:off x="5631031" y="5972782"/>
+            <a:ext cx="3055769" cy="246221"/>
+          </a:xfrm>
+          <a:prstGeom prst="rect">
+            <a:avLst/>
+          </a:prstGeom>
+        </p:spPr>
+        <p:txBody>
+          <a:bodyPr wrap="square">
+            <a:spAutoFit/>
+          </a:bodyPr>
+          <a:lstStyle/>
+          <a:p>
+            <a:r>
+              <a:rPr lang="en-US" sz="1000" dirty="0" smtClean="0">
+                <a:solidFill>
+                  <a:srgbClr val="FFFFFF"/>
+                </a:solidFill>
+              </a:rPr>
+              <a:t>http://</a:t>
+            </a:r>
+            <a:r>
+              <a:rPr lang="en-US" sz="1000" dirty="0" err="1" smtClean="0">
+                <a:solidFill>
+                  <a:srgbClr val="FFFFFF"/>
+                </a:solidFill>
+              </a:rPr>
+              <a:t>commons.wikimedia.org</a:t>
+            </a:r>
+            <a:r>
+              <a:rPr lang="en-US" sz="1000" dirty="0" smtClean="0">
+                <a:solidFill>
+                  <a:srgbClr val="FFFFFF"/>
+                </a:solidFill>
+              </a:rPr>
+              <a:t>/wiki/File:Sprint_01.jpg</a:t>
+            </a:r>
+            <a:endParaRPr lang="en-US" sz="1000" dirty="0">
+              <a:solidFill>
+                <a:srgbClr val="FFFFFF"/>
+              </a:solidFill>
+            </a:endParaRPr>
+          </a:p>
+        </p:txBody>
+      </p:sp>
+      <p:sp>
+        <p:nvSpPr>
+          <p:cNvPr id="6" name="Footer Placeholder 5"/>
+          <p:cNvSpPr>
+            <a:spLocks noGrp="1"/>
+          </p:cNvSpPr>
+          <p:nvPr>
+            <p:ph type="ftr" sz="quarter" idx="11"/>
+          </p:nvPr>
+        </p:nvSpPr>
+        <p:spPr/>
+        <p:txBody>
+          <a:bodyPr/>
+          <a:lstStyle/>
+          <a:p>
+            <a:r>
+              <a:rPr lang="de-DE" smtClean="0">
+                <a:solidFill>
+                  <a:prstClr val="black">
+                    <a:tint val="75000"/>
+                  </a:prstClr>
+                </a:solidFill>
+              </a:rPr>
+              <a:t>Agile Dev. Processes | Eric Knauss</a:t>
+            </a:r>
+            <a:endParaRPr lang="de-DE">
+              <a:solidFill>
+                <a:prstClr val="black">
+                  <a:tint val="75000"/>
+                </a:prstClr>
+              </a:solidFill>
+            </a:endParaRPr>
+          </a:p>
+        </p:txBody>
+      </p:sp>
+      <p:sp>
+        <p:nvSpPr>
+          <p:cNvPr id="7" name="Slide Number Placeholder 6"/>
+          <p:cNvSpPr>
+            <a:spLocks noGrp="1"/>
+          </p:cNvSpPr>
+          <p:nvPr>
+            <p:ph type="sldNum" sz="quarter" idx="12"/>
+          </p:nvPr>
+        </p:nvSpPr>
+        <p:spPr/>
+        <p:txBody>
+          <a:bodyPr/>
+          <a:lstStyle/>
+          <a:p>
+            <a:fld id="{91974DF9-AD47-4691-BA21-BBFCE3637A9A}" type="slidenum">
+              <a:rPr lang="en-US" smtClean="0">
+                <a:solidFill>
+                  <a:prstClr val="black">
+                    <a:tint val="75000"/>
+                  </a:prstClr>
+                </a:solidFill>
+              </a:rPr>
+              <a:pPr/>
+              <a:t>4</a:t>
+            </a:fld>
+            <a:endParaRPr lang="en-US">
+              <a:solidFill>
+                <a:prstClr val="black">
+                  <a:tint val="75000"/>
+                </a:prstClr>
+              </a:solidFill>
+            </a:endParaRPr>
+          </a:p>
+        </p:txBody>
+      </p:sp>
+    </p:spTree>
+    <p:extLst>
+      <p:ext uri="{BB962C8B-B14F-4D97-AF65-F5344CB8AC3E}">
+        <p14:creationId xmlns:p14="http://schemas.microsoft.com/office/powerpoint/2010/main" val="900217534"/>
+      </p:ext>
+    </p:extLst>
+  </p:cSld>
+  <p:clrMapOvr>
+    <a:masterClrMapping/>
+  </p:clrMapOvr>
+  <p:transition xmlns:p14="http://schemas.microsoft.com/office/powerpoint/2010/main">
+    <p:fade/>
+  </p:transition>
+  <p:timing>
+    <p:tnLst>
+      <p:par>
+        <p:cTn xmlns:p14="http://schemas.microsoft.com/office/powerpoint/2010/main" id="1" dur="indefinite" restart="never" nodeType="tmRoot"/>
+      </p:par>
+    </p:tnLst>
+  </p:timing>
+</p:sld>
+</file>
+
+<file path=ppt/slides/slide5.xml><?xml version="1.0" encoding="utf-8"?>
+<p:sld xmlns:a="http://schemas.openxmlformats.org/drawingml/2006/main" xmlns:r="http://schemas.openxmlformats.org/officeDocument/2006/relationships" xmlns:p="http://schemas.openxmlformats.org/presentationml/2006/main">
+  <p:cSld>
+    <p:spTree>
+      <p:nvGrpSpPr>
+        <p:cNvPr id="1" name=""/>
+        <p:cNvGrpSpPr/>
+        <p:nvPr/>
+      </p:nvGrpSpPr>
+      <p:grpSpPr>
+        <a:xfrm>
+          <a:off x="0" y="0"/>
+          <a:ext cx="0" cy="0"/>
+          <a:chOff x="0" y="0"/>
+          <a:chExt cx="0" cy="0"/>
+        </a:xfrm>
+      </p:grpSpPr>
+      <p:sp>
+        <p:nvSpPr>
+          <p:cNvPr id="2" name="Title 1"/>
+          <p:cNvSpPr>
+            <a:spLocks noGrp="1"/>
+          </p:cNvSpPr>
+          <p:nvPr>
+            <p:ph type="title"/>
+          </p:nvPr>
+        </p:nvSpPr>
+        <p:spPr/>
+        <p:txBody>
+          <a:bodyPr/>
+          <a:lstStyle/>
+          <a:p>
+            <a:r>
+              <a:rPr lang="en-US" dirty="0" smtClean="0"/>
+              <a:t>My idea of this course…</a:t>
+            </a:r>
+            <a:endParaRPr lang="en-US" dirty="0"/>
+          </a:p>
+        </p:txBody>
+      </p:sp>
+      <p:sp>
+        <p:nvSpPr>
+          <p:cNvPr id="3" name="Content Placeholder 2"/>
+          <p:cNvSpPr>
+            <a:spLocks noGrp="1"/>
+          </p:cNvSpPr>
+          <p:nvPr>
+            <p:ph idx="1"/>
+          </p:nvPr>
+        </p:nvSpPr>
+        <p:spPr/>
+        <p:txBody>
+          <a:bodyPr/>
+          <a:lstStyle/>
+          <a:p>
+            <a:r>
+              <a:rPr lang="en-US" dirty="0" smtClean="0"/>
+              <a:t>2 Streams</a:t>
+            </a:r>
+          </a:p>
+          <a:p>
+            <a:pPr lvl="1"/>
+            <a:r>
+              <a:rPr lang="en-US" dirty="0" smtClean="0"/>
+              <a:t>Lectures –</a:t>
+            </a:r>
+            <a:r>
+              <a:rPr lang="en-US" i="1" dirty="0" smtClean="0"/>
+              <a:t> Learn Agile</a:t>
+            </a:r>
+          </a:p>
+          <a:p>
+            <a:pPr lvl="1"/>
+            <a:r>
+              <a:rPr lang="en-US" dirty="0" smtClean="0"/>
+              <a:t>Project work –</a:t>
+            </a:r>
+            <a:r>
+              <a:rPr lang="en-US" i="1" dirty="0" smtClean="0"/>
+              <a:t> Experience Agile</a:t>
+            </a:r>
+          </a:p>
+          <a:p>
+            <a:pPr lvl="1"/>
+            <a:endParaRPr lang="en-US" dirty="0"/>
+          </a:p>
+          <a:p>
+            <a:endParaRPr lang="en-US" dirty="0" smtClean="0"/>
+          </a:p>
+          <a:p>
+            <a:r>
+              <a:rPr lang="en-US" dirty="0" smtClean="0"/>
+              <a:t>3 Sprints</a:t>
+            </a:r>
+          </a:p>
+          <a:p>
+            <a:pPr lvl="1"/>
+            <a:r>
+              <a:rPr lang="en-US" dirty="0" smtClean="0"/>
+              <a:t>First sprint </a:t>
+            </a:r>
+            <a:r>
+              <a:rPr lang="en-US" dirty="0" smtClean="0"/>
+              <a:t>	– </a:t>
+            </a:r>
+            <a:r>
+              <a:rPr lang="en-US" i="1" dirty="0" smtClean="0"/>
+              <a:t>Getting started</a:t>
+            </a:r>
+          </a:p>
+          <a:p>
+            <a:pPr lvl="1"/>
+            <a:r>
+              <a:rPr lang="en-US" dirty="0" smtClean="0"/>
+              <a:t>Second </a:t>
+            </a:r>
+            <a:r>
+              <a:rPr lang="en-US" dirty="0" smtClean="0"/>
+              <a:t>sprint	– </a:t>
+            </a:r>
+            <a:r>
+              <a:rPr lang="en-US" i="1" dirty="0" smtClean="0"/>
+              <a:t>Focus on Project work</a:t>
+            </a:r>
+          </a:p>
+          <a:p>
+            <a:pPr lvl="1"/>
+            <a:r>
+              <a:rPr lang="en-US" dirty="0" smtClean="0"/>
+              <a:t>Third sprint </a:t>
+            </a:r>
+            <a:r>
+              <a:rPr lang="en-US" dirty="0" smtClean="0"/>
+              <a:t>	– </a:t>
+            </a:r>
+            <a:r>
+              <a:rPr lang="en-US" i="1" dirty="0" smtClean="0"/>
+              <a:t>Advanced Concepts</a:t>
+            </a:r>
+            <a:endParaRPr lang="en-US" i="1" dirty="0"/>
+          </a:p>
+        </p:txBody>
+      </p:sp>
+      <p:sp>
+        <p:nvSpPr>
+          <p:cNvPr id="4" name="Footer Placeholder 3"/>
+          <p:cNvSpPr>
+            <a:spLocks noGrp="1"/>
+          </p:cNvSpPr>
+          <p:nvPr>
+            <p:ph type="ftr" sz="quarter" idx="11"/>
+          </p:nvPr>
+        </p:nvSpPr>
+        <p:spPr/>
+        <p:txBody>
+          <a:bodyPr/>
+          <a:lstStyle/>
+          <a:p>
+            <a:r>
+              <a:rPr lang="de-DE" smtClean="0">
+                <a:solidFill>
+                  <a:prstClr val="black">
+                    <a:tint val="75000"/>
+                  </a:prstClr>
+                </a:solidFill>
+              </a:rPr>
+              <a:t>Agile Dev. Processes | Eric Knauss</a:t>
+            </a:r>
+            <a:endParaRPr lang="de-DE">
+              <a:solidFill>
+                <a:prstClr val="black">
+                  <a:tint val="75000"/>
+                </a:prstClr>
+              </a:solidFill>
+            </a:endParaRPr>
+          </a:p>
+        </p:txBody>
+      </p:sp>
+      <p:sp>
+        <p:nvSpPr>
+          <p:cNvPr id="5" name="Slide Number Placeholder 4"/>
+          <p:cNvSpPr>
+            <a:spLocks noGrp="1"/>
+          </p:cNvSpPr>
+          <p:nvPr>
+            <p:ph type="sldNum" sz="quarter" idx="12"/>
+          </p:nvPr>
+        </p:nvSpPr>
+        <p:spPr/>
+        <p:txBody>
+          <a:bodyPr/>
+          <a:lstStyle/>
+          <a:p>
+            <a:fld id="{91974DF9-AD47-4691-BA21-BBFCE3637A9A}" type="slidenum">
+              <a:rPr lang="en-US" smtClean="0">
+                <a:solidFill>
+                  <a:prstClr val="black">
+                    <a:tint val="75000"/>
+                  </a:prstClr>
+                </a:solidFill>
+              </a:rPr>
+              <a:pPr/>
+              <a:t>5</a:t>
+            </a:fld>
+            <a:endParaRPr lang="en-US">
+              <a:solidFill>
+                <a:prstClr val="black">
+                  <a:tint val="75000"/>
+                </a:prstClr>
+              </a:solidFill>
+            </a:endParaRPr>
+          </a:p>
+        </p:txBody>
+      </p:sp>
+    </p:spTree>
+    <p:extLst>
+      <p:ext uri="{BB962C8B-B14F-4D97-AF65-F5344CB8AC3E}">
+        <p14:creationId xmlns:p14="http://schemas.microsoft.com/office/powerpoint/2010/main" val="2472391755"/>
+      </p:ext>
+    </p:extLst>
+  </p:cSld>
+  <p:clrMapOvr>
+    <a:masterClrMapping/>
+  </p:clrMapOvr>
+  <p:transition xmlns:p14="http://schemas.microsoft.com/office/powerpoint/2010/main">
+    <p:fade/>
+  </p:transition>
+  <p:timing>
+    <p:tnLst>
+      <p:par>
+        <p:cTn xmlns:p14="http://schemas.microsoft.com/office/powerpoint/2010/main" id="1" dur="indefinite" restart="never" nodeType="tmRoot"/>
+      </p:par>
+    </p:tnLst>
+  </p:timing>
+</p:sld>
+</file>
+
+<file path=ppt/slides/slide6.xml><?xml version="1.0" encoding="utf-8"?>
+<p:sld xmlns:a="http://schemas.openxmlformats.org/drawingml/2006/main" xmlns:r="http://schemas.openxmlformats.org/officeDocument/2006/relationships" xmlns:p="http://schemas.openxmlformats.org/presentationml/2006/main">
+  <p:cSld>
+    <p:spTree>
+      <p:nvGrpSpPr>
+        <p:cNvPr id="1" name=""/>
+        <p:cNvGrpSpPr/>
+        <p:nvPr/>
+      </p:nvGrpSpPr>
+      <p:grpSpPr>
+        <a:xfrm>
+          <a:off x="0" y="0"/>
+          <a:ext cx="0" cy="0"/>
+          <a:chOff x="0" y="0"/>
+          <a:chExt cx="0" cy="0"/>
+        </a:xfrm>
+      </p:grpSpPr>
+      <p:sp>
+        <p:nvSpPr>
+          <p:cNvPr id="2" name="Title 1"/>
+          <p:cNvSpPr>
+            <a:spLocks noGrp="1"/>
+          </p:cNvSpPr>
+          <p:nvPr>
+            <p:ph type="title"/>
+          </p:nvPr>
+        </p:nvSpPr>
+        <p:spPr/>
+        <p:txBody>
+          <a:bodyPr/>
+          <a:lstStyle/>
+          <a:p>
+            <a:r>
+              <a:rPr lang="en-US" dirty="0" smtClean="0"/>
+              <a:t>Course Objectives</a:t>
+            </a:r>
+            <a:endParaRPr lang="en-US" dirty="0"/>
+          </a:p>
+        </p:txBody>
+      </p:sp>
+      <p:graphicFrame>
+        <p:nvGraphicFramePr>
+          <p:cNvPr id="6" name="Content Placeholder 5"/>
+          <p:cNvGraphicFramePr>
+            <a:graphicFrameLocks noGrp="1"/>
+          </p:cNvGraphicFramePr>
+          <p:nvPr>
+            <p:ph idx="1"/>
+            <p:extLst>
+              <p:ext uri="{D42A27DB-BD31-4B8C-83A1-F6EECF244321}">
+                <p14:modId xmlns:p14="http://schemas.microsoft.com/office/powerpoint/2010/main" val="3657556488"/>
+              </p:ext>
+            </p:extLst>
+          </p:nvPr>
+        </p:nvGraphicFramePr>
+        <p:xfrm>
+          <a:off x="457200" y="908050"/>
+          <a:ext cx="8229600" cy="5222240"/>
+        </p:xfrm>
+        <a:graphic>
+          <a:graphicData uri="http://schemas.openxmlformats.org/drawingml/2006/table">
+            <a:tbl>
+              <a:tblPr firstRow="1" bandRow="1">
+                <a:tableStyleId>{5C22544A-7EE6-4342-B048-85BDC9FD1C3A}</a:tableStyleId>
+              </a:tblPr>
+              <a:tblGrid>
+                <a:gridCol w="2743200"/>
+                <a:gridCol w="2743200"/>
+                <a:gridCol w="2743200"/>
+              </a:tblGrid>
+              <a:tr h="370840">
+                <a:tc>
+                  <a:txBody>
+                    <a:bodyPr/>
+                    <a:lstStyle/>
+                    <a:p>
+                      <a:r>
+                        <a:rPr lang="en-US" dirty="0" smtClean="0"/>
+                        <a:t>Knowledge and understanding</a:t>
+                      </a:r>
+                      <a:endParaRPr lang="en-US" dirty="0"/>
+                    </a:p>
+                  </a:txBody>
+                  <a:tcPr/>
+                </a:tc>
+                <a:tc>
+                  <a:txBody>
+                    <a:bodyPr/>
+                    <a:lstStyle/>
+                    <a:p>
+                      <a:r>
+                        <a:rPr lang="en-US" dirty="0" smtClean="0"/>
+                        <a:t>Skills and ability</a:t>
+                      </a:r>
+                      <a:endParaRPr lang="en-US" dirty="0"/>
+                    </a:p>
+                  </a:txBody>
+                  <a:tcPr/>
+                </a:tc>
+                <a:tc>
+                  <a:txBody>
+                    <a:bodyPr/>
+                    <a:lstStyle/>
+                    <a:p>
+                      <a:r>
+                        <a:rPr lang="en-US" dirty="0" err="1" smtClean="0"/>
+                        <a:t>Judgement</a:t>
+                      </a:r>
+                      <a:r>
+                        <a:rPr lang="en-US" dirty="0" smtClean="0"/>
+                        <a:t> and approach</a:t>
+                      </a:r>
+                      <a:endParaRPr lang="en-US" dirty="0"/>
+                    </a:p>
+                  </a:txBody>
+                  <a:tcPr/>
+                </a:tc>
+              </a:tr>
+              <a:tr h="370840">
+                <a:tc>
+                  <a:txBody>
+                    <a:bodyPr/>
+                    <a:lstStyle/>
+                    <a:p>
+                      <a:r>
+                        <a:rPr lang="en-US" dirty="0" smtClean="0"/>
+                        <a:t>Compare agile and traditional </a:t>
+                      </a:r>
+                      <a:r>
+                        <a:rPr lang="en-US" dirty="0" err="1" smtClean="0"/>
+                        <a:t>softw</a:t>
+                      </a:r>
+                      <a:r>
+                        <a:rPr lang="en-US" dirty="0" smtClean="0"/>
+                        <a:t>. </a:t>
+                      </a:r>
+                      <a:r>
+                        <a:rPr lang="en-US" dirty="0" err="1" smtClean="0"/>
+                        <a:t>dev</a:t>
+                      </a:r>
+                      <a:r>
+                        <a:rPr lang="en-US" dirty="0" smtClean="0"/>
+                        <a:t>,</a:t>
+                      </a:r>
+                      <a:endParaRPr lang="en-US" dirty="0"/>
+                    </a:p>
+                  </a:txBody>
+                  <a:tcPr>
+                    <a:solidFill>
+                      <a:srgbClr val="CCFFCC"/>
+                    </a:solidFill>
+                  </a:tcPr>
+                </a:tc>
+                <a:tc>
+                  <a:txBody>
+                    <a:bodyPr/>
+                    <a:lstStyle/>
+                    <a:p>
+                      <a:r>
+                        <a:rPr lang="en-US" dirty="0" smtClean="0"/>
+                        <a:t>Forming a team organically</a:t>
+                      </a:r>
+                      <a:endParaRPr lang="en-US" dirty="0"/>
+                    </a:p>
+                  </a:txBody>
+                  <a:tcPr>
+                    <a:solidFill>
+                      <a:schemeClr val="accent5">
+                        <a:lumMod val="20000"/>
+                        <a:lumOff val="80000"/>
+                      </a:schemeClr>
+                    </a:solidFill>
+                  </a:tcPr>
+                </a:tc>
+                <a:tc>
+                  <a:txBody>
+                    <a:bodyPr/>
+                    <a:lstStyle/>
+                    <a:p>
+                      <a:r>
+                        <a:rPr lang="en-US" dirty="0" smtClean="0"/>
+                        <a:t>Explain: people/</a:t>
+                      </a:r>
+                      <a:r>
+                        <a:rPr lang="en-US" dirty="0" err="1" smtClean="0"/>
+                        <a:t>commun</a:t>
+                      </a:r>
+                      <a:r>
+                        <a:rPr lang="en-US" dirty="0" smtClean="0"/>
+                        <a:t>.</a:t>
+                      </a:r>
+                      <a:r>
+                        <a:rPr lang="en-US" baseline="0" dirty="0" smtClean="0"/>
+                        <a:t> centric dev.</a:t>
+                      </a:r>
+                      <a:endParaRPr lang="en-US" dirty="0"/>
+                    </a:p>
+                  </a:txBody>
+                  <a:tcPr>
+                    <a:solidFill>
+                      <a:srgbClr val="CCFFCC"/>
+                    </a:solidFill>
+                  </a:tcPr>
+                </a:tc>
+              </a:tr>
+              <a:tr h="370840">
+                <a:tc>
+                  <a:txBody>
+                    <a:bodyPr/>
+                    <a:lstStyle/>
+                    <a:p>
+                      <a:r>
+                        <a:rPr lang="en-US" dirty="0" smtClean="0"/>
+                        <a:t>Relate lean and agile development</a:t>
+                      </a:r>
+                      <a:endParaRPr lang="en-US" dirty="0"/>
+                    </a:p>
+                  </a:txBody>
+                  <a:tcPr>
+                    <a:solidFill>
+                      <a:schemeClr val="accent2">
+                        <a:lumMod val="20000"/>
+                        <a:lumOff val="80000"/>
+                      </a:schemeClr>
+                    </a:solidFill>
+                  </a:tcPr>
+                </a:tc>
+                <a:tc>
+                  <a:txBody>
+                    <a:bodyPr/>
+                    <a:lstStyle/>
+                    <a:p>
+                      <a:r>
+                        <a:rPr lang="en-US" dirty="0" smtClean="0"/>
+                        <a:t>Collaborate</a:t>
+                      </a:r>
+                      <a:r>
+                        <a:rPr lang="en-US" baseline="0" dirty="0" smtClean="0"/>
+                        <a:t> in small software dev. teams</a:t>
+                      </a:r>
+                      <a:endParaRPr lang="en-US" dirty="0"/>
+                    </a:p>
+                  </a:txBody>
+                  <a:tcPr>
+                    <a:solidFill>
+                      <a:schemeClr val="accent5">
+                        <a:lumMod val="20000"/>
+                        <a:lumOff val="80000"/>
+                      </a:schemeClr>
+                    </a:solidFill>
+                  </a:tcPr>
+                </a:tc>
+                <a:tc>
+                  <a:txBody>
+                    <a:bodyPr/>
+                    <a:lstStyle/>
+                    <a:p>
+                      <a:r>
+                        <a:rPr lang="en-US" dirty="0" smtClean="0"/>
+                        <a:t>Apply fact: people drive project success</a:t>
+                      </a:r>
+                      <a:endParaRPr lang="en-US" dirty="0"/>
+                    </a:p>
+                  </a:txBody>
+                  <a:tcPr>
+                    <a:solidFill>
+                      <a:srgbClr val="F2DCDB"/>
+                    </a:solidFill>
+                  </a:tcPr>
+                </a:tc>
+              </a:tr>
+              <a:tr h="370840">
+                <a:tc>
+                  <a:txBody>
+                    <a:bodyPr/>
+                    <a:lstStyle/>
+                    <a:p>
+                      <a:r>
+                        <a:rPr lang="en-US" dirty="0" smtClean="0"/>
+                        <a:t>Contrast different agile methodologies</a:t>
+                      </a:r>
+                      <a:endParaRPr lang="en-US" dirty="0"/>
+                    </a:p>
+                  </a:txBody>
+                  <a:tcPr>
+                    <a:solidFill>
+                      <a:schemeClr val="accent2">
+                        <a:lumMod val="20000"/>
+                        <a:lumOff val="80000"/>
+                      </a:schemeClr>
+                    </a:solidFill>
+                  </a:tcPr>
+                </a:tc>
+                <a:tc>
+                  <a:txBody>
+                    <a:bodyPr/>
+                    <a:lstStyle/>
+                    <a:p>
+                      <a:r>
+                        <a:rPr lang="en-US" dirty="0" smtClean="0"/>
+                        <a:t>Interact</a:t>
+                      </a:r>
+                      <a:r>
+                        <a:rPr lang="en-US" baseline="0" dirty="0" smtClean="0"/>
+                        <a:t> and show progress continuously</a:t>
+                      </a:r>
+                      <a:endParaRPr lang="en-US" dirty="0"/>
+                    </a:p>
+                  </a:txBody>
+                  <a:tcPr>
+                    <a:solidFill>
+                      <a:schemeClr val="accent5">
+                        <a:lumMod val="20000"/>
+                        <a:lumOff val="80000"/>
+                      </a:schemeClr>
+                    </a:solidFill>
+                  </a:tcPr>
+                </a:tc>
+                <a:tc>
+                  <a:txBody>
+                    <a:bodyPr/>
+                    <a:lstStyle/>
+                    <a:p>
+                      <a:r>
+                        <a:rPr lang="en-US" dirty="0" smtClean="0"/>
+                        <a:t>Describe: No single methodology fits all</a:t>
+                      </a:r>
+                      <a:endParaRPr lang="en-US" dirty="0"/>
+                    </a:p>
+                  </a:txBody>
+                  <a:tcPr>
+                    <a:solidFill>
+                      <a:srgbClr val="F2DCDB"/>
+                    </a:solidFill>
+                  </a:tcPr>
+                </a:tc>
+              </a:tr>
+              <a:tr h="370840">
+                <a:tc>
+                  <a:txBody>
+                    <a:bodyPr/>
+                    <a:lstStyle/>
+                    <a:p>
+                      <a:r>
+                        <a:rPr lang="en-US" dirty="0" smtClean="0"/>
+                        <a:t>Use the agile manifest and its accompanying principles</a:t>
+                      </a:r>
+                      <a:endParaRPr lang="en-US" dirty="0"/>
+                    </a:p>
+                  </a:txBody>
+                  <a:tcPr>
+                    <a:solidFill>
+                      <a:schemeClr val="accent2">
+                        <a:lumMod val="20000"/>
+                        <a:lumOff val="80000"/>
+                      </a:schemeClr>
+                    </a:solidFill>
+                  </a:tcPr>
+                </a:tc>
+                <a:tc>
+                  <a:txBody>
+                    <a:bodyPr/>
+                    <a:lstStyle/>
+                    <a:p>
+                      <a:r>
+                        <a:rPr lang="en-US" dirty="0" smtClean="0"/>
+                        <a:t>Develop SW</a:t>
+                      </a:r>
+                      <a:r>
+                        <a:rPr lang="en-US" baseline="0" dirty="0" smtClean="0"/>
+                        <a:t> using small and frequent iterations</a:t>
+                      </a:r>
+                      <a:endParaRPr lang="en-US" dirty="0"/>
+                    </a:p>
+                  </a:txBody>
+                  <a:tcPr>
+                    <a:solidFill>
+                      <a:schemeClr val="accent5">
+                        <a:lumMod val="20000"/>
+                        <a:lumOff val="80000"/>
+                      </a:schemeClr>
+                    </a:solidFill>
+                  </a:tcPr>
+                </a:tc>
+                <a:tc>
+                  <a:txBody>
+                    <a:bodyPr/>
+                    <a:lstStyle/>
+                    <a:p>
+                      <a:r>
+                        <a:rPr lang="en-US" dirty="0" smtClean="0"/>
+                        <a:t>Discuss: methodology needs to adopt to culture </a:t>
+                      </a:r>
+                      <a:endParaRPr lang="en-US" dirty="0"/>
+                    </a:p>
+                  </a:txBody>
+                  <a:tcPr>
+                    <a:solidFill>
+                      <a:srgbClr val="F2DCDB"/>
+                    </a:solidFill>
+                  </a:tcPr>
+                </a:tc>
+              </a:tr>
+              <a:tr h="370840">
+                <a:tc>
+                  <a:txBody>
+                    <a:bodyPr/>
+                    <a:lstStyle/>
+                    <a:p>
+                      <a:r>
+                        <a:rPr lang="en-US" dirty="0" smtClean="0"/>
+                        <a:t>Discuss what is different</a:t>
+                      </a:r>
+                      <a:r>
+                        <a:rPr lang="en-US" baseline="0" dirty="0" smtClean="0"/>
+                        <a:t> when leading an agile team</a:t>
+                      </a:r>
+                      <a:endParaRPr lang="en-US" dirty="0"/>
+                    </a:p>
+                  </a:txBody>
+                  <a:tcPr>
+                    <a:solidFill>
+                      <a:srgbClr val="F2DCDB"/>
+                    </a:solidFill>
+                  </a:tcPr>
+                </a:tc>
+                <a:tc>
+                  <a:txBody>
+                    <a:bodyPr/>
+                    <a:lstStyle/>
+                    <a:p>
+                      <a:r>
+                        <a:rPr lang="en-US" dirty="0" smtClean="0"/>
+                        <a:t>Use test-driven dev. and automated tests</a:t>
+                      </a:r>
+                      <a:endParaRPr lang="en-US" dirty="0"/>
+                    </a:p>
+                  </a:txBody>
+                  <a:tcPr>
+                    <a:solidFill>
+                      <a:schemeClr val="accent5">
+                        <a:lumMod val="20000"/>
+                        <a:lumOff val="80000"/>
+                      </a:schemeClr>
+                    </a:solidFill>
+                  </a:tcPr>
+                </a:tc>
+                <a:tc>
+                  <a:txBody>
+                    <a:bodyPr/>
+                    <a:lstStyle/>
+                    <a:p>
+                      <a:endParaRPr lang="en-US" dirty="0"/>
+                    </a:p>
+                  </a:txBody>
+                  <a:tcPr>
+                    <a:solidFill>
+                      <a:schemeClr val="bg1"/>
+                    </a:solidFill>
+                  </a:tcPr>
+                </a:tc>
+              </a:tr>
+              <a:tr h="370840">
+                <a:tc>
+                  <a:txBody>
+                    <a:bodyPr/>
+                    <a:lstStyle/>
+                    <a:p>
+                      <a:endParaRPr lang="en-US" dirty="0"/>
+                    </a:p>
+                  </a:txBody>
+                  <a:tcPr>
+                    <a:solidFill>
+                      <a:srgbClr val="FFFFFF"/>
+                    </a:solidFill>
+                  </a:tcPr>
+                </a:tc>
+                <a:tc>
+                  <a:txBody>
+                    <a:bodyPr/>
+                    <a:lstStyle/>
+                    <a:p>
+                      <a:r>
+                        <a:rPr lang="en-US" dirty="0" smtClean="0"/>
+                        <a:t>Refactor a program/design</a:t>
+                      </a:r>
+                      <a:endParaRPr lang="en-US" dirty="0"/>
+                    </a:p>
+                  </a:txBody>
+                  <a:tcPr>
+                    <a:solidFill>
+                      <a:schemeClr val="accent5">
+                        <a:lumMod val="20000"/>
+                        <a:lumOff val="80000"/>
+                      </a:schemeClr>
+                    </a:solidFill>
+                  </a:tcPr>
+                </a:tc>
+                <a:tc>
+                  <a:txBody>
+                    <a:bodyPr/>
+                    <a:lstStyle/>
+                    <a:p>
+                      <a:endParaRPr lang="en-US" dirty="0"/>
+                    </a:p>
+                  </a:txBody>
+                  <a:tcPr>
+                    <a:solidFill>
+                      <a:schemeClr val="bg1"/>
+                    </a:solidFill>
+                  </a:tcPr>
+                </a:tc>
+              </a:tr>
+              <a:tr h="370840">
+                <a:tc>
+                  <a:txBody>
+                    <a:bodyPr/>
+                    <a:lstStyle/>
+                    <a:p>
+                      <a:endParaRPr lang="en-US" dirty="0"/>
+                    </a:p>
+                  </a:txBody>
+                  <a:tcPr>
+                    <a:solidFill>
+                      <a:srgbClr val="FFFFFF"/>
+                    </a:solidFill>
+                  </a:tcPr>
+                </a:tc>
+                <a:tc>
+                  <a:txBody>
+                    <a:bodyPr/>
+                    <a:lstStyle/>
+                    <a:p>
+                      <a:r>
+                        <a:rPr lang="en-US" dirty="0" smtClean="0"/>
+                        <a:t>Be member of agile team</a:t>
+                      </a:r>
+                      <a:endParaRPr lang="en-US" dirty="0"/>
+                    </a:p>
+                  </a:txBody>
+                  <a:tcPr>
+                    <a:solidFill>
+                      <a:schemeClr val="accent5">
+                        <a:lumMod val="20000"/>
+                        <a:lumOff val="80000"/>
+                      </a:schemeClr>
+                    </a:solidFill>
+                  </a:tcPr>
+                </a:tc>
+                <a:tc>
+                  <a:txBody>
+                    <a:bodyPr/>
+                    <a:lstStyle/>
+                    <a:p>
+                      <a:endParaRPr lang="en-US" dirty="0"/>
+                    </a:p>
+                  </a:txBody>
+                  <a:tcPr>
+                    <a:solidFill>
+                      <a:schemeClr val="bg1"/>
+                    </a:solidFill>
+                  </a:tcPr>
+                </a:tc>
+              </a:tr>
+              <a:tr h="370840">
+                <a:tc>
+                  <a:txBody>
+                    <a:bodyPr/>
+                    <a:lstStyle/>
+                    <a:p>
+                      <a:endParaRPr lang="en-US" dirty="0"/>
+                    </a:p>
+                  </a:txBody>
+                  <a:tcPr>
+                    <a:solidFill>
+                      <a:srgbClr val="FFFFFF"/>
+                    </a:solidFill>
+                  </a:tcPr>
+                </a:tc>
+                <a:tc>
+                  <a:txBody>
+                    <a:bodyPr/>
+                    <a:lstStyle/>
+                    <a:p>
+                      <a:r>
+                        <a:rPr lang="en-US" dirty="0" smtClean="0"/>
+                        <a:t>Incremental planning using user stories</a:t>
+                      </a:r>
+                      <a:endParaRPr lang="en-US" dirty="0"/>
+                    </a:p>
+                  </a:txBody>
+                  <a:tcPr>
+                    <a:solidFill>
+                      <a:schemeClr val="accent5">
+                        <a:lumMod val="20000"/>
+                        <a:lumOff val="80000"/>
+                      </a:schemeClr>
+                    </a:solidFill>
+                  </a:tcPr>
+                </a:tc>
+                <a:tc>
+                  <a:txBody>
+                    <a:bodyPr/>
+                    <a:lstStyle/>
+                    <a:p>
+                      <a:endParaRPr lang="en-US" dirty="0"/>
+                    </a:p>
+                  </a:txBody>
+                  <a:tcPr>
+                    <a:solidFill>
+                      <a:schemeClr val="bg1"/>
+                    </a:solidFill>
+                  </a:tcPr>
+                </a:tc>
+              </a:tr>
+            </a:tbl>
+          </a:graphicData>
+        </a:graphic>
+      </p:graphicFrame>
+      <p:sp>
+        <p:nvSpPr>
+          <p:cNvPr id="4" name="Footer Placeholder 3"/>
+          <p:cNvSpPr>
+            <a:spLocks noGrp="1"/>
+          </p:cNvSpPr>
+          <p:nvPr>
+            <p:ph type="ftr" sz="quarter" idx="11"/>
+          </p:nvPr>
+        </p:nvSpPr>
+        <p:spPr/>
+        <p:txBody>
+          <a:bodyPr/>
+          <a:lstStyle/>
+          <a:p>
+            <a:r>
+              <a:rPr lang="de-DE" smtClean="0">
+                <a:solidFill>
+                  <a:prstClr val="black">
+                    <a:tint val="75000"/>
+                  </a:prstClr>
+                </a:solidFill>
+              </a:rPr>
+              <a:t>Agile Software Dev. | Eric Knauss</a:t>
+            </a:r>
+            <a:endParaRPr lang="de-DE">
+              <a:solidFill>
+                <a:prstClr val="black">
+                  <a:tint val="75000"/>
+                </a:prstClr>
+              </a:solidFill>
+            </a:endParaRPr>
+          </a:p>
+        </p:txBody>
+      </p:sp>
+      <p:sp>
+        <p:nvSpPr>
+          <p:cNvPr id="5" name="Slide Number Placeholder 4"/>
+          <p:cNvSpPr>
+            <a:spLocks noGrp="1"/>
+          </p:cNvSpPr>
+          <p:nvPr>
+            <p:ph type="sldNum" sz="quarter" idx="12"/>
+          </p:nvPr>
+        </p:nvSpPr>
+        <p:spPr/>
+        <p:txBody>
+          <a:bodyPr/>
+          <a:lstStyle/>
+          <a:p>
+            <a:fld id="{91974DF9-AD47-4691-BA21-BBFCE3637A9A}" type="slidenum">
+              <a:rPr lang="en-US" smtClean="0">
+                <a:solidFill>
+                  <a:prstClr val="black">
+                    <a:tint val="75000"/>
+                  </a:prstClr>
+                </a:solidFill>
+              </a:rPr>
+              <a:pPr/>
+              <a:t>6</a:t>
+            </a:fld>
+            <a:endParaRPr lang="en-US">
+              <a:solidFill>
+                <a:prstClr val="black">
+                  <a:tint val="75000"/>
+                </a:prstClr>
+              </a:solidFill>
+            </a:endParaRPr>
+          </a:p>
+        </p:txBody>
+      </p:sp>
+      <p:sp>
+        <p:nvSpPr>
+          <p:cNvPr id="7" name="TextBox 6"/>
+          <p:cNvSpPr txBox="1"/>
+          <p:nvPr/>
+        </p:nvSpPr>
+        <p:spPr>
+          <a:xfrm rot="16200000">
+            <a:off x="-230624" y="3253511"/>
+            <a:ext cx="929461" cy="369332"/>
+          </a:xfrm>
+          <a:prstGeom prst="rect">
+            <a:avLst/>
+          </a:prstGeom>
+          <a:noFill/>
+        </p:spPr>
+        <p:txBody>
+          <a:bodyPr wrap="none" rtlCol="0">
+            <a:spAutoFit/>
+          </a:bodyPr>
+          <a:lstStyle/>
+          <a:p>
+            <a:r>
+              <a:rPr lang="en-US" b="1" dirty="0" smtClean="0"/>
+              <a:t>Sprint 1</a:t>
+            </a:r>
+            <a:endParaRPr lang="en-US" b="1" dirty="0"/>
+          </a:p>
+        </p:txBody>
+      </p:sp>
+      <p:sp>
+        <p:nvSpPr>
+          <p:cNvPr id="8" name="TextBox 7"/>
+          <p:cNvSpPr txBox="1"/>
+          <p:nvPr/>
+        </p:nvSpPr>
+        <p:spPr>
+          <a:xfrm rot="16200000">
+            <a:off x="2506495" y="5480894"/>
+            <a:ext cx="929461" cy="369332"/>
+          </a:xfrm>
+          <a:prstGeom prst="rect">
+            <a:avLst/>
+          </a:prstGeom>
+          <a:noFill/>
+        </p:spPr>
+        <p:txBody>
+          <a:bodyPr wrap="none" rtlCol="0">
+            <a:spAutoFit/>
+          </a:bodyPr>
+          <a:lstStyle/>
+          <a:p>
+            <a:r>
+              <a:rPr lang="en-US" b="1" dirty="0" smtClean="0"/>
+              <a:t>Sprint 2</a:t>
+            </a:r>
+            <a:endParaRPr lang="en-US" b="1" dirty="0"/>
+          </a:p>
+        </p:txBody>
+      </p:sp>
+      <p:sp>
+        <p:nvSpPr>
+          <p:cNvPr id="9" name="TextBox 8"/>
+          <p:cNvSpPr txBox="1"/>
+          <p:nvPr/>
+        </p:nvSpPr>
+        <p:spPr>
+          <a:xfrm rot="16200000">
+            <a:off x="8406736" y="2476450"/>
+            <a:ext cx="929461" cy="369332"/>
+          </a:xfrm>
+          <a:prstGeom prst="rect">
+            <a:avLst/>
+          </a:prstGeom>
+          <a:noFill/>
+        </p:spPr>
+        <p:txBody>
+          <a:bodyPr wrap="none" rtlCol="0">
+            <a:spAutoFit/>
+          </a:bodyPr>
+          <a:lstStyle/>
+          <a:p>
+            <a:r>
+              <a:rPr lang="en-US" b="1" dirty="0" smtClean="0"/>
+              <a:t>Sprint 3</a:t>
+            </a:r>
+            <a:endParaRPr lang="en-US" b="1" dirty="0"/>
+          </a:p>
+        </p:txBody>
+      </p:sp>
+    </p:spTree>
+    <p:extLst>
+      <p:ext uri="{BB962C8B-B14F-4D97-AF65-F5344CB8AC3E}">
+        <p14:creationId xmlns:p14="http://schemas.microsoft.com/office/powerpoint/2010/main" val="3051022594"/>
+      </p:ext>
+    </p:extLst>
+  </p:cSld>
+  <p:clrMapOvr>
+    <a:masterClrMapping/>
+  </p:clrMapOvr>
+  <p:transition xmlns:p14="http://schemas.microsoft.com/office/powerpoint/2010/main">
+    <p:fade/>
+  </p:transition>
+  <p:timing>
+    <p:tnLst>
+      <p:par>
+        <p:cTn xmlns:p14="http://schemas.microsoft.com/office/powerpoint/2010/main" id="1" dur="indefinite" restart="never" nodeType="tmRoot"/>
+      </p:par>
+    </p:tnLst>
+  </p:timing>
+</p:sld>
+</file>
+
+<file path=ppt/slides/slide7.xml><?xml version="1.0" encoding="utf-8"?>
+<p:sld xmlns:a="http://schemas.openxmlformats.org/drawingml/2006/main" xmlns:r="http://schemas.openxmlformats.org/officeDocument/2006/relationships" xmlns:p="http://schemas.openxmlformats.org/presentationml/2006/main">
+  <p:cSld>
+    <p:spTree>
+      <p:nvGrpSpPr>
+        <p:cNvPr id="1" name=""/>
+        <p:cNvGrpSpPr/>
+        <p:nvPr/>
+      </p:nvGrpSpPr>
+      <p:grpSpPr>
+        <a:xfrm>
+          <a:off x="0" y="0"/>
+          <a:ext cx="0" cy="0"/>
+          <a:chOff x="0" y="0"/>
+          <a:chExt cx="0" cy="0"/>
+        </a:xfrm>
+      </p:grpSpPr>
+      <p:sp>
+        <p:nvSpPr>
+          <p:cNvPr id="2" name="Title 1"/>
+          <p:cNvSpPr>
+            <a:spLocks noGrp="1"/>
+          </p:cNvSpPr>
+          <p:nvPr>
+            <p:ph type="title"/>
+          </p:nvPr>
+        </p:nvSpPr>
+        <p:spPr/>
+        <p:txBody>
+          <a:bodyPr/>
+          <a:lstStyle/>
+          <a:p>
+            <a:r>
+              <a:rPr lang="en-US" dirty="0" smtClean="0"/>
+              <a:t>What is agility in Software Development?</a:t>
+            </a:r>
+            <a:endParaRPr lang="en-US" dirty="0"/>
+          </a:p>
+        </p:txBody>
+      </p:sp>
+      <p:pic>
+        <p:nvPicPr>
+          <p:cNvPr id="6" name="Content Placeholder 5"/>
+          <p:cNvPicPr>
+            <a:picLocks noGrp="1" noChangeAspect="1"/>
+          </p:cNvPicPr>
+          <p:nvPr>
+            <p:ph idx="1"/>
+          </p:nvPr>
+        </p:nvPicPr>
+        <p:blipFill>
+          <a:blip r:embed="rId2"/>
+          <a:srcRect t="1205" b="1205"/>
+          <a:stretch>
+            <a:fillRect/>
+          </a:stretch>
+        </p:blipFill>
+        <p:spPr/>
+      </p:pic>
+      <p:sp>
+        <p:nvSpPr>
+          <p:cNvPr id="7" name="Rectangle 6"/>
+          <p:cNvSpPr/>
+          <p:nvPr/>
+        </p:nvSpPr>
+        <p:spPr>
+          <a:xfrm>
+            <a:off x="6047849" y="5976718"/>
+            <a:ext cx="2638951" cy="246221"/>
+          </a:xfrm>
+          <a:prstGeom prst="rect">
+            <a:avLst/>
+          </a:prstGeom>
+        </p:spPr>
+        <p:txBody>
+          <a:bodyPr wrap="none">
+            <a:spAutoFit/>
+          </a:bodyPr>
+          <a:lstStyle/>
+          <a:p>
+            <a:r>
+              <a:rPr lang="en-US" sz="1000" dirty="0" smtClean="0">
+                <a:solidFill>
+                  <a:schemeClr val="bg1"/>
+                </a:solidFill>
+              </a:rPr>
+              <a:t>http://</a:t>
+            </a:r>
+            <a:r>
+              <a:rPr lang="en-US" sz="1000" dirty="0" err="1" smtClean="0">
+                <a:solidFill>
+                  <a:schemeClr val="bg1"/>
+                </a:solidFill>
+              </a:rPr>
+              <a:t>mediagallery.usatoday.com</a:t>
+            </a:r>
+            <a:r>
+              <a:rPr lang="en-US" sz="1000" dirty="0" smtClean="0">
+                <a:solidFill>
+                  <a:schemeClr val="bg1"/>
+                </a:solidFill>
+              </a:rPr>
+              <a:t>/</a:t>
+            </a:r>
+            <a:r>
+              <a:rPr lang="en-US" sz="1000" dirty="0" err="1" smtClean="0">
+                <a:solidFill>
+                  <a:schemeClr val="bg1"/>
+                </a:solidFill>
+              </a:rPr>
+              <a:t>New+Flame</a:t>
+            </a:r>
+            <a:endParaRPr lang="en-US" sz="1000" dirty="0">
+              <a:solidFill>
+                <a:schemeClr val="bg1"/>
+              </a:solidFill>
+            </a:endParaRPr>
+          </a:p>
+        </p:txBody>
+      </p:sp>
+      <p:sp>
+        <p:nvSpPr>
+          <p:cNvPr id="8" name="TextBox 7"/>
+          <p:cNvSpPr txBox="1"/>
+          <p:nvPr/>
+        </p:nvSpPr>
+        <p:spPr>
+          <a:xfrm>
+            <a:off x="5603818" y="4877696"/>
+            <a:ext cx="2710598" cy="830997"/>
+          </a:xfrm>
+          <a:prstGeom prst="rect">
+            <a:avLst/>
+          </a:prstGeom>
+          <a:noFill/>
+        </p:spPr>
+        <p:txBody>
+          <a:bodyPr wrap="none" rtlCol="0">
+            <a:spAutoFit/>
+          </a:bodyPr>
+          <a:lstStyle/>
+          <a:p>
+            <a:r>
+              <a:rPr lang="en-US" sz="2400" b="1" dirty="0" smtClean="0">
+                <a:solidFill>
+                  <a:srgbClr val="FFFFFF"/>
+                </a:solidFill>
+              </a:rPr>
+              <a:t>Agile Development: </a:t>
+            </a:r>
+            <a:br>
+              <a:rPr lang="en-US" sz="2400" b="1" dirty="0" smtClean="0">
+                <a:solidFill>
+                  <a:srgbClr val="FFFFFF"/>
+                </a:solidFill>
+              </a:rPr>
+            </a:br>
+            <a:r>
+              <a:rPr lang="en-US" sz="2400" b="1" dirty="0" smtClean="0">
+                <a:solidFill>
+                  <a:srgbClr val="FFFFFF"/>
+                </a:solidFill>
+              </a:rPr>
+              <a:t>A Miniature</a:t>
+            </a:r>
+            <a:endParaRPr lang="en-US" sz="2400" b="1" dirty="0">
+              <a:solidFill>
+                <a:srgbClr val="FFFFFF"/>
+              </a:solidFill>
+            </a:endParaRPr>
+          </a:p>
+        </p:txBody>
+      </p:sp>
+      <p:sp>
+        <p:nvSpPr>
+          <p:cNvPr id="9" name="Footer Placeholder 8"/>
+          <p:cNvSpPr>
+            <a:spLocks noGrp="1"/>
+          </p:cNvSpPr>
+          <p:nvPr>
+            <p:ph type="ftr" sz="quarter" idx="11"/>
+          </p:nvPr>
+        </p:nvSpPr>
+        <p:spPr/>
+        <p:txBody>
+          <a:bodyPr/>
+          <a:lstStyle/>
+          <a:p>
+            <a:r>
+              <a:rPr lang="de-DE" smtClean="0">
+                <a:solidFill>
+                  <a:prstClr val="black">
+                    <a:tint val="75000"/>
+                  </a:prstClr>
+                </a:solidFill>
+              </a:rPr>
+              <a:t>Agile Dev. Processes | Eric Knauss</a:t>
+            </a:r>
+            <a:endParaRPr lang="de-DE">
+              <a:solidFill>
+                <a:prstClr val="black">
+                  <a:tint val="75000"/>
+                </a:prstClr>
+              </a:solidFill>
+            </a:endParaRPr>
+          </a:p>
+        </p:txBody>
+      </p:sp>
+      <p:sp>
+        <p:nvSpPr>
+          <p:cNvPr id="10" name="Slide Number Placeholder 9"/>
+          <p:cNvSpPr>
+            <a:spLocks noGrp="1"/>
+          </p:cNvSpPr>
+          <p:nvPr>
+            <p:ph type="sldNum" sz="quarter" idx="12"/>
+          </p:nvPr>
+        </p:nvSpPr>
+        <p:spPr/>
+        <p:txBody>
+          <a:bodyPr/>
+          <a:lstStyle/>
+          <a:p>
+            <a:fld id="{91974DF9-AD47-4691-BA21-BBFCE3637A9A}" type="slidenum">
+              <a:rPr lang="en-US" smtClean="0">
+                <a:solidFill>
+                  <a:prstClr val="black">
+                    <a:tint val="75000"/>
+                  </a:prstClr>
+                </a:solidFill>
+              </a:rPr>
+              <a:pPr/>
+              <a:t>7</a:t>
+            </a:fld>
+            <a:endParaRPr lang="en-US">
+              <a:solidFill>
+                <a:prstClr val="black">
+                  <a:tint val="75000"/>
+                </a:prstClr>
+              </a:solidFill>
+            </a:endParaRPr>
+          </a:p>
+        </p:txBody>
+      </p:sp>
+    </p:spTree>
+    <p:extLst>
+      <p:ext uri="{BB962C8B-B14F-4D97-AF65-F5344CB8AC3E}">
+        <p14:creationId xmlns:p14="http://schemas.microsoft.com/office/powerpoint/2010/main" val="1220348343"/>
+      </p:ext>
+    </p:extLst>
+  </p:cSld>
+  <p:clrMapOvr>
+    <a:masterClrMapping/>
+  </p:clrMapOvr>
+  <p:transition xmlns:p14="http://schemas.microsoft.com/office/powerpoint/2010/main">
+    <p:fade/>
+  </p:transition>
+  <p:timing>
+    <p:tnLst>
+      <p:par>
+        <p:cTn xmlns:p14="http://schemas.microsoft.com/office/powerpoint/2010/main" id="1" dur="indefinite" restart="never" nodeType="tmRoot"/>
+      </p:par>
+    </p:tnLst>
+  </p:timing>
+</p:sld>
+</file>
+
+<file path=ppt/slides/slide8.xml><?xml version="1.0" encoding="utf-8"?>
+<p:sld xmlns:a="http://schemas.openxmlformats.org/drawingml/2006/main" xmlns:r="http://schemas.openxmlformats.org/officeDocument/2006/relationships" xmlns:p="http://schemas.openxmlformats.org/presentationml/2006/main">
+  <p:cSld>
+    <p:spTree>
+      <p:nvGrpSpPr>
+        <p:cNvPr id="1" name=""/>
+        <p:cNvGrpSpPr/>
+        <p:nvPr/>
+      </p:nvGrpSpPr>
+      <p:grpSpPr>
+        <a:xfrm>
+          <a:off x="0" y="0"/>
+          <a:ext cx="0" cy="0"/>
+          <a:chOff x="0" y="0"/>
+          <a:chExt cx="0" cy="0"/>
+        </a:xfrm>
+      </p:grpSpPr>
+      <p:sp>
+        <p:nvSpPr>
+          <p:cNvPr id="2" name="Title 1"/>
+          <p:cNvSpPr>
+            <a:spLocks noGrp="1"/>
+          </p:cNvSpPr>
+          <p:nvPr>
+            <p:ph type="title"/>
+          </p:nvPr>
+        </p:nvSpPr>
+        <p:spPr/>
+        <p:txBody>
+          <a:bodyPr/>
+          <a:lstStyle/>
+          <a:p>
+            <a:r>
+              <a:rPr lang="en-US" dirty="0" smtClean="0"/>
+              <a:t>Miniatures </a:t>
+            </a:r>
+            <a:endParaRPr lang="en-US" dirty="0"/>
+          </a:p>
+        </p:txBody>
+      </p:sp>
+      <p:sp>
+        <p:nvSpPr>
+          <p:cNvPr id="3" name="Content Placeholder 2"/>
+          <p:cNvSpPr>
+            <a:spLocks noGrp="1"/>
+          </p:cNvSpPr>
+          <p:nvPr>
+            <p:ph idx="1"/>
+          </p:nvPr>
+        </p:nvSpPr>
+        <p:spPr/>
+        <p:txBody>
+          <a:bodyPr/>
+          <a:lstStyle/>
+          <a:p>
+            <a:r>
+              <a:rPr lang="en-US" dirty="0" smtClean="0"/>
+              <a:t>Good to get started in the project</a:t>
+            </a:r>
+          </a:p>
+          <a:p>
+            <a:pPr lvl="1"/>
+            <a:r>
+              <a:rPr lang="en-US" dirty="0" smtClean="0"/>
+              <a:t>Shared ideas / concepts</a:t>
+            </a:r>
+          </a:p>
+          <a:p>
+            <a:pPr lvl="1"/>
+            <a:r>
+              <a:rPr lang="en-US" dirty="0">
+                <a:hlinkClick r:id="rId2"/>
+              </a:rPr>
+              <a:t>http://c2.com/xp/</a:t>
+            </a:r>
+            <a:r>
+              <a:rPr lang="en-US" dirty="0" smtClean="0">
+                <a:hlinkClick r:id="rId2"/>
+              </a:rPr>
+              <a:t>ExtremeHour.html</a:t>
+            </a:r>
+            <a:endParaRPr lang="en-US" dirty="0" smtClean="0"/>
+          </a:p>
+          <a:p>
+            <a:pPr lvl="1"/>
+            <a:r>
+              <a:rPr lang="en-US" dirty="0">
+                <a:hlinkClick r:id="rId3"/>
+              </a:rPr>
+              <a:t>http://www.massey.ac.nz/~dpparson/</a:t>
+            </a:r>
+            <a:r>
+              <a:rPr lang="en-US" dirty="0" smtClean="0">
+                <a:hlinkClick r:id="rId3"/>
+              </a:rPr>
+              <a:t>agilehour.htm</a:t>
+            </a:r>
+            <a:endParaRPr lang="en-US" dirty="0" smtClean="0"/>
+          </a:p>
+          <a:p>
+            <a:pPr lvl="1"/>
+            <a:endParaRPr lang="en-US" dirty="0" smtClean="0"/>
+          </a:p>
+          <a:p>
+            <a:pPr lvl="1"/>
+            <a:endParaRPr lang="en-US" dirty="0"/>
+          </a:p>
+          <a:p>
+            <a:r>
+              <a:rPr lang="en-US" dirty="0" smtClean="0"/>
+              <a:t>Idea: Simulate an agile project within a limited time</a:t>
+            </a:r>
+          </a:p>
+          <a:p>
+            <a:pPr lvl="1"/>
+            <a:r>
+              <a:rPr lang="en-US" dirty="0" smtClean="0"/>
+              <a:t>Agile / Extreme Hour do not scale </a:t>
+            </a:r>
+          </a:p>
+          <a:p>
+            <a:pPr lvl="1"/>
+            <a:r>
+              <a:rPr lang="en-US" dirty="0" smtClean="0"/>
+              <a:t>Lego-Scrum does not scale</a:t>
+            </a:r>
+          </a:p>
+          <a:p>
+            <a:pPr lvl="1"/>
+            <a:endParaRPr lang="en-US" dirty="0" smtClean="0"/>
+          </a:p>
+          <a:p>
+            <a:pPr lvl="1"/>
+            <a:r>
+              <a:rPr lang="en-US" dirty="0" smtClean="0"/>
+              <a:t>Thus, falling back to a simulation first presented by Chris Rupp, Sophist</a:t>
+            </a:r>
+            <a:endParaRPr lang="en-US" dirty="0"/>
+          </a:p>
+        </p:txBody>
+      </p:sp>
+      <p:sp>
+        <p:nvSpPr>
+          <p:cNvPr id="4" name="Footer Placeholder 3"/>
+          <p:cNvSpPr>
+            <a:spLocks noGrp="1"/>
+          </p:cNvSpPr>
+          <p:nvPr>
+            <p:ph type="ftr" sz="quarter" idx="11"/>
+          </p:nvPr>
+        </p:nvSpPr>
+        <p:spPr/>
+        <p:txBody>
+          <a:bodyPr/>
+          <a:lstStyle/>
+          <a:p>
+            <a:r>
+              <a:rPr lang="de-DE" smtClean="0">
+                <a:solidFill>
+                  <a:prstClr val="black">
+                    <a:tint val="75000"/>
+                  </a:prstClr>
+                </a:solidFill>
+              </a:rPr>
+              <a:t>Agile Dev. Processes | Eric Knauss</a:t>
+            </a:r>
+            <a:endParaRPr lang="de-DE">
+              <a:solidFill>
+                <a:prstClr val="black">
+                  <a:tint val="75000"/>
+                </a:prstClr>
+              </a:solidFill>
+            </a:endParaRPr>
+          </a:p>
+        </p:txBody>
+      </p:sp>
+      <p:sp>
+        <p:nvSpPr>
+          <p:cNvPr id="5" name="Slide Number Placeholder 4"/>
+          <p:cNvSpPr>
+            <a:spLocks noGrp="1"/>
+          </p:cNvSpPr>
+          <p:nvPr>
+            <p:ph type="sldNum" sz="quarter" idx="12"/>
+          </p:nvPr>
+        </p:nvSpPr>
+        <p:spPr/>
+        <p:txBody>
+          <a:bodyPr/>
+          <a:lstStyle/>
+          <a:p>
+            <a:fld id="{91974DF9-AD47-4691-BA21-BBFCE3637A9A}" type="slidenum">
+              <a:rPr lang="en-US" smtClean="0">
+                <a:solidFill>
+                  <a:prstClr val="black">
+                    <a:tint val="75000"/>
+                  </a:prstClr>
+                </a:solidFill>
+              </a:rPr>
+              <a:pPr/>
+              <a:t>8</a:t>
+            </a:fld>
+            <a:endParaRPr lang="en-US">
+              <a:solidFill>
+                <a:prstClr val="black">
+                  <a:tint val="75000"/>
+                </a:prstClr>
+              </a:solidFill>
+            </a:endParaRPr>
+          </a:p>
+        </p:txBody>
+      </p:sp>
+    </p:spTree>
+    <p:extLst>
+      <p:ext uri="{BB962C8B-B14F-4D97-AF65-F5344CB8AC3E}">
+        <p14:creationId xmlns:p14="http://schemas.microsoft.com/office/powerpoint/2010/main" val="302372173"/>
+      </p:ext>
+    </p:extLst>
+  </p:cSld>
+  <p:clrMapOvr>
+    <a:masterClrMapping/>
+  </p:clrMapOvr>
+  <p:transition xmlns:p14="http://schemas.microsoft.com/office/powerpoint/2010/main">
+    <p:fade/>
+  </p:transition>
+  <p:timing>
+    <p:tnLst>
+      <p:par>
+        <p:cTn xmlns:p14="http://schemas.microsoft.com/office/powerpoint/2010/main" id="1" dur="indefinite" restart="never" nodeType="tmRoot"/>
+      </p:par>
+    </p:tnLst>
+  </p:timing>
+</p:sld>
+</file>
+
+<file path=ppt/slides/slide9.xml><?xml version="1.0" encoding="utf-8"?>
+<p:sld xmlns:a="http://schemas.openxmlformats.org/drawingml/2006/main" xmlns:r="http://schemas.openxmlformats.org/officeDocument/2006/relationships" xmlns:p="http://schemas.openxmlformats.org/presentationml/2006/main">
+  <p:cSld>
+    <p:spTree>
+      <p:nvGrpSpPr>
+        <p:cNvPr id="1" name=""/>
+        <p:cNvGrpSpPr/>
+        <p:nvPr/>
+      </p:nvGrpSpPr>
+      <p:grpSpPr>
+        <a:xfrm>
+          <a:off x="0" y="0"/>
+          <a:ext cx="0" cy="0"/>
+          <a:chOff x="0" y="0"/>
+          <a:chExt cx="0" cy="0"/>
+        </a:xfrm>
+      </p:grpSpPr>
+      <p:sp>
+        <p:nvSpPr>
+          <p:cNvPr id="4" name="Title 3"/>
+          <p:cNvSpPr>
+            <a:spLocks noGrp="1"/>
+          </p:cNvSpPr>
+          <p:nvPr>
+            <p:ph type="title"/>
+          </p:nvPr>
+        </p:nvSpPr>
+        <p:spPr/>
+        <p:txBody>
+          <a:bodyPr/>
+          <a:lstStyle/>
+          <a:p>
+            <a:r>
+              <a:rPr lang="en-US" dirty="0" smtClean="0"/>
+              <a:t>Round 1</a:t>
+            </a:r>
+            <a:endParaRPr lang="en-US" dirty="0"/>
+          </a:p>
+        </p:txBody>
+      </p:sp>
+      <p:sp>
+        <p:nvSpPr>
+          <p:cNvPr id="5" name="Content Placeholder 4"/>
+          <p:cNvSpPr>
+            <a:spLocks noGrp="1"/>
+          </p:cNvSpPr>
+          <p:nvPr>
+            <p:ph idx="1"/>
+          </p:nvPr>
+        </p:nvSpPr>
+        <p:spPr/>
+        <p:txBody>
+          <a:bodyPr>
+            <a:normAutofit/>
+          </a:bodyPr>
+          <a:lstStyle/>
+          <a:p>
+            <a:r>
+              <a:rPr lang="en-US" dirty="0" smtClean="0"/>
+              <a:t>Create teams of 4 to 6 persons</a:t>
+            </a:r>
+          </a:p>
+          <a:p>
+            <a:r>
+              <a:rPr lang="en-US" dirty="0" smtClean="0"/>
+              <a:t>Assign roles in each team: same number of customers and developers</a:t>
+            </a:r>
+          </a:p>
+          <a:p>
+            <a:r>
+              <a:rPr lang="en-US" dirty="0" smtClean="0"/>
+              <a:t>Customers and developers sit as far apart as possible</a:t>
+            </a:r>
+          </a:p>
+          <a:p>
+            <a:r>
+              <a:rPr lang="en-US" dirty="0" smtClean="0"/>
+              <a:t>Customers write instructions for developers</a:t>
+            </a:r>
+          </a:p>
+          <a:p>
+            <a:r>
+              <a:rPr lang="en-US" dirty="0" smtClean="0"/>
+              <a:t>One of the customers </a:t>
+            </a:r>
+          </a:p>
+          <a:p>
+            <a:pPr lvl="1"/>
+            <a:r>
+              <a:rPr lang="en-US" dirty="0" smtClean="0"/>
+              <a:t>brings written instructions to developers</a:t>
+            </a:r>
+          </a:p>
+          <a:p>
+            <a:pPr lvl="1"/>
+            <a:r>
+              <a:rPr lang="en-US" dirty="0"/>
+              <a:t>c</a:t>
+            </a:r>
+            <a:r>
+              <a:rPr lang="en-US" dirty="0" smtClean="0"/>
+              <a:t>an answer (written) questions with (written) answers</a:t>
+            </a:r>
+          </a:p>
+          <a:p>
+            <a:r>
+              <a:rPr lang="en-US" dirty="0" smtClean="0"/>
+              <a:t>Talking and drawings between customers and developers are not permitted</a:t>
+            </a:r>
+          </a:p>
+          <a:p>
+            <a:endParaRPr lang="en-US" dirty="0" smtClean="0"/>
+          </a:p>
+          <a:p>
+            <a:r>
+              <a:rPr lang="en-US" dirty="0" smtClean="0"/>
+              <a:t>Time for this round: 5 minutes</a:t>
+            </a:r>
+            <a:endParaRPr lang="en-US" dirty="0"/>
+          </a:p>
+        </p:txBody>
+      </p:sp>
+    </p:spTree>
+    <p:extLst>
+      <p:ext uri="{BB962C8B-B14F-4D97-AF65-F5344CB8AC3E}">
+        <p14:creationId xmlns:p14="http://schemas.microsoft.com/office/powerpoint/2010/main" val="1203308071"/>
+      </p:ext>
+    </p:extLst>
+  </p:cSld>
+  <p:clrMapOvr>
+    <a:masterClrMapping/>
+  </p:clrMapOvr>
+  <p:transition xmlns:p14="http://schemas.microsoft.com/office/powerpoint/2010/main">
+    <p:fade/>
+  </p:transition>
+  <p:timing>
+    <p:tnLst>
+      <p:par>
+        <p:cTn xmlns:p14="http://schemas.microsoft.com/office/powerpoint/2010/main" id="1" dur="indefinite" restart="never" nodeType="tmRoot"/>
+      </p:par>
+    </p:tnLst>
   </p:timing>
 </p:sld>
 </file>
